--- a/HDI_Estimation.pptx
+++ b/HDI_Estimation.pptx
@@ -15827,6 +15827,89 @@
   <p:clrMapOvr>
     <a:masterClrMapping/>
   </p:clrMapOvr>
+  <p:timing>
+    <p:tnLst>
+      <p:par>
+        <p:cTn id="1" dur="indefinite" restart="never" nodeType="tmRoot">
+          <p:childTnLst>
+            <p:seq concurrent="1" nextAc="seek">
+              <p:cTn id="2" dur="indefinite" nodeType="mainSeq">
+                <p:childTnLst>
+                  <p:par>
+                    <p:cTn id="3" fill="hold">
+                      <p:stCondLst>
+                        <p:cond delay="indefinite"/>
+                      </p:stCondLst>
+                      <p:childTnLst>
+                        <p:par>
+                          <p:cTn id="4" fill="hold">
+                            <p:stCondLst>
+                              <p:cond delay="0"/>
+                            </p:stCondLst>
+                            <p:childTnLst>
+                              <p:par>
+                                <p:cTn id="5" presetID="20" presetClass="entr" presetSubtype="0" fill="hold" nodeType="clickEffect">
+                                  <p:stCondLst>
+                                    <p:cond delay="0"/>
+                                  </p:stCondLst>
+                                  <p:childTnLst>
+                                    <p:set>
+                                      <p:cBhvr>
+                                        <p:cTn id="6" dur="1" fill="hold">
+                                          <p:stCondLst>
+                                            <p:cond delay="0"/>
+                                          </p:stCondLst>
+                                        </p:cTn>
+                                        <p:tgtEl>
+                                          <p:spTgt spid="19"/>
+                                        </p:tgtEl>
+                                        <p:attrNameLst>
+                                          <p:attrName>style.visibility</p:attrName>
+                                        </p:attrNameLst>
+                                      </p:cBhvr>
+                                      <p:to>
+                                        <p:strVal val="visible"/>
+                                      </p:to>
+                                    </p:set>
+                                    <p:animEffect transition="in" filter="wedge">
+                                      <p:cBhvr>
+                                        <p:cTn id="7" dur="2000"/>
+                                        <p:tgtEl>
+                                          <p:spTgt spid="19"/>
+                                        </p:tgtEl>
+                                      </p:cBhvr>
+                                    </p:animEffect>
+                                  </p:childTnLst>
+                                </p:cTn>
+                              </p:par>
+                            </p:childTnLst>
+                          </p:cTn>
+                        </p:par>
+                      </p:childTnLst>
+                    </p:cTn>
+                  </p:par>
+                </p:childTnLst>
+              </p:cTn>
+              <p:prevCondLst>
+                <p:cond evt="onPrev" delay="0">
+                  <p:tgtEl>
+                    <p:sldTgt/>
+                  </p:tgtEl>
+                </p:cond>
+              </p:prevCondLst>
+              <p:nextCondLst>
+                <p:cond evt="onNext" delay="0">
+                  <p:tgtEl>
+                    <p:sldTgt/>
+                  </p:tgtEl>
+                </p:cond>
+              </p:nextCondLst>
+            </p:seq>
+          </p:childTnLst>
+        </p:cTn>
+      </p:par>
+    </p:tnLst>
+  </p:timing>
 </p:sld>
 </file>
 
@@ -16234,6 +16317,440 @@
   <p:clrMapOvr>
     <a:masterClrMapping/>
   </p:clrMapOvr>
+  <p:timing>
+    <p:tnLst>
+      <p:par>
+        <p:cTn id="1" dur="indefinite" restart="never" nodeType="tmRoot">
+          <p:childTnLst>
+            <p:seq concurrent="1" nextAc="seek">
+              <p:cTn id="2" dur="indefinite" nodeType="mainSeq">
+                <p:childTnLst>
+                  <p:par>
+                    <p:cTn id="3" fill="hold">
+                      <p:stCondLst>
+                        <p:cond delay="indefinite"/>
+                      </p:stCondLst>
+                      <p:childTnLst>
+                        <p:par>
+                          <p:cTn id="4" fill="hold">
+                            <p:stCondLst>
+                              <p:cond delay="0"/>
+                            </p:stCondLst>
+                            <p:childTnLst>
+                              <p:par>
+                                <p:cTn id="5" presetID="2" presetClass="entr" presetSubtype="4" fill="hold" grpId="0" nodeType="clickEffect">
+                                  <p:stCondLst>
+                                    <p:cond delay="0"/>
+                                  </p:stCondLst>
+                                  <p:childTnLst>
+                                    <p:set>
+                                      <p:cBhvr>
+                                        <p:cTn id="6" dur="1" fill="hold">
+                                          <p:stCondLst>
+                                            <p:cond delay="0"/>
+                                          </p:stCondLst>
+                                        </p:cTn>
+                                        <p:tgtEl>
+                                          <p:spTgt spid="2"/>
+                                        </p:tgtEl>
+                                        <p:attrNameLst>
+                                          <p:attrName>style.visibility</p:attrName>
+                                        </p:attrNameLst>
+                                      </p:cBhvr>
+                                      <p:to>
+                                        <p:strVal val="visible"/>
+                                      </p:to>
+                                    </p:set>
+                                    <p:anim calcmode="lin" valueType="num">
+                                      <p:cBhvr additive="base">
+                                        <p:cTn id="7" dur="500" fill="hold"/>
+                                        <p:tgtEl>
+                                          <p:spTgt spid="2"/>
+                                        </p:tgtEl>
+                                        <p:attrNameLst>
+                                          <p:attrName>ppt_x</p:attrName>
+                                        </p:attrNameLst>
+                                      </p:cBhvr>
+                                      <p:tavLst>
+                                        <p:tav tm="0">
+                                          <p:val>
+                                            <p:strVal val="#ppt_x"/>
+                                          </p:val>
+                                        </p:tav>
+                                        <p:tav tm="100000">
+                                          <p:val>
+                                            <p:strVal val="#ppt_x"/>
+                                          </p:val>
+                                        </p:tav>
+                                      </p:tavLst>
+                                    </p:anim>
+                                    <p:anim calcmode="lin" valueType="num">
+                                      <p:cBhvr additive="base">
+                                        <p:cTn id="8" dur="500" fill="hold"/>
+                                        <p:tgtEl>
+                                          <p:spTgt spid="2"/>
+                                        </p:tgtEl>
+                                        <p:attrNameLst>
+                                          <p:attrName>ppt_y</p:attrName>
+                                        </p:attrNameLst>
+                                      </p:cBhvr>
+                                      <p:tavLst>
+                                        <p:tav tm="0">
+                                          <p:val>
+                                            <p:strVal val="1+#ppt_h/2"/>
+                                          </p:val>
+                                        </p:tav>
+                                        <p:tav tm="100000">
+                                          <p:val>
+                                            <p:strVal val="#ppt_y"/>
+                                          </p:val>
+                                        </p:tav>
+                                      </p:tavLst>
+                                    </p:anim>
+                                  </p:childTnLst>
+                                </p:cTn>
+                              </p:par>
+                            </p:childTnLst>
+                          </p:cTn>
+                        </p:par>
+                      </p:childTnLst>
+                    </p:cTn>
+                  </p:par>
+                  <p:par>
+                    <p:cTn id="9" fill="hold">
+                      <p:stCondLst>
+                        <p:cond delay="indefinite"/>
+                      </p:stCondLst>
+                      <p:childTnLst>
+                        <p:par>
+                          <p:cTn id="10" fill="hold">
+                            <p:stCondLst>
+                              <p:cond delay="0"/>
+                            </p:stCondLst>
+                            <p:childTnLst>
+                              <p:par>
+                                <p:cTn id="11" presetID="14" presetClass="entr" presetSubtype="10" fill="hold" grpId="0" nodeType="clickEffect">
+                                  <p:stCondLst>
+                                    <p:cond delay="0"/>
+                                  </p:stCondLst>
+                                  <p:childTnLst>
+                                    <p:set>
+                                      <p:cBhvr>
+                                        <p:cTn id="12" dur="1" fill="hold">
+                                          <p:stCondLst>
+                                            <p:cond delay="0"/>
+                                          </p:stCondLst>
+                                        </p:cTn>
+                                        <p:tgtEl>
+                                          <p:spTgt spid="13">
+                                            <p:graphicEl>
+                                              <a:dgm id="{3A5A43A9-F2E5-4244-91C3-84B6E07DC407}"/>
+                                            </p:graphicEl>
+                                          </p:spTgt>
+                                        </p:tgtEl>
+                                        <p:attrNameLst>
+                                          <p:attrName>style.visibility</p:attrName>
+                                        </p:attrNameLst>
+                                      </p:cBhvr>
+                                      <p:to>
+                                        <p:strVal val="visible"/>
+                                      </p:to>
+                                    </p:set>
+                                    <p:animEffect transition="in" filter="randombar(horizontal)">
+                                      <p:cBhvr>
+                                        <p:cTn id="13" dur="500"/>
+                                        <p:tgtEl>
+                                          <p:spTgt spid="13">
+                                            <p:graphicEl>
+                                              <a:dgm id="{3A5A43A9-F2E5-4244-91C3-84B6E07DC407}"/>
+                                            </p:graphicEl>
+                                          </p:spTgt>
+                                        </p:tgtEl>
+                                      </p:cBhvr>
+                                    </p:animEffect>
+                                  </p:childTnLst>
+                                </p:cTn>
+                              </p:par>
+                            </p:childTnLst>
+                          </p:cTn>
+                        </p:par>
+                      </p:childTnLst>
+                    </p:cTn>
+                  </p:par>
+                  <p:par>
+                    <p:cTn id="14" fill="hold">
+                      <p:stCondLst>
+                        <p:cond delay="indefinite"/>
+                      </p:stCondLst>
+                      <p:childTnLst>
+                        <p:par>
+                          <p:cTn id="15" fill="hold">
+                            <p:stCondLst>
+                              <p:cond delay="0"/>
+                            </p:stCondLst>
+                            <p:childTnLst>
+                              <p:par>
+                                <p:cTn id="16" presetID="14" presetClass="entr" presetSubtype="10" fill="hold" grpId="0" nodeType="clickEffect">
+                                  <p:stCondLst>
+                                    <p:cond delay="0"/>
+                                  </p:stCondLst>
+                                  <p:childTnLst>
+                                    <p:set>
+                                      <p:cBhvr>
+                                        <p:cTn id="17" dur="1" fill="hold">
+                                          <p:stCondLst>
+                                            <p:cond delay="0"/>
+                                          </p:stCondLst>
+                                        </p:cTn>
+                                        <p:tgtEl>
+                                          <p:spTgt spid="13">
+                                            <p:graphicEl>
+                                              <a:dgm id="{F15FFCF3-0772-46FF-B08B-269C6CD86C82}"/>
+                                            </p:graphicEl>
+                                          </p:spTgt>
+                                        </p:tgtEl>
+                                        <p:attrNameLst>
+                                          <p:attrName>style.visibility</p:attrName>
+                                        </p:attrNameLst>
+                                      </p:cBhvr>
+                                      <p:to>
+                                        <p:strVal val="visible"/>
+                                      </p:to>
+                                    </p:set>
+                                    <p:animEffect transition="in" filter="randombar(horizontal)">
+                                      <p:cBhvr>
+                                        <p:cTn id="18" dur="500"/>
+                                        <p:tgtEl>
+                                          <p:spTgt spid="13">
+                                            <p:graphicEl>
+                                              <a:dgm id="{F15FFCF3-0772-46FF-B08B-269C6CD86C82}"/>
+                                            </p:graphicEl>
+                                          </p:spTgt>
+                                        </p:tgtEl>
+                                      </p:cBhvr>
+                                    </p:animEffect>
+                                  </p:childTnLst>
+                                </p:cTn>
+                              </p:par>
+                            </p:childTnLst>
+                          </p:cTn>
+                        </p:par>
+                      </p:childTnLst>
+                    </p:cTn>
+                  </p:par>
+                  <p:par>
+                    <p:cTn id="19" fill="hold">
+                      <p:stCondLst>
+                        <p:cond delay="indefinite"/>
+                      </p:stCondLst>
+                      <p:childTnLst>
+                        <p:par>
+                          <p:cTn id="20" fill="hold">
+                            <p:stCondLst>
+                              <p:cond delay="0"/>
+                            </p:stCondLst>
+                            <p:childTnLst>
+                              <p:par>
+                                <p:cTn id="21" presetID="14" presetClass="entr" presetSubtype="10" fill="hold" grpId="0" nodeType="clickEffect">
+                                  <p:stCondLst>
+                                    <p:cond delay="0"/>
+                                  </p:stCondLst>
+                                  <p:childTnLst>
+                                    <p:set>
+                                      <p:cBhvr>
+                                        <p:cTn id="22" dur="1" fill="hold">
+                                          <p:stCondLst>
+                                            <p:cond delay="0"/>
+                                          </p:stCondLst>
+                                        </p:cTn>
+                                        <p:tgtEl>
+                                          <p:spTgt spid="13">
+                                            <p:graphicEl>
+                                              <a:dgm id="{E3345292-6C97-4163-BFDA-560C9790D312}"/>
+                                            </p:graphicEl>
+                                          </p:spTgt>
+                                        </p:tgtEl>
+                                        <p:attrNameLst>
+                                          <p:attrName>style.visibility</p:attrName>
+                                        </p:attrNameLst>
+                                      </p:cBhvr>
+                                      <p:to>
+                                        <p:strVal val="visible"/>
+                                      </p:to>
+                                    </p:set>
+                                    <p:animEffect transition="in" filter="randombar(horizontal)">
+                                      <p:cBhvr>
+                                        <p:cTn id="23" dur="500"/>
+                                        <p:tgtEl>
+                                          <p:spTgt spid="13">
+                                            <p:graphicEl>
+                                              <a:dgm id="{E3345292-6C97-4163-BFDA-560C9790D312}"/>
+                                            </p:graphicEl>
+                                          </p:spTgt>
+                                        </p:tgtEl>
+                                      </p:cBhvr>
+                                    </p:animEffect>
+                                  </p:childTnLst>
+                                </p:cTn>
+                              </p:par>
+                            </p:childTnLst>
+                          </p:cTn>
+                        </p:par>
+                      </p:childTnLst>
+                    </p:cTn>
+                  </p:par>
+                  <p:par>
+                    <p:cTn id="24" fill="hold">
+                      <p:stCondLst>
+                        <p:cond delay="indefinite"/>
+                      </p:stCondLst>
+                      <p:childTnLst>
+                        <p:par>
+                          <p:cTn id="25" fill="hold">
+                            <p:stCondLst>
+                              <p:cond delay="0"/>
+                            </p:stCondLst>
+                            <p:childTnLst>
+                              <p:par>
+                                <p:cTn id="26" presetID="14" presetClass="entr" presetSubtype="10" fill="hold" grpId="0" nodeType="clickEffect">
+                                  <p:stCondLst>
+                                    <p:cond delay="0"/>
+                                  </p:stCondLst>
+                                  <p:childTnLst>
+                                    <p:set>
+                                      <p:cBhvr>
+                                        <p:cTn id="27" dur="1" fill="hold">
+                                          <p:stCondLst>
+                                            <p:cond delay="0"/>
+                                          </p:stCondLst>
+                                        </p:cTn>
+                                        <p:tgtEl>
+                                          <p:spTgt spid="13">
+                                            <p:graphicEl>
+                                              <a:dgm id="{8EFD58D8-D51A-42A4-AAE6-13E40E8E56E9}"/>
+                                            </p:graphicEl>
+                                          </p:spTgt>
+                                        </p:tgtEl>
+                                        <p:attrNameLst>
+                                          <p:attrName>style.visibility</p:attrName>
+                                        </p:attrNameLst>
+                                      </p:cBhvr>
+                                      <p:to>
+                                        <p:strVal val="visible"/>
+                                      </p:to>
+                                    </p:set>
+                                    <p:animEffect transition="in" filter="randombar(horizontal)">
+                                      <p:cBhvr>
+                                        <p:cTn id="28" dur="500"/>
+                                        <p:tgtEl>
+                                          <p:spTgt spid="13">
+                                            <p:graphicEl>
+                                              <a:dgm id="{8EFD58D8-D51A-42A4-AAE6-13E40E8E56E9}"/>
+                                            </p:graphicEl>
+                                          </p:spTgt>
+                                        </p:tgtEl>
+                                      </p:cBhvr>
+                                    </p:animEffect>
+                                  </p:childTnLst>
+                                </p:cTn>
+                              </p:par>
+                            </p:childTnLst>
+                          </p:cTn>
+                        </p:par>
+                      </p:childTnLst>
+                    </p:cTn>
+                  </p:par>
+                  <p:par>
+                    <p:cTn id="29" fill="hold">
+                      <p:stCondLst>
+                        <p:cond delay="indefinite"/>
+                      </p:stCondLst>
+                      <p:childTnLst>
+                        <p:par>
+                          <p:cTn id="30" fill="hold">
+                            <p:stCondLst>
+                              <p:cond delay="0"/>
+                            </p:stCondLst>
+                            <p:childTnLst>
+                              <p:par>
+                                <p:cTn id="31" presetID="14" presetClass="entr" presetSubtype="10" fill="hold" grpId="0" nodeType="clickEffect">
+                                  <p:stCondLst>
+                                    <p:cond delay="0"/>
+                                  </p:stCondLst>
+                                  <p:childTnLst>
+                                    <p:set>
+                                      <p:cBhvr>
+                                        <p:cTn id="32" dur="1" fill="hold">
+                                          <p:stCondLst>
+                                            <p:cond delay="0"/>
+                                          </p:stCondLst>
+                                        </p:cTn>
+                                        <p:tgtEl>
+                                          <p:spTgt spid="13">
+                                            <p:graphicEl>
+                                              <a:dgm id="{7110ECCB-989E-41A6-BD3A-B9817B1EAF54}"/>
+                                            </p:graphicEl>
+                                          </p:spTgt>
+                                        </p:tgtEl>
+                                        <p:attrNameLst>
+                                          <p:attrName>style.visibility</p:attrName>
+                                        </p:attrNameLst>
+                                      </p:cBhvr>
+                                      <p:to>
+                                        <p:strVal val="visible"/>
+                                      </p:to>
+                                    </p:set>
+                                    <p:animEffect transition="in" filter="randombar(horizontal)">
+                                      <p:cBhvr>
+                                        <p:cTn id="33" dur="500"/>
+                                        <p:tgtEl>
+                                          <p:spTgt spid="13">
+                                            <p:graphicEl>
+                                              <a:dgm id="{7110ECCB-989E-41A6-BD3A-B9817B1EAF54}"/>
+                                            </p:graphicEl>
+                                          </p:spTgt>
+                                        </p:tgtEl>
+                                      </p:cBhvr>
+                                    </p:animEffect>
+                                  </p:childTnLst>
+                                </p:cTn>
+                              </p:par>
+                            </p:childTnLst>
+                          </p:cTn>
+                        </p:par>
+                      </p:childTnLst>
+                    </p:cTn>
+                  </p:par>
+                </p:childTnLst>
+              </p:cTn>
+              <p:prevCondLst>
+                <p:cond evt="onPrev" delay="0">
+                  <p:tgtEl>
+                    <p:sldTgt/>
+                  </p:tgtEl>
+                </p:cond>
+              </p:prevCondLst>
+              <p:nextCondLst>
+                <p:cond evt="onNext" delay="0">
+                  <p:tgtEl>
+                    <p:sldTgt/>
+                  </p:tgtEl>
+                </p:cond>
+              </p:nextCondLst>
+            </p:seq>
+          </p:childTnLst>
+        </p:cTn>
+      </p:par>
+    </p:tnLst>
+    <p:bldLst>
+      <p:bldP spid="2" grpId="0"/>
+      <p:bldGraphic spid="13" grpId="0">
+        <p:bldSub>
+          <a:bldDgm bld="one"/>
+        </p:bldSub>
+      </p:bldGraphic>
+    </p:bldLst>
+  </p:timing>
 </p:sld>
 </file>
 
@@ -16941,6 +17458,2632 @@
   <p:clrMapOvr>
     <a:masterClrMapping/>
   </p:clrMapOvr>
+  <p:timing>
+    <p:tnLst>
+      <p:par>
+        <p:cTn id="1" dur="indefinite" restart="never" nodeType="tmRoot">
+          <p:childTnLst>
+            <p:seq concurrent="1" nextAc="seek">
+              <p:cTn id="2" dur="indefinite" nodeType="mainSeq">
+                <p:childTnLst>
+                  <p:par>
+                    <p:cTn id="3" fill="hold">
+                      <p:stCondLst>
+                        <p:cond delay="indefinite"/>
+                      </p:stCondLst>
+                      <p:childTnLst>
+                        <p:par>
+                          <p:cTn id="4" fill="hold">
+                            <p:stCondLst>
+                              <p:cond delay="0"/>
+                            </p:stCondLst>
+                            <p:childTnLst>
+                              <p:par>
+                                <p:cTn id="5" presetID="2" presetClass="entr" presetSubtype="4" fill="hold" grpId="0" nodeType="clickEffect">
+                                  <p:stCondLst>
+                                    <p:cond delay="0"/>
+                                  </p:stCondLst>
+                                  <p:childTnLst>
+                                    <p:set>
+                                      <p:cBhvr>
+                                        <p:cTn id="6" dur="1" fill="hold">
+                                          <p:stCondLst>
+                                            <p:cond delay="0"/>
+                                          </p:stCondLst>
+                                        </p:cTn>
+                                        <p:tgtEl>
+                                          <p:spTgt spid="5"/>
+                                        </p:tgtEl>
+                                        <p:attrNameLst>
+                                          <p:attrName>style.visibility</p:attrName>
+                                        </p:attrNameLst>
+                                      </p:cBhvr>
+                                      <p:to>
+                                        <p:strVal val="visible"/>
+                                      </p:to>
+                                    </p:set>
+                                    <p:anim calcmode="lin" valueType="num">
+                                      <p:cBhvr additive="base">
+                                        <p:cTn id="7" dur="500" fill="hold"/>
+                                        <p:tgtEl>
+                                          <p:spTgt spid="5"/>
+                                        </p:tgtEl>
+                                        <p:attrNameLst>
+                                          <p:attrName>ppt_x</p:attrName>
+                                        </p:attrNameLst>
+                                      </p:cBhvr>
+                                      <p:tavLst>
+                                        <p:tav tm="0">
+                                          <p:val>
+                                            <p:strVal val="#ppt_x"/>
+                                          </p:val>
+                                        </p:tav>
+                                        <p:tav tm="100000">
+                                          <p:val>
+                                            <p:strVal val="#ppt_x"/>
+                                          </p:val>
+                                        </p:tav>
+                                      </p:tavLst>
+                                    </p:anim>
+                                    <p:anim calcmode="lin" valueType="num">
+                                      <p:cBhvr additive="base">
+                                        <p:cTn id="8" dur="500" fill="hold"/>
+                                        <p:tgtEl>
+                                          <p:spTgt spid="5"/>
+                                        </p:tgtEl>
+                                        <p:attrNameLst>
+                                          <p:attrName>ppt_y</p:attrName>
+                                        </p:attrNameLst>
+                                      </p:cBhvr>
+                                      <p:tavLst>
+                                        <p:tav tm="0">
+                                          <p:val>
+                                            <p:strVal val="1+#ppt_h/2"/>
+                                          </p:val>
+                                        </p:tav>
+                                        <p:tav tm="100000">
+                                          <p:val>
+                                            <p:strVal val="#ppt_y"/>
+                                          </p:val>
+                                        </p:tav>
+                                      </p:tavLst>
+                                    </p:anim>
+                                  </p:childTnLst>
+                                </p:cTn>
+                              </p:par>
+                            </p:childTnLst>
+                          </p:cTn>
+                        </p:par>
+                      </p:childTnLst>
+                    </p:cTn>
+                  </p:par>
+                  <p:par>
+                    <p:cTn id="9" fill="hold">
+                      <p:stCondLst>
+                        <p:cond delay="indefinite"/>
+                      </p:stCondLst>
+                      <p:childTnLst>
+                        <p:par>
+                          <p:cTn id="10" fill="hold">
+                            <p:stCondLst>
+                              <p:cond delay="0"/>
+                            </p:stCondLst>
+                            <p:childTnLst>
+                              <p:par>
+                                <p:cTn id="11" presetID="42" presetClass="entr" presetSubtype="0" fill="hold" grpId="0" nodeType="clickEffect">
+                                  <p:stCondLst>
+                                    <p:cond delay="0"/>
+                                  </p:stCondLst>
+                                  <p:childTnLst>
+                                    <p:set>
+                                      <p:cBhvr>
+                                        <p:cTn id="12" dur="1" fill="hold">
+                                          <p:stCondLst>
+                                            <p:cond delay="0"/>
+                                          </p:stCondLst>
+                                        </p:cTn>
+                                        <p:tgtEl>
+                                          <p:spTgt spid="4">
+                                            <p:graphicEl>
+                                              <a:dgm id="{55E57020-7F9B-4D88-9846-620E7E3BFB8B}"/>
+                                            </p:graphicEl>
+                                          </p:spTgt>
+                                        </p:tgtEl>
+                                        <p:attrNameLst>
+                                          <p:attrName>style.visibility</p:attrName>
+                                        </p:attrNameLst>
+                                      </p:cBhvr>
+                                      <p:to>
+                                        <p:strVal val="visible"/>
+                                      </p:to>
+                                    </p:set>
+                                    <p:animEffect transition="in" filter="fade">
+                                      <p:cBhvr>
+                                        <p:cTn id="13" dur="1000"/>
+                                        <p:tgtEl>
+                                          <p:spTgt spid="4">
+                                            <p:graphicEl>
+                                              <a:dgm id="{55E57020-7F9B-4D88-9846-620E7E3BFB8B}"/>
+                                            </p:graphicEl>
+                                          </p:spTgt>
+                                        </p:tgtEl>
+                                      </p:cBhvr>
+                                    </p:animEffect>
+                                    <p:anim calcmode="lin" valueType="num">
+                                      <p:cBhvr>
+                                        <p:cTn id="14" dur="1000" fill="hold"/>
+                                        <p:tgtEl>
+                                          <p:spTgt spid="4">
+                                            <p:graphicEl>
+                                              <a:dgm id="{55E57020-7F9B-4D88-9846-620E7E3BFB8B}"/>
+                                            </p:graphicEl>
+                                          </p:spTgt>
+                                        </p:tgtEl>
+                                        <p:attrNameLst>
+                                          <p:attrName>ppt_x</p:attrName>
+                                        </p:attrNameLst>
+                                      </p:cBhvr>
+                                      <p:tavLst>
+                                        <p:tav tm="0">
+                                          <p:val>
+                                            <p:strVal val="#ppt_x"/>
+                                          </p:val>
+                                        </p:tav>
+                                        <p:tav tm="100000">
+                                          <p:val>
+                                            <p:strVal val="#ppt_x"/>
+                                          </p:val>
+                                        </p:tav>
+                                      </p:tavLst>
+                                    </p:anim>
+                                    <p:anim calcmode="lin" valueType="num">
+                                      <p:cBhvr>
+                                        <p:cTn id="15" dur="1000" fill="hold"/>
+                                        <p:tgtEl>
+                                          <p:spTgt spid="4">
+                                            <p:graphicEl>
+                                              <a:dgm id="{55E57020-7F9B-4D88-9846-620E7E3BFB8B}"/>
+                                            </p:graphicEl>
+                                          </p:spTgt>
+                                        </p:tgtEl>
+                                        <p:attrNameLst>
+                                          <p:attrName>ppt_y</p:attrName>
+                                        </p:attrNameLst>
+                                      </p:cBhvr>
+                                      <p:tavLst>
+                                        <p:tav tm="0">
+                                          <p:val>
+                                            <p:strVal val="#ppt_y+.1"/>
+                                          </p:val>
+                                        </p:tav>
+                                        <p:tav tm="100000">
+                                          <p:val>
+                                            <p:strVal val="#ppt_y"/>
+                                          </p:val>
+                                        </p:tav>
+                                      </p:tavLst>
+                                    </p:anim>
+                                  </p:childTnLst>
+                                </p:cTn>
+                              </p:par>
+                              <p:par>
+                                <p:cTn id="16" presetID="42" presetClass="entr" presetSubtype="0" fill="hold" grpId="0" nodeType="withEffect">
+                                  <p:stCondLst>
+                                    <p:cond delay="0"/>
+                                  </p:stCondLst>
+                                  <p:childTnLst>
+                                    <p:set>
+                                      <p:cBhvr>
+                                        <p:cTn id="17" dur="1" fill="hold">
+                                          <p:stCondLst>
+                                            <p:cond delay="0"/>
+                                          </p:stCondLst>
+                                        </p:cTn>
+                                        <p:tgtEl>
+                                          <p:spTgt spid="4">
+                                            <p:graphicEl>
+                                              <a:dgm id="{9DC5E0E8-7BF8-43AC-89A2-C0B3EAC06741}"/>
+                                            </p:graphicEl>
+                                          </p:spTgt>
+                                        </p:tgtEl>
+                                        <p:attrNameLst>
+                                          <p:attrName>style.visibility</p:attrName>
+                                        </p:attrNameLst>
+                                      </p:cBhvr>
+                                      <p:to>
+                                        <p:strVal val="visible"/>
+                                      </p:to>
+                                    </p:set>
+                                    <p:animEffect transition="in" filter="fade">
+                                      <p:cBhvr>
+                                        <p:cTn id="18" dur="1000"/>
+                                        <p:tgtEl>
+                                          <p:spTgt spid="4">
+                                            <p:graphicEl>
+                                              <a:dgm id="{9DC5E0E8-7BF8-43AC-89A2-C0B3EAC06741}"/>
+                                            </p:graphicEl>
+                                          </p:spTgt>
+                                        </p:tgtEl>
+                                      </p:cBhvr>
+                                    </p:animEffect>
+                                    <p:anim calcmode="lin" valueType="num">
+                                      <p:cBhvr>
+                                        <p:cTn id="19" dur="1000" fill="hold"/>
+                                        <p:tgtEl>
+                                          <p:spTgt spid="4">
+                                            <p:graphicEl>
+                                              <a:dgm id="{9DC5E0E8-7BF8-43AC-89A2-C0B3EAC06741}"/>
+                                            </p:graphicEl>
+                                          </p:spTgt>
+                                        </p:tgtEl>
+                                        <p:attrNameLst>
+                                          <p:attrName>ppt_x</p:attrName>
+                                        </p:attrNameLst>
+                                      </p:cBhvr>
+                                      <p:tavLst>
+                                        <p:tav tm="0">
+                                          <p:val>
+                                            <p:strVal val="#ppt_x"/>
+                                          </p:val>
+                                        </p:tav>
+                                        <p:tav tm="100000">
+                                          <p:val>
+                                            <p:strVal val="#ppt_x"/>
+                                          </p:val>
+                                        </p:tav>
+                                      </p:tavLst>
+                                    </p:anim>
+                                    <p:anim calcmode="lin" valueType="num">
+                                      <p:cBhvr>
+                                        <p:cTn id="20" dur="1000" fill="hold"/>
+                                        <p:tgtEl>
+                                          <p:spTgt spid="4">
+                                            <p:graphicEl>
+                                              <a:dgm id="{9DC5E0E8-7BF8-43AC-89A2-C0B3EAC06741}"/>
+                                            </p:graphicEl>
+                                          </p:spTgt>
+                                        </p:tgtEl>
+                                        <p:attrNameLst>
+                                          <p:attrName>ppt_y</p:attrName>
+                                        </p:attrNameLst>
+                                      </p:cBhvr>
+                                      <p:tavLst>
+                                        <p:tav tm="0">
+                                          <p:val>
+                                            <p:strVal val="#ppt_y+.1"/>
+                                          </p:val>
+                                        </p:tav>
+                                        <p:tav tm="100000">
+                                          <p:val>
+                                            <p:strVal val="#ppt_y"/>
+                                          </p:val>
+                                        </p:tav>
+                                      </p:tavLst>
+                                    </p:anim>
+                                  </p:childTnLst>
+                                </p:cTn>
+                              </p:par>
+                              <p:par>
+                                <p:cTn id="21" presetID="42" presetClass="entr" presetSubtype="0" fill="hold" grpId="0" nodeType="withEffect">
+                                  <p:stCondLst>
+                                    <p:cond delay="0"/>
+                                  </p:stCondLst>
+                                  <p:childTnLst>
+                                    <p:set>
+                                      <p:cBhvr>
+                                        <p:cTn id="22" dur="1" fill="hold">
+                                          <p:stCondLst>
+                                            <p:cond delay="0"/>
+                                          </p:stCondLst>
+                                        </p:cTn>
+                                        <p:tgtEl>
+                                          <p:spTgt spid="4">
+                                            <p:graphicEl>
+                                              <a:dgm id="{1364DC72-5FEF-4E52-AD93-EB45C46DBA0D}"/>
+                                            </p:graphicEl>
+                                          </p:spTgt>
+                                        </p:tgtEl>
+                                        <p:attrNameLst>
+                                          <p:attrName>style.visibility</p:attrName>
+                                        </p:attrNameLst>
+                                      </p:cBhvr>
+                                      <p:to>
+                                        <p:strVal val="visible"/>
+                                      </p:to>
+                                    </p:set>
+                                    <p:animEffect transition="in" filter="fade">
+                                      <p:cBhvr>
+                                        <p:cTn id="23" dur="1000"/>
+                                        <p:tgtEl>
+                                          <p:spTgt spid="4">
+                                            <p:graphicEl>
+                                              <a:dgm id="{1364DC72-5FEF-4E52-AD93-EB45C46DBA0D}"/>
+                                            </p:graphicEl>
+                                          </p:spTgt>
+                                        </p:tgtEl>
+                                      </p:cBhvr>
+                                    </p:animEffect>
+                                    <p:anim calcmode="lin" valueType="num">
+                                      <p:cBhvr>
+                                        <p:cTn id="24" dur="1000" fill="hold"/>
+                                        <p:tgtEl>
+                                          <p:spTgt spid="4">
+                                            <p:graphicEl>
+                                              <a:dgm id="{1364DC72-5FEF-4E52-AD93-EB45C46DBA0D}"/>
+                                            </p:graphicEl>
+                                          </p:spTgt>
+                                        </p:tgtEl>
+                                        <p:attrNameLst>
+                                          <p:attrName>ppt_x</p:attrName>
+                                        </p:attrNameLst>
+                                      </p:cBhvr>
+                                      <p:tavLst>
+                                        <p:tav tm="0">
+                                          <p:val>
+                                            <p:strVal val="#ppt_x"/>
+                                          </p:val>
+                                        </p:tav>
+                                        <p:tav tm="100000">
+                                          <p:val>
+                                            <p:strVal val="#ppt_x"/>
+                                          </p:val>
+                                        </p:tav>
+                                      </p:tavLst>
+                                    </p:anim>
+                                    <p:anim calcmode="lin" valueType="num">
+                                      <p:cBhvr>
+                                        <p:cTn id="25" dur="1000" fill="hold"/>
+                                        <p:tgtEl>
+                                          <p:spTgt spid="4">
+                                            <p:graphicEl>
+                                              <a:dgm id="{1364DC72-5FEF-4E52-AD93-EB45C46DBA0D}"/>
+                                            </p:graphicEl>
+                                          </p:spTgt>
+                                        </p:tgtEl>
+                                        <p:attrNameLst>
+                                          <p:attrName>ppt_y</p:attrName>
+                                        </p:attrNameLst>
+                                      </p:cBhvr>
+                                      <p:tavLst>
+                                        <p:tav tm="0">
+                                          <p:val>
+                                            <p:strVal val="#ppt_y+.1"/>
+                                          </p:val>
+                                        </p:tav>
+                                        <p:tav tm="100000">
+                                          <p:val>
+                                            <p:strVal val="#ppt_y"/>
+                                          </p:val>
+                                        </p:tav>
+                                      </p:tavLst>
+                                    </p:anim>
+                                  </p:childTnLst>
+                                </p:cTn>
+                              </p:par>
+                              <p:par>
+                                <p:cTn id="26" presetID="42" presetClass="entr" presetSubtype="0" fill="hold" grpId="0" nodeType="withEffect">
+                                  <p:stCondLst>
+                                    <p:cond delay="0"/>
+                                  </p:stCondLst>
+                                  <p:childTnLst>
+                                    <p:set>
+                                      <p:cBhvr>
+                                        <p:cTn id="27" dur="1" fill="hold">
+                                          <p:stCondLst>
+                                            <p:cond delay="0"/>
+                                          </p:stCondLst>
+                                        </p:cTn>
+                                        <p:tgtEl>
+                                          <p:spTgt spid="4">
+                                            <p:graphicEl>
+                                              <a:dgm id="{08E45594-395B-4E7C-B4BE-8D3967F46B5F}"/>
+                                            </p:graphicEl>
+                                          </p:spTgt>
+                                        </p:tgtEl>
+                                        <p:attrNameLst>
+                                          <p:attrName>style.visibility</p:attrName>
+                                        </p:attrNameLst>
+                                      </p:cBhvr>
+                                      <p:to>
+                                        <p:strVal val="visible"/>
+                                      </p:to>
+                                    </p:set>
+                                    <p:animEffect transition="in" filter="fade">
+                                      <p:cBhvr>
+                                        <p:cTn id="28" dur="1000"/>
+                                        <p:tgtEl>
+                                          <p:spTgt spid="4">
+                                            <p:graphicEl>
+                                              <a:dgm id="{08E45594-395B-4E7C-B4BE-8D3967F46B5F}"/>
+                                            </p:graphicEl>
+                                          </p:spTgt>
+                                        </p:tgtEl>
+                                      </p:cBhvr>
+                                    </p:animEffect>
+                                    <p:anim calcmode="lin" valueType="num">
+                                      <p:cBhvr>
+                                        <p:cTn id="29" dur="1000" fill="hold"/>
+                                        <p:tgtEl>
+                                          <p:spTgt spid="4">
+                                            <p:graphicEl>
+                                              <a:dgm id="{08E45594-395B-4E7C-B4BE-8D3967F46B5F}"/>
+                                            </p:graphicEl>
+                                          </p:spTgt>
+                                        </p:tgtEl>
+                                        <p:attrNameLst>
+                                          <p:attrName>ppt_x</p:attrName>
+                                        </p:attrNameLst>
+                                      </p:cBhvr>
+                                      <p:tavLst>
+                                        <p:tav tm="0">
+                                          <p:val>
+                                            <p:strVal val="#ppt_x"/>
+                                          </p:val>
+                                        </p:tav>
+                                        <p:tav tm="100000">
+                                          <p:val>
+                                            <p:strVal val="#ppt_x"/>
+                                          </p:val>
+                                        </p:tav>
+                                      </p:tavLst>
+                                    </p:anim>
+                                    <p:anim calcmode="lin" valueType="num">
+                                      <p:cBhvr>
+                                        <p:cTn id="30" dur="1000" fill="hold"/>
+                                        <p:tgtEl>
+                                          <p:spTgt spid="4">
+                                            <p:graphicEl>
+                                              <a:dgm id="{08E45594-395B-4E7C-B4BE-8D3967F46B5F}"/>
+                                            </p:graphicEl>
+                                          </p:spTgt>
+                                        </p:tgtEl>
+                                        <p:attrNameLst>
+                                          <p:attrName>ppt_y</p:attrName>
+                                        </p:attrNameLst>
+                                      </p:cBhvr>
+                                      <p:tavLst>
+                                        <p:tav tm="0">
+                                          <p:val>
+                                            <p:strVal val="#ppt_y+.1"/>
+                                          </p:val>
+                                        </p:tav>
+                                        <p:tav tm="100000">
+                                          <p:val>
+                                            <p:strVal val="#ppt_y"/>
+                                          </p:val>
+                                        </p:tav>
+                                      </p:tavLst>
+                                    </p:anim>
+                                  </p:childTnLst>
+                                </p:cTn>
+                              </p:par>
+                              <p:par>
+                                <p:cTn id="31" presetID="42" presetClass="entr" presetSubtype="0" fill="hold" grpId="0" nodeType="withEffect">
+                                  <p:stCondLst>
+                                    <p:cond delay="0"/>
+                                  </p:stCondLst>
+                                  <p:childTnLst>
+                                    <p:set>
+                                      <p:cBhvr>
+                                        <p:cTn id="32" dur="1" fill="hold">
+                                          <p:stCondLst>
+                                            <p:cond delay="0"/>
+                                          </p:stCondLst>
+                                        </p:cTn>
+                                        <p:tgtEl>
+                                          <p:spTgt spid="4">
+                                            <p:graphicEl>
+                                              <a:dgm id="{3C33DE54-41BF-4AEB-AC31-1A94C8E09F3E}"/>
+                                            </p:graphicEl>
+                                          </p:spTgt>
+                                        </p:tgtEl>
+                                        <p:attrNameLst>
+                                          <p:attrName>style.visibility</p:attrName>
+                                        </p:attrNameLst>
+                                      </p:cBhvr>
+                                      <p:to>
+                                        <p:strVal val="visible"/>
+                                      </p:to>
+                                    </p:set>
+                                    <p:animEffect transition="in" filter="fade">
+                                      <p:cBhvr>
+                                        <p:cTn id="33" dur="1000"/>
+                                        <p:tgtEl>
+                                          <p:spTgt spid="4">
+                                            <p:graphicEl>
+                                              <a:dgm id="{3C33DE54-41BF-4AEB-AC31-1A94C8E09F3E}"/>
+                                            </p:graphicEl>
+                                          </p:spTgt>
+                                        </p:tgtEl>
+                                      </p:cBhvr>
+                                    </p:animEffect>
+                                    <p:anim calcmode="lin" valueType="num">
+                                      <p:cBhvr>
+                                        <p:cTn id="34" dur="1000" fill="hold"/>
+                                        <p:tgtEl>
+                                          <p:spTgt spid="4">
+                                            <p:graphicEl>
+                                              <a:dgm id="{3C33DE54-41BF-4AEB-AC31-1A94C8E09F3E}"/>
+                                            </p:graphicEl>
+                                          </p:spTgt>
+                                        </p:tgtEl>
+                                        <p:attrNameLst>
+                                          <p:attrName>ppt_x</p:attrName>
+                                        </p:attrNameLst>
+                                      </p:cBhvr>
+                                      <p:tavLst>
+                                        <p:tav tm="0">
+                                          <p:val>
+                                            <p:strVal val="#ppt_x"/>
+                                          </p:val>
+                                        </p:tav>
+                                        <p:tav tm="100000">
+                                          <p:val>
+                                            <p:strVal val="#ppt_x"/>
+                                          </p:val>
+                                        </p:tav>
+                                      </p:tavLst>
+                                    </p:anim>
+                                    <p:anim calcmode="lin" valueType="num">
+                                      <p:cBhvr>
+                                        <p:cTn id="35" dur="1000" fill="hold"/>
+                                        <p:tgtEl>
+                                          <p:spTgt spid="4">
+                                            <p:graphicEl>
+                                              <a:dgm id="{3C33DE54-41BF-4AEB-AC31-1A94C8E09F3E}"/>
+                                            </p:graphicEl>
+                                          </p:spTgt>
+                                        </p:tgtEl>
+                                        <p:attrNameLst>
+                                          <p:attrName>ppt_y</p:attrName>
+                                        </p:attrNameLst>
+                                      </p:cBhvr>
+                                      <p:tavLst>
+                                        <p:tav tm="0">
+                                          <p:val>
+                                            <p:strVal val="#ppt_y+.1"/>
+                                          </p:val>
+                                        </p:tav>
+                                        <p:tav tm="100000">
+                                          <p:val>
+                                            <p:strVal val="#ppt_y"/>
+                                          </p:val>
+                                        </p:tav>
+                                      </p:tavLst>
+                                    </p:anim>
+                                  </p:childTnLst>
+                                </p:cTn>
+                              </p:par>
+                              <p:par>
+                                <p:cTn id="36" presetID="42" presetClass="entr" presetSubtype="0" fill="hold" grpId="0" nodeType="withEffect">
+                                  <p:stCondLst>
+                                    <p:cond delay="0"/>
+                                  </p:stCondLst>
+                                  <p:childTnLst>
+                                    <p:set>
+                                      <p:cBhvr>
+                                        <p:cTn id="37" dur="1" fill="hold">
+                                          <p:stCondLst>
+                                            <p:cond delay="0"/>
+                                          </p:stCondLst>
+                                        </p:cTn>
+                                        <p:tgtEl>
+                                          <p:spTgt spid="4">
+                                            <p:graphicEl>
+                                              <a:dgm id="{5519B80E-6402-4471-9052-4916D654A633}"/>
+                                            </p:graphicEl>
+                                          </p:spTgt>
+                                        </p:tgtEl>
+                                        <p:attrNameLst>
+                                          <p:attrName>style.visibility</p:attrName>
+                                        </p:attrNameLst>
+                                      </p:cBhvr>
+                                      <p:to>
+                                        <p:strVal val="visible"/>
+                                      </p:to>
+                                    </p:set>
+                                    <p:animEffect transition="in" filter="fade">
+                                      <p:cBhvr>
+                                        <p:cTn id="38" dur="1000"/>
+                                        <p:tgtEl>
+                                          <p:spTgt spid="4">
+                                            <p:graphicEl>
+                                              <a:dgm id="{5519B80E-6402-4471-9052-4916D654A633}"/>
+                                            </p:graphicEl>
+                                          </p:spTgt>
+                                        </p:tgtEl>
+                                      </p:cBhvr>
+                                    </p:animEffect>
+                                    <p:anim calcmode="lin" valueType="num">
+                                      <p:cBhvr>
+                                        <p:cTn id="39" dur="1000" fill="hold"/>
+                                        <p:tgtEl>
+                                          <p:spTgt spid="4">
+                                            <p:graphicEl>
+                                              <a:dgm id="{5519B80E-6402-4471-9052-4916D654A633}"/>
+                                            </p:graphicEl>
+                                          </p:spTgt>
+                                        </p:tgtEl>
+                                        <p:attrNameLst>
+                                          <p:attrName>ppt_x</p:attrName>
+                                        </p:attrNameLst>
+                                      </p:cBhvr>
+                                      <p:tavLst>
+                                        <p:tav tm="0">
+                                          <p:val>
+                                            <p:strVal val="#ppt_x"/>
+                                          </p:val>
+                                        </p:tav>
+                                        <p:tav tm="100000">
+                                          <p:val>
+                                            <p:strVal val="#ppt_x"/>
+                                          </p:val>
+                                        </p:tav>
+                                      </p:tavLst>
+                                    </p:anim>
+                                    <p:anim calcmode="lin" valueType="num">
+                                      <p:cBhvr>
+                                        <p:cTn id="40" dur="1000" fill="hold"/>
+                                        <p:tgtEl>
+                                          <p:spTgt spid="4">
+                                            <p:graphicEl>
+                                              <a:dgm id="{5519B80E-6402-4471-9052-4916D654A633}"/>
+                                            </p:graphicEl>
+                                          </p:spTgt>
+                                        </p:tgtEl>
+                                        <p:attrNameLst>
+                                          <p:attrName>ppt_y</p:attrName>
+                                        </p:attrNameLst>
+                                      </p:cBhvr>
+                                      <p:tavLst>
+                                        <p:tav tm="0">
+                                          <p:val>
+                                            <p:strVal val="#ppt_y+.1"/>
+                                          </p:val>
+                                        </p:tav>
+                                        <p:tav tm="100000">
+                                          <p:val>
+                                            <p:strVal val="#ppt_y"/>
+                                          </p:val>
+                                        </p:tav>
+                                      </p:tavLst>
+                                    </p:anim>
+                                  </p:childTnLst>
+                                </p:cTn>
+                              </p:par>
+                              <p:par>
+                                <p:cTn id="41" presetID="42" presetClass="entr" presetSubtype="0" fill="hold" grpId="0" nodeType="withEffect">
+                                  <p:stCondLst>
+                                    <p:cond delay="0"/>
+                                  </p:stCondLst>
+                                  <p:childTnLst>
+                                    <p:set>
+                                      <p:cBhvr>
+                                        <p:cTn id="42" dur="1" fill="hold">
+                                          <p:stCondLst>
+                                            <p:cond delay="0"/>
+                                          </p:stCondLst>
+                                        </p:cTn>
+                                        <p:tgtEl>
+                                          <p:spTgt spid="4">
+                                            <p:graphicEl>
+                                              <a:dgm id="{AAFBBB8E-999F-4F5E-991B-5F38D2E1EB95}"/>
+                                            </p:graphicEl>
+                                          </p:spTgt>
+                                        </p:tgtEl>
+                                        <p:attrNameLst>
+                                          <p:attrName>style.visibility</p:attrName>
+                                        </p:attrNameLst>
+                                      </p:cBhvr>
+                                      <p:to>
+                                        <p:strVal val="visible"/>
+                                      </p:to>
+                                    </p:set>
+                                    <p:animEffect transition="in" filter="fade">
+                                      <p:cBhvr>
+                                        <p:cTn id="43" dur="1000"/>
+                                        <p:tgtEl>
+                                          <p:spTgt spid="4">
+                                            <p:graphicEl>
+                                              <a:dgm id="{AAFBBB8E-999F-4F5E-991B-5F38D2E1EB95}"/>
+                                            </p:graphicEl>
+                                          </p:spTgt>
+                                        </p:tgtEl>
+                                      </p:cBhvr>
+                                    </p:animEffect>
+                                    <p:anim calcmode="lin" valueType="num">
+                                      <p:cBhvr>
+                                        <p:cTn id="44" dur="1000" fill="hold"/>
+                                        <p:tgtEl>
+                                          <p:spTgt spid="4">
+                                            <p:graphicEl>
+                                              <a:dgm id="{AAFBBB8E-999F-4F5E-991B-5F38D2E1EB95}"/>
+                                            </p:graphicEl>
+                                          </p:spTgt>
+                                        </p:tgtEl>
+                                        <p:attrNameLst>
+                                          <p:attrName>ppt_x</p:attrName>
+                                        </p:attrNameLst>
+                                      </p:cBhvr>
+                                      <p:tavLst>
+                                        <p:tav tm="0">
+                                          <p:val>
+                                            <p:strVal val="#ppt_x"/>
+                                          </p:val>
+                                        </p:tav>
+                                        <p:tav tm="100000">
+                                          <p:val>
+                                            <p:strVal val="#ppt_x"/>
+                                          </p:val>
+                                        </p:tav>
+                                      </p:tavLst>
+                                    </p:anim>
+                                    <p:anim calcmode="lin" valueType="num">
+                                      <p:cBhvr>
+                                        <p:cTn id="45" dur="1000" fill="hold"/>
+                                        <p:tgtEl>
+                                          <p:spTgt spid="4">
+                                            <p:graphicEl>
+                                              <a:dgm id="{AAFBBB8E-999F-4F5E-991B-5F38D2E1EB95}"/>
+                                            </p:graphicEl>
+                                          </p:spTgt>
+                                        </p:tgtEl>
+                                        <p:attrNameLst>
+                                          <p:attrName>ppt_y</p:attrName>
+                                        </p:attrNameLst>
+                                      </p:cBhvr>
+                                      <p:tavLst>
+                                        <p:tav tm="0">
+                                          <p:val>
+                                            <p:strVal val="#ppt_y+.1"/>
+                                          </p:val>
+                                        </p:tav>
+                                        <p:tav tm="100000">
+                                          <p:val>
+                                            <p:strVal val="#ppt_y"/>
+                                          </p:val>
+                                        </p:tav>
+                                      </p:tavLst>
+                                    </p:anim>
+                                  </p:childTnLst>
+                                </p:cTn>
+                              </p:par>
+                              <p:par>
+                                <p:cTn id="46" presetID="42" presetClass="entr" presetSubtype="0" fill="hold" grpId="0" nodeType="withEffect">
+                                  <p:stCondLst>
+                                    <p:cond delay="0"/>
+                                  </p:stCondLst>
+                                  <p:childTnLst>
+                                    <p:set>
+                                      <p:cBhvr>
+                                        <p:cTn id="47" dur="1" fill="hold">
+                                          <p:stCondLst>
+                                            <p:cond delay="0"/>
+                                          </p:stCondLst>
+                                        </p:cTn>
+                                        <p:tgtEl>
+                                          <p:spTgt spid="4">
+                                            <p:graphicEl>
+                                              <a:dgm id="{F6293EB4-EABB-4D74-9028-95148B2FFA8E}"/>
+                                            </p:graphicEl>
+                                          </p:spTgt>
+                                        </p:tgtEl>
+                                        <p:attrNameLst>
+                                          <p:attrName>style.visibility</p:attrName>
+                                        </p:attrNameLst>
+                                      </p:cBhvr>
+                                      <p:to>
+                                        <p:strVal val="visible"/>
+                                      </p:to>
+                                    </p:set>
+                                    <p:animEffect transition="in" filter="fade">
+                                      <p:cBhvr>
+                                        <p:cTn id="48" dur="1000"/>
+                                        <p:tgtEl>
+                                          <p:spTgt spid="4">
+                                            <p:graphicEl>
+                                              <a:dgm id="{F6293EB4-EABB-4D74-9028-95148B2FFA8E}"/>
+                                            </p:graphicEl>
+                                          </p:spTgt>
+                                        </p:tgtEl>
+                                      </p:cBhvr>
+                                    </p:animEffect>
+                                    <p:anim calcmode="lin" valueType="num">
+                                      <p:cBhvr>
+                                        <p:cTn id="49" dur="1000" fill="hold"/>
+                                        <p:tgtEl>
+                                          <p:spTgt spid="4">
+                                            <p:graphicEl>
+                                              <a:dgm id="{F6293EB4-EABB-4D74-9028-95148B2FFA8E}"/>
+                                            </p:graphicEl>
+                                          </p:spTgt>
+                                        </p:tgtEl>
+                                        <p:attrNameLst>
+                                          <p:attrName>ppt_x</p:attrName>
+                                        </p:attrNameLst>
+                                      </p:cBhvr>
+                                      <p:tavLst>
+                                        <p:tav tm="0">
+                                          <p:val>
+                                            <p:strVal val="#ppt_x"/>
+                                          </p:val>
+                                        </p:tav>
+                                        <p:tav tm="100000">
+                                          <p:val>
+                                            <p:strVal val="#ppt_x"/>
+                                          </p:val>
+                                        </p:tav>
+                                      </p:tavLst>
+                                    </p:anim>
+                                    <p:anim calcmode="lin" valueType="num">
+                                      <p:cBhvr>
+                                        <p:cTn id="50" dur="1000" fill="hold"/>
+                                        <p:tgtEl>
+                                          <p:spTgt spid="4">
+                                            <p:graphicEl>
+                                              <a:dgm id="{F6293EB4-EABB-4D74-9028-95148B2FFA8E}"/>
+                                            </p:graphicEl>
+                                          </p:spTgt>
+                                        </p:tgtEl>
+                                        <p:attrNameLst>
+                                          <p:attrName>ppt_y</p:attrName>
+                                        </p:attrNameLst>
+                                      </p:cBhvr>
+                                      <p:tavLst>
+                                        <p:tav tm="0">
+                                          <p:val>
+                                            <p:strVal val="#ppt_y+.1"/>
+                                          </p:val>
+                                        </p:tav>
+                                        <p:tav tm="100000">
+                                          <p:val>
+                                            <p:strVal val="#ppt_y"/>
+                                          </p:val>
+                                        </p:tav>
+                                      </p:tavLst>
+                                    </p:anim>
+                                  </p:childTnLst>
+                                </p:cTn>
+                              </p:par>
+                              <p:par>
+                                <p:cTn id="51" presetID="42" presetClass="entr" presetSubtype="0" fill="hold" grpId="0" nodeType="withEffect">
+                                  <p:stCondLst>
+                                    <p:cond delay="0"/>
+                                  </p:stCondLst>
+                                  <p:childTnLst>
+                                    <p:set>
+                                      <p:cBhvr>
+                                        <p:cTn id="52" dur="1" fill="hold">
+                                          <p:stCondLst>
+                                            <p:cond delay="0"/>
+                                          </p:stCondLst>
+                                        </p:cTn>
+                                        <p:tgtEl>
+                                          <p:spTgt spid="4">
+                                            <p:graphicEl>
+                                              <a:dgm id="{A25E3AC3-56D9-407A-BCCF-BD8DB7B27711}"/>
+                                            </p:graphicEl>
+                                          </p:spTgt>
+                                        </p:tgtEl>
+                                        <p:attrNameLst>
+                                          <p:attrName>style.visibility</p:attrName>
+                                        </p:attrNameLst>
+                                      </p:cBhvr>
+                                      <p:to>
+                                        <p:strVal val="visible"/>
+                                      </p:to>
+                                    </p:set>
+                                    <p:animEffect transition="in" filter="fade">
+                                      <p:cBhvr>
+                                        <p:cTn id="53" dur="1000"/>
+                                        <p:tgtEl>
+                                          <p:spTgt spid="4">
+                                            <p:graphicEl>
+                                              <a:dgm id="{A25E3AC3-56D9-407A-BCCF-BD8DB7B27711}"/>
+                                            </p:graphicEl>
+                                          </p:spTgt>
+                                        </p:tgtEl>
+                                      </p:cBhvr>
+                                    </p:animEffect>
+                                    <p:anim calcmode="lin" valueType="num">
+                                      <p:cBhvr>
+                                        <p:cTn id="54" dur="1000" fill="hold"/>
+                                        <p:tgtEl>
+                                          <p:spTgt spid="4">
+                                            <p:graphicEl>
+                                              <a:dgm id="{A25E3AC3-56D9-407A-BCCF-BD8DB7B27711}"/>
+                                            </p:graphicEl>
+                                          </p:spTgt>
+                                        </p:tgtEl>
+                                        <p:attrNameLst>
+                                          <p:attrName>ppt_x</p:attrName>
+                                        </p:attrNameLst>
+                                      </p:cBhvr>
+                                      <p:tavLst>
+                                        <p:tav tm="0">
+                                          <p:val>
+                                            <p:strVal val="#ppt_x"/>
+                                          </p:val>
+                                        </p:tav>
+                                        <p:tav tm="100000">
+                                          <p:val>
+                                            <p:strVal val="#ppt_x"/>
+                                          </p:val>
+                                        </p:tav>
+                                      </p:tavLst>
+                                    </p:anim>
+                                    <p:anim calcmode="lin" valueType="num">
+                                      <p:cBhvr>
+                                        <p:cTn id="55" dur="1000" fill="hold"/>
+                                        <p:tgtEl>
+                                          <p:spTgt spid="4">
+                                            <p:graphicEl>
+                                              <a:dgm id="{A25E3AC3-56D9-407A-BCCF-BD8DB7B27711}"/>
+                                            </p:graphicEl>
+                                          </p:spTgt>
+                                        </p:tgtEl>
+                                        <p:attrNameLst>
+                                          <p:attrName>ppt_y</p:attrName>
+                                        </p:attrNameLst>
+                                      </p:cBhvr>
+                                      <p:tavLst>
+                                        <p:tav tm="0">
+                                          <p:val>
+                                            <p:strVal val="#ppt_y+.1"/>
+                                          </p:val>
+                                        </p:tav>
+                                        <p:tav tm="100000">
+                                          <p:val>
+                                            <p:strVal val="#ppt_y"/>
+                                          </p:val>
+                                        </p:tav>
+                                      </p:tavLst>
+                                    </p:anim>
+                                  </p:childTnLst>
+                                </p:cTn>
+                              </p:par>
+                              <p:par>
+                                <p:cTn id="56" presetID="42" presetClass="entr" presetSubtype="0" fill="hold" grpId="0" nodeType="withEffect">
+                                  <p:stCondLst>
+                                    <p:cond delay="0"/>
+                                  </p:stCondLst>
+                                  <p:childTnLst>
+                                    <p:set>
+                                      <p:cBhvr>
+                                        <p:cTn id="57" dur="1" fill="hold">
+                                          <p:stCondLst>
+                                            <p:cond delay="0"/>
+                                          </p:stCondLst>
+                                        </p:cTn>
+                                        <p:tgtEl>
+                                          <p:spTgt spid="4">
+                                            <p:graphicEl>
+                                              <a:dgm id="{32CEB2FF-E13B-4BE3-88B0-E23E18E7B575}"/>
+                                            </p:graphicEl>
+                                          </p:spTgt>
+                                        </p:tgtEl>
+                                        <p:attrNameLst>
+                                          <p:attrName>style.visibility</p:attrName>
+                                        </p:attrNameLst>
+                                      </p:cBhvr>
+                                      <p:to>
+                                        <p:strVal val="visible"/>
+                                      </p:to>
+                                    </p:set>
+                                    <p:animEffect transition="in" filter="fade">
+                                      <p:cBhvr>
+                                        <p:cTn id="58" dur="1000"/>
+                                        <p:tgtEl>
+                                          <p:spTgt spid="4">
+                                            <p:graphicEl>
+                                              <a:dgm id="{32CEB2FF-E13B-4BE3-88B0-E23E18E7B575}"/>
+                                            </p:graphicEl>
+                                          </p:spTgt>
+                                        </p:tgtEl>
+                                      </p:cBhvr>
+                                    </p:animEffect>
+                                    <p:anim calcmode="lin" valueType="num">
+                                      <p:cBhvr>
+                                        <p:cTn id="59" dur="1000" fill="hold"/>
+                                        <p:tgtEl>
+                                          <p:spTgt spid="4">
+                                            <p:graphicEl>
+                                              <a:dgm id="{32CEB2FF-E13B-4BE3-88B0-E23E18E7B575}"/>
+                                            </p:graphicEl>
+                                          </p:spTgt>
+                                        </p:tgtEl>
+                                        <p:attrNameLst>
+                                          <p:attrName>ppt_x</p:attrName>
+                                        </p:attrNameLst>
+                                      </p:cBhvr>
+                                      <p:tavLst>
+                                        <p:tav tm="0">
+                                          <p:val>
+                                            <p:strVal val="#ppt_x"/>
+                                          </p:val>
+                                        </p:tav>
+                                        <p:tav tm="100000">
+                                          <p:val>
+                                            <p:strVal val="#ppt_x"/>
+                                          </p:val>
+                                        </p:tav>
+                                      </p:tavLst>
+                                    </p:anim>
+                                    <p:anim calcmode="lin" valueType="num">
+                                      <p:cBhvr>
+                                        <p:cTn id="60" dur="1000" fill="hold"/>
+                                        <p:tgtEl>
+                                          <p:spTgt spid="4">
+                                            <p:graphicEl>
+                                              <a:dgm id="{32CEB2FF-E13B-4BE3-88B0-E23E18E7B575}"/>
+                                            </p:graphicEl>
+                                          </p:spTgt>
+                                        </p:tgtEl>
+                                        <p:attrNameLst>
+                                          <p:attrName>ppt_y</p:attrName>
+                                        </p:attrNameLst>
+                                      </p:cBhvr>
+                                      <p:tavLst>
+                                        <p:tav tm="0">
+                                          <p:val>
+                                            <p:strVal val="#ppt_y+.1"/>
+                                          </p:val>
+                                        </p:tav>
+                                        <p:tav tm="100000">
+                                          <p:val>
+                                            <p:strVal val="#ppt_y"/>
+                                          </p:val>
+                                        </p:tav>
+                                      </p:tavLst>
+                                    </p:anim>
+                                  </p:childTnLst>
+                                </p:cTn>
+                              </p:par>
+                              <p:par>
+                                <p:cTn id="61" presetID="42" presetClass="entr" presetSubtype="0" fill="hold" grpId="0" nodeType="withEffect">
+                                  <p:stCondLst>
+                                    <p:cond delay="0"/>
+                                  </p:stCondLst>
+                                  <p:childTnLst>
+                                    <p:set>
+                                      <p:cBhvr>
+                                        <p:cTn id="62" dur="1" fill="hold">
+                                          <p:stCondLst>
+                                            <p:cond delay="0"/>
+                                          </p:stCondLst>
+                                        </p:cTn>
+                                        <p:tgtEl>
+                                          <p:spTgt spid="4">
+                                            <p:graphicEl>
+                                              <a:dgm id="{8D3D0C48-BD27-4F10-9D6B-6D534B8D469F}"/>
+                                            </p:graphicEl>
+                                          </p:spTgt>
+                                        </p:tgtEl>
+                                        <p:attrNameLst>
+                                          <p:attrName>style.visibility</p:attrName>
+                                        </p:attrNameLst>
+                                      </p:cBhvr>
+                                      <p:to>
+                                        <p:strVal val="visible"/>
+                                      </p:to>
+                                    </p:set>
+                                    <p:animEffect transition="in" filter="fade">
+                                      <p:cBhvr>
+                                        <p:cTn id="63" dur="1000"/>
+                                        <p:tgtEl>
+                                          <p:spTgt spid="4">
+                                            <p:graphicEl>
+                                              <a:dgm id="{8D3D0C48-BD27-4F10-9D6B-6D534B8D469F}"/>
+                                            </p:graphicEl>
+                                          </p:spTgt>
+                                        </p:tgtEl>
+                                      </p:cBhvr>
+                                    </p:animEffect>
+                                    <p:anim calcmode="lin" valueType="num">
+                                      <p:cBhvr>
+                                        <p:cTn id="64" dur="1000" fill="hold"/>
+                                        <p:tgtEl>
+                                          <p:spTgt spid="4">
+                                            <p:graphicEl>
+                                              <a:dgm id="{8D3D0C48-BD27-4F10-9D6B-6D534B8D469F}"/>
+                                            </p:graphicEl>
+                                          </p:spTgt>
+                                        </p:tgtEl>
+                                        <p:attrNameLst>
+                                          <p:attrName>ppt_x</p:attrName>
+                                        </p:attrNameLst>
+                                      </p:cBhvr>
+                                      <p:tavLst>
+                                        <p:tav tm="0">
+                                          <p:val>
+                                            <p:strVal val="#ppt_x"/>
+                                          </p:val>
+                                        </p:tav>
+                                        <p:tav tm="100000">
+                                          <p:val>
+                                            <p:strVal val="#ppt_x"/>
+                                          </p:val>
+                                        </p:tav>
+                                      </p:tavLst>
+                                    </p:anim>
+                                    <p:anim calcmode="lin" valueType="num">
+                                      <p:cBhvr>
+                                        <p:cTn id="65" dur="1000" fill="hold"/>
+                                        <p:tgtEl>
+                                          <p:spTgt spid="4">
+                                            <p:graphicEl>
+                                              <a:dgm id="{8D3D0C48-BD27-4F10-9D6B-6D534B8D469F}"/>
+                                            </p:graphicEl>
+                                          </p:spTgt>
+                                        </p:tgtEl>
+                                        <p:attrNameLst>
+                                          <p:attrName>ppt_y</p:attrName>
+                                        </p:attrNameLst>
+                                      </p:cBhvr>
+                                      <p:tavLst>
+                                        <p:tav tm="0">
+                                          <p:val>
+                                            <p:strVal val="#ppt_y+.1"/>
+                                          </p:val>
+                                        </p:tav>
+                                        <p:tav tm="100000">
+                                          <p:val>
+                                            <p:strVal val="#ppt_y"/>
+                                          </p:val>
+                                        </p:tav>
+                                      </p:tavLst>
+                                    </p:anim>
+                                  </p:childTnLst>
+                                </p:cTn>
+                              </p:par>
+                              <p:par>
+                                <p:cTn id="66" presetID="42" presetClass="entr" presetSubtype="0" fill="hold" grpId="0" nodeType="withEffect">
+                                  <p:stCondLst>
+                                    <p:cond delay="0"/>
+                                  </p:stCondLst>
+                                  <p:childTnLst>
+                                    <p:set>
+                                      <p:cBhvr>
+                                        <p:cTn id="67" dur="1" fill="hold">
+                                          <p:stCondLst>
+                                            <p:cond delay="0"/>
+                                          </p:stCondLst>
+                                        </p:cTn>
+                                        <p:tgtEl>
+                                          <p:spTgt spid="4">
+                                            <p:graphicEl>
+                                              <a:dgm id="{A89F4A9A-F2FD-48D1-B7A3-8C0F375395E5}"/>
+                                            </p:graphicEl>
+                                          </p:spTgt>
+                                        </p:tgtEl>
+                                        <p:attrNameLst>
+                                          <p:attrName>style.visibility</p:attrName>
+                                        </p:attrNameLst>
+                                      </p:cBhvr>
+                                      <p:to>
+                                        <p:strVal val="visible"/>
+                                      </p:to>
+                                    </p:set>
+                                    <p:animEffect transition="in" filter="fade">
+                                      <p:cBhvr>
+                                        <p:cTn id="68" dur="1000"/>
+                                        <p:tgtEl>
+                                          <p:spTgt spid="4">
+                                            <p:graphicEl>
+                                              <a:dgm id="{A89F4A9A-F2FD-48D1-B7A3-8C0F375395E5}"/>
+                                            </p:graphicEl>
+                                          </p:spTgt>
+                                        </p:tgtEl>
+                                      </p:cBhvr>
+                                    </p:animEffect>
+                                    <p:anim calcmode="lin" valueType="num">
+                                      <p:cBhvr>
+                                        <p:cTn id="69" dur="1000" fill="hold"/>
+                                        <p:tgtEl>
+                                          <p:spTgt spid="4">
+                                            <p:graphicEl>
+                                              <a:dgm id="{A89F4A9A-F2FD-48D1-B7A3-8C0F375395E5}"/>
+                                            </p:graphicEl>
+                                          </p:spTgt>
+                                        </p:tgtEl>
+                                        <p:attrNameLst>
+                                          <p:attrName>ppt_x</p:attrName>
+                                        </p:attrNameLst>
+                                      </p:cBhvr>
+                                      <p:tavLst>
+                                        <p:tav tm="0">
+                                          <p:val>
+                                            <p:strVal val="#ppt_x"/>
+                                          </p:val>
+                                        </p:tav>
+                                        <p:tav tm="100000">
+                                          <p:val>
+                                            <p:strVal val="#ppt_x"/>
+                                          </p:val>
+                                        </p:tav>
+                                      </p:tavLst>
+                                    </p:anim>
+                                    <p:anim calcmode="lin" valueType="num">
+                                      <p:cBhvr>
+                                        <p:cTn id="70" dur="1000" fill="hold"/>
+                                        <p:tgtEl>
+                                          <p:spTgt spid="4">
+                                            <p:graphicEl>
+                                              <a:dgm id="{A89F4A9A-F2FD-48D1-B7A3-8C0F375395E5}"/>
+                                            </p:graphicEl>
+                                          </p:spTgt>
+                                        </p:tgtEl>
+                                        <p:attrNameLst>
+                                          <p:attrName>ppt_y</p:attrName>
+                                        </p:attrNameLst>
+                                      </p:cBhvr>
+                                      <p:tavLst>
+                                        <p:tav tm="0">
+                                          <p:val>
+                                            <p:strVal val="#ppt_y+.1"/>
+                                          </p:val>
+                                        </p:tav>
+                                        <p:tav tm="100000">
+                                          <p:val>
+                                            <p:strVal val="#ppt_y"/>
+                                          </p:val>
+                                        </p:tav>
+                                      </p:tavLst>
+                                    </p:anim>
+                                  </p:childTnLst>
+                                </p:cTn>
+                              </p:par>
+                              <p:par>
+                                <p:cTn id="71" presetID="42" presetClass="entr" presetSubtype="0" fill="hold" grpId="0" nodeType="withEffect">
+                                  <p:stCondLst>
+                                    <p:cond delay="0"/>
+                                  </p:stCondLst>
+                                  <p:childTnLst>
+                                    <p:set>
+                                      <p:cBhvr>
+                                        <p:cTn id="72" dur="1" fill="hold">
+                                          <p:stCondLst>
+                                            <p:cond delay="0"/>
+                                          </p:stCondLst>
+                                        </p:cTn>
+                                        <p:tgtEl>
+                                          <p:spTgt spid="4">
+                                            <p:graphicEl>
+                                              <a:dgm id="{5024F4C5-1FFD-46CE-B580-FA998DC73E09}"/>
+                                            </p:graphicEl>
+                                          </p:spTgt>
+                                        </p:tgtEl>
+                                        <p:attrNameLst>
+                                          <p:attrName>style.visibility</p:attrName>
+                                        </p:attrNameLst>
+                                      </p:cBhvr>
+                                      <p:to>
+                                        <p:strVal val="visible"/>
+                                      </p:to>
+                                    </p:set>
+                                    <p:animEffect transition="in" filter="fade">
+                                      <p:cBhvr>
+                                        <p:cTn id="73" dur="1000"/>
+                                        <p:tgtEl>
+                                          <p:spTgt spid="4">
+                                            <p:graphicEl>
+                                              <a:dgm id="{5024F4C5-1FFD-46CE-B580-FA998DC73E09}"/>
+                                            </p:graphicEl>
+                                          </p:spTgt>
+                                        </p:tgtEl>
+                                      </p:cBhvr>
+                                    </p:animEffect>
+                                    <p:anim calcmode="lin" valueType="num">
+                                      <p:cBhvr>
+                                        <p:cTn id="74" dur="1000" fill="hold"/>
+                                        <p:tgtEl>
+                                          <p:spTgt spid="4">
+                                            <p:graphicEl>
+                                              <a:dgm id="{5024F4C5-1FFD-46CE-B580-FA998DC73E09}"/>
+                                            </p:graphicEl>
+                                          </p:spTgt>
+                                        </p:tgtEl>
+                                        <p:attrNameLst>
+                                          <p:attrName>ppt_x</p:attrName>
+                                        </p:attrNameLst>
+                                      </p:cBhvr>
+                                      <p:tavLst>
+                                        <p:tav tm="0">
+                                          <p:val>
+                                            <p:strVal val="#ppt_x"/>
+                                          </p:val>
+                                        </p:tav>
+                                        <p:tav tm="100000">
+                                          <p:val>
+                                            <p:strVal val="#ppt_x"/>
+                                          </p:val>
+                                        </p:tav>
+                                      </p:tavLst>
+                                    </p:anim>
+                                    <p:anim calcmode="lin" valueType="num">
+                                      <p:cBhvr>
+                                        <p:cTn id="75" dur="1000" fill="hold"/>
+                                        <p:tgtEl>
+                                          <p:spTgt spid="4">
+                                            <p:graphicEl>
+                                              <a:dgm id="{5024F4C5-1FFD-46CE-B580-FA998DC73E09}"/>
+                                            </p:graphicEl>
+                                          </p:spTgt>
+                                        </p:tgtEl>
+                                        <p:attrNameLst>
+                                          <p:attrName>ppt_y</p:attrName>
+                                        </p:attrNameLst>
+                                      </p:cBhvr>
+                                      <p:tavLst>
+                                        <p:tav tm="0">
+                                          <p:val>
+                                            <p:strVal val="#ppt_y+.1"/>
+                                          </p:val>
+                                        </p:tav>
+                                        <p:tav tm="100000">
+                                          <p:val>
+                                            <p:strVal val="#ppt_y"/>
+                                          </p:val>
+                                        </p:tav>
+                                      </p:tavLst>
+                                    </p:anim>
+                                  </p:childTnLst>
+                                </p:cTn>
+                              </p:par>
+                              <p:par>
+                                <p:cTn id="76" presetID="42" presetClass="entr" presetSubtype="0" fill="hold" grpId="0" nodeType="withEffect">
+                                  <p:stCondLst>
+                                    <p:cond delay="0"/>
+                                  </p:stCondLst>
+                                  <p:childTnLst>
+                                    <p:set>
+                                      <p:cBhvr>
+                                        <p:cTn id="77" dur="1" fill="hold">
+                                          <p:stCondLst>
+                                            <p:cond delay="0"/>
+                                          </p:stCondLst>
+                                        </p:cTn>
+                                        <p:tgtEl>
+                                          <p:spTgt spid="4">
+                                            <p:graphicEl>
+                                              <a:dgm id="{1FF146BA-03D6-4519-9B5A-C946871A1D68}"/>
+                                            </p:graphicEl>
+                                          </p:spTgt>
+                                        </p:tgtEl>
+                                        <p:attrNameLst>
+                                          <p:attrName>style.visibility</p:attrName>
+                                        </p:attrNameLst>
+                                      </p:cBhvr>
+                                      <p:to>
+                                        <p:strVal val="visible"/>
+                                      </p:to>
+                                    </p:set>
+                                    <p:animEffect transition="in" filter="fade">
+                                      <p:cBhvr>
+                                        <p:cTn id="78" dur="1000"/>
+                                        <p:tgtEl>
+                                          <p:spTgt spid="4">
+                                            <p:graphicEl>
+                                              <a:dgm id="{1FF146BA-03D6-4519-9B5A-C946871A1D68}"/>
+                                            </p:graphicEl>
+                                          </p:spTgt>
+                                        </p:tgtEl>
+                                      </p:cBhvr>
+                                    </p:animEffect>
+                                    <p:anim calcmode="lin" valueType="num">
+                                      <p:cBhvr>
+                                        <p:cTn id="79" dur="1000" fill="hold"/>
+                                        <p:tgtEl>
+                                          <p:spTgt spid="4">
+                                            <p:graphicEl>
+                                              <a:dgm id="{1FF146BA-03D6-4519-9B5A-C946871A1D68}"/>
+                                            </p:graphicEl>
+                                          </p:spTgt>
+                                        </p:tgtEl>
+                                        <p:attrNameLst>
+                                          <p:attrName>ppt_x</p:attrName>
+                                        </p:attrNameLst>
+                                      </p:cBhvr>
+                                      <p:tavLst>
+                                        <p:tav tm="0">
+                                          <p:val>
+                                            <p:strVal val="#ppt_x"/>
+                                          </p:val>
+                                        </p:tav>
+                                        <p:tav tm="100000">
+                                          <p:val>
+                                            <p:strVal val="#ppt_x"/>
+                                          </p:val>
+                                        </p:tav>
+                                      </p:tavLst>
+                                    </p:anim>
+                                    <p:anim calcmode="lin" valueType="num">
+                                      <p:cBhvr>
+                                        <p:cTn id="80" dur="1000" fill="hold"/>
+                                        <p:tgtEl>
+                                          <p:spTgt spid="4">
+                                            <p:graphicEl>
+                                              <a:dgm id="{1FF146BA-03D6-4519-9B5A-C946871A1D68}"/>
+                                            </p:graphicEl>
+                                          </p:spTgt>
+                                        </p:tgtEl>
+                                        <p:attrNameLst>
+                                          <p:attrName>ppt_y</p:attrName>
+                                        </p:attrNameLst>
+                                      </p:cBhvr>
+                                      <p:tavLst>
+                                        <p:tav tm="0">
+                                          <p:val>
+                                            <p:strVal val="#ppt_y+.1"/>
+                                          </p:val>
+                                        </p:tav>
+                                        <p:tav tm="100000">
+                                          <p:val>
+                                            <p:strVal val="#ppt_y"/>
+                                          </p:val>
+                                        </p:tav>
+                                      </p:tavLst>
+                                    </p:anim>
+                                  </p:childTnLst>
+                                </p:cTn>
+                              </p:par>
+                              <p:par>
+                                <p:cTn id="81" presetID="42" presetClass="entr" presetSubtype="0" fill="hold" grpId="0" nodeType="withEffect">
+                                  <p:stCondLst>
+                                    <p:cond delay="0"/>
+                                  </p:stCondLst>
+                                  <p:childTnLst>
+                                    <p:set>
+                                      <p:cBhvr>
+                                        <p:cTn id="82" dur="1" fill="hold">
+                                          <p:stCondLst>
+                                            <p:cond delay="0"/>
+                                          </p:stCondLst>
+                                        </p:cTn>
+                                        <p:tgtEl>
+                                          <p:spTgt spid="4">
+                                            <p:graphicEl>
+                                              <a:dgm id="{92D83BEF-9F9B-4075-8446-65E9579BF834}"/>
+                                            </p:graphicEl>
+                                          </p:spTgt>
+                                        </p:tgtEl>
+                                        <p:attrNameLst>
+                                          <p:attrName>style.visibility</p:attrName>
+                                        </p:attrNameLst>
+                                      </p:cBhvr>
+                                      <p:to>
+                                        <p:strVal val="visible"/>
+                                      </p:to>
+                                    </p:set>
+                                    <p:animEffect transition="in" filter="fade">
+                                      <p:cBhvr>
+                                        <p:cTn id="83" dur="1000"/>
+                                        <p:tgtEl>
+                                          <p:spTgt spid="4">
+                                            <p:graphicEl>
+                                              <a:dgm id="{92D83BEF-9F9B-4075-8446-65E9579BF834}"/>
+                                            </p:graphicEl>
+                                          </p:spTgt>
+                                        </p:tgtEl>
+                                      </p:cBhvr>
+                                    </p:animEffect>
+                                    <p:anim calcmode="lin" valueType="num">
+                                      <p:cBhvr>
+                                        <p:cTn id="84" dur="1000" fill="hold"/>
+                                        <p:tgtEl>
+                                          <p:spTgt spid="4">
+                                            <p:graphicEl>
+                                              <a:dgm id="{92D83BEF-9F9B-4075-8446-65E9579BF834}"/>
+                                            </p:graphicEl>
+                                          </p:spTgt>
+                                        </p:tgtEl>
+                                        <p:attrNameLst>
+                                          <p:attrName>ppt_x</p:attrName>
+                                        </p:attrNameLst>
+                                      </p:cBhvr>
+                                      <p:tavLst>
+                                        <p:tav tm="0">
+                                          <p:val>
+                                            <p:strVal val="#ppt_x"/>
+                                          </p:val>
+                                        </p:tav>
+                                        <p:tav tm="100000">
+                                          <p:val>
+                                            <p:strVal val="#ppt_x"/>
+                                          </p:val>
+                                        </p:tav>
+                                      </p:tavLst>
+                                    </p:anim>
+                                    <p:anim calcmode="lin" valueType="num">
+                                      <p:cBhvr>
+                                        <p:cTn id="85" dur="1000" fill="hold"/>
+                                        <p:tgtEl>
+                                          <p:spTgt spid="4">
+                                            <p:graphicEl>
+                                              <a:dgm id="{92D83BEF-9F9B-4075-8446-65E9579BF834}"/>
+                                            </p:graphicEl>
+                                          </p:spTgt>
+                                        </p:tgtEl>
+                                        <p:attrNameLst>
+                                          <p:attrName>ppt_y</p:attrName>
+                                        </p:attrNameLst>
+                                      </p:cBhvr>
+                                      <p:tavLst>
+                                        <p:tav tm="0">
+                                          <p:val>
+                                            <p:strVal val="#ppt_y+.1"/>
+                                          </p:val>
+                                        </p:tav>
+                                        <p:tav tm="100000">
+                                          <p:val>
+                                            <p:strVal val="#ppt_y"/>
+                                          </p:val>
+                                        </p:tav>
+                                      </p:tavLst>
+                                    </p:anim>
+                                  </p:childTnLst>
+                                </p:cTn>
+                              </p:par>
+                              <p:par>
+                                <p:cTn id="86" presetID="42" presetClass="entr" presetSubtype="0" fill="hold" grpId="0" nodeType="withEffect">
+                                  <p:stCondLst>
+                                    <p:cond delay="0"/>
+                                  </p:stCondLst>
+                                  <p:childTnLst>
+                                    <p:set>
+                                      <p:cBhvr>
+                                        <p:cTn id="87" dur="1" fill="hold">
+                                          <p:stCondLst>
+                                            <p:cond delay="0"/>
+                                          </p:stCondLst>
+                                        </p:cTn>
+                                        <p:tgtEl>
+                                          <p:spTgt spid="4">
+                                            <p:graphicEl>
+                                              <a:dgm id="{5AC45A16-5B4A-41DA-A4ED-6C43A07B01DF}"/>
+                                            </p:graphicEl>
+                                          </p:spTgt>
+                                        </p:tgtEl>
+                                        <p:attrNameLst>
+                                          <p:attrName>style.visibility</p:attrName>
+                                        </p:attrNameLst>
+                                      </p:cBhvr>
+                                      <p:to>
+                                        <p:strVal val="visible"/>
+                                      </p:to>
+                                    </p:set>
+                                    <p:animEffect transition="in" filter="fade">
+                                      <p:cBhvr>
+                                        <p:cTn id="88" dur="1000"/>
+                                        <p:tgtEl>
+                                          <p:spTgt spid="4">
+                                            <p:graphicEl>
+                                              <a:dgm id="{5AC45A16-5B4A-41DA-A4ED-6C43A07B01DF}"/>
+                                            </p:graphicEl>
+                                          </p:spTgt>
+                                        </p:tgtEl>
+                                      </p:cBhvr>
+                                    </p:animEffect>
+                                    <p:anim calcmode="lin" valueType="num">
+                                      <p:cBhvr>
+                                        <p:cTn id="89" dur="1000" fill="hold"/>
+                                        <p:tgtEl>
+                                          <p:spTgt spid="4">
+                                            <p:graphicEl>
+                                              <a:dgm id="{5AC45A16-5B4A-41DA-A4ED-6C43A07B01DF}"/>
+                                            </p:graphicEl>
+                                          </p:spTgt>
+                                        </p:tgtEl>
+                                        <p:attrNameLst>
+                                          <p:attrName>ppt_x</p:attrName>
+                                        </p:attrNameLst>
+                                      </p:cBhvr>
+                                      <p:tavLst>
+                                        <p:tav tm="0">
+                                          <p:val>
+                                            <p:strVal val="#ppt_x"/>
+                                          </p:val>
+                                        </p:tav>
+                                        <p:tav tm="100000">
+                                          <p:val>
+                                            <p:strVal val="#ppt_x"/>
+                                          </p:val>
+                                        </p:tav>
+                                      </p:tavLst>
+                                    </p:anim>
+                                    <p:anim calcmode="lin" valueType="num">
+                                      <p:cBhvr>
+                                        <p:cTn id="90" dur="1000" fill="hold"/>
+                                        <p:tgtEl>
+                                          <p:spTgt spid="4">
+                                            <p:graphicEl>
+                                              <a:dgm id="{5AC45A16-5B4A-41DA-A4ED-6C43A07B01DF}"/>
+                                            </p:graphicEl>
+                                          </p:spTgt>
+                                        </p:tgtEl>
+                                        <p:attrNameLst>
+                                          <p:attrName>ppt_y</p:attrName>
+                                        </p:attrNameLst>
+                                      </p:cBhvr>
+                                      <p:tavLst>
+                                        <p:tav tm="0">
+                                          <p:val>
+                                            <p:strVal val="#ppt_y+.1"/>
+                                          </p:val>
+                                        </p:tav>
+                                        <p:tav tm="100000">
+                                          <p:val>
+                                            <p:strVal val="#ppt_y"/>
+                                          </p:val>
+                                        </p:tav>
+                                      </p:tavLst>
+                                    </p:anim>
+                                  </p:childTnLst>
+                                </p:cTn>
+                              </p:par>
+                              <p:par>
+                                <p:cTn id="91" presetID="42" presetClass="entr" presetSubtype="0" fill="hold" grpId="0" nodeType="withEffect">
+                                  <p:stCondLst>
+                                    <p:cond delay="0"/>
+                                  </p:stCondLst>
+                                  <p:childTnLst>
+                                    <p:set>
+                                      <p:cBhvr>
+                                        <p:cTn id="92" dur="1" fill="hold">
+                                          <p:stCondLst>
+                                            <p:cond delay="0"/>
+                                          </p:stCondLst>
+                                        </p:cTn>
+                                        <p:tgtEl>
+                                          <p:spTgt spid="4">
+                                            <p:graphicEl>
+                                              <a:dgm id="{B3C6C7D6-DD34-41D8-B203-415479F2B0F1}"/>
+                                            </p:graphicEl>
+                                          </p:spTgt>
+                                        </p:tgtEl>
+                                        <p:attrNameLst>
+                                          <p:attrName>style.visibility</p:attrName>
+                                        </p:attrNameLst>
+                                      </p:cBhvr>
+                                      <p:to>
+                                        <p:strVal val="visible"/>
+                                      </p:to>
+                                    </p:set>
+                                    <p:animEffect transition="in" filter="fade">
+                                      <p:cBhvr>
+                                        <p:cTn id="93" dur="1000"/>
+                                        <p:tgtEl>
+                                          <p:spTgt spid="4">
+                                            <p:graphicEl>
+                                              <a:dgm id="{B3C6C7D6-DD34-41D8-B203-415479F2B0F1}"/>
+                                            </p:graphicEl>
+                                          </p:spTgt>
+                                        </p:tgtEl>
+                                      </p:cBhvr>
+                                    </p:animEffect>
+                                    <p:anim calcmode="lin" valueType="num">
+                                      <p:cBhvr>
+                                        <p:cTn id="94" dur="1000" fill="hold"/>
+                                        <p:tgtEl>
+                                          <p:spTgt spid="4">
+                                            <p:graphicEl>
+                                              <a:dgm id="{B3C6C7D6-DD34-41D8-B203-415479F2B0F1}"/>
+                                            </p:graphicEl>
+                                          </p:spTgt>
+                                        </p:tgtEl>
+                                        <p:attrNameLst>
+                                          <p:attrName>ppt_x</p:attrName>
+                                        </p:attrNameLst>
+                                      </p:cBhvr>
+                                      <p:tavLst>
+                                        <p:tav tm="0">
+                                          <p:val>
+                                            <p:strVal val="#ppt_x"/>
+                                          </p:val>
+                                        </p:tav>
+                                        <p:tav tm="100000">
+                                          <p:val>
+                                            <p:strVal val="#ppt_x"/>
+                                          </p:val>
+                                        </p:tav>
+                                      </p:tavLst>
+                                    </p:anim>
+                                    <p:anim calcmode="lin" valueType="num">
+                                      <p:cBhvr>
+                                        <p:cTn id="95" dur="1000" fill="hold"/>
+                                        <p:tgtEl>
+                                          <p:spTgt spid="4">
+                                            <p:graphicEl>
+                                              <a:dgm id="{B3C6C7D6-DD34-41D8-B203-415479F2B0F1}"/>
+                                            </p:graphicEl>
+                                          </p:spTgt>
+                                        </p:tgtEl>
+                                        <p:attrNameLst>
+                                          <p:attrName>ppt_y</p:attrName>
+                                        </p:attrNameLst>
+                                      </p:cBhvr>
+                                      <p:tavLst>
+                                        <p:tav tm="0">
+                                          <p:val>
+                                            <p:strVal val="#ppt_y+.1"/>
+                                          </p:val>
+                                        </p:tav>
+                                        <p:tav tm="100000">
+                                          <p:val>
+                                            <p:strVal val="#ppt_y"/>
+                                          </p:val>
+                                        </p:tav>
+                                      </p:tavLst>
+                                    </p:anim>
+                                  </p:childTnLst>
+                                </p:cTn>
+                              </p:par>
+                              <p:par>
+                                <p:cTn id="96" presetID="42" presetClass="entr" presetSubtype="0" fill="hold" grpId="0" nodeType="withEffect">
+                                  <p:stCondLst>
+                                    <p:cond delay="0"/>
+                                  </p:stCondLst>
+                                  <p:childTnLst>
+                                    <p:set>
+                                      <p:cBhvr>
+                                        <p:cTn id="97" dur="1" fill="hold">
+                                          <p:stCondLst>
+                                            <p:cond delay="0"/>
+                                          </p:stCondLst>
+                                        </p:cTn>
+                                        <p:tgtEl>
+                                          <p:spTgt spid="4">
+                                            <p:graphicEl>
+                                              <a:dgm id="{31B25C4E-F4A9-434B-A5A6-B18DE3F10BC1}"/>
+                                            </p:graphicEl>
+                                          </p:spTgt>
+                                        </p:tgtEl>
+                                        <p:attrNameLst>
+                                          <p:attrName>style.visibility</p:attrName>
+                                        </p:attrNameLst>
+                                      </p:cBhvr>
+                                      <p:to>
+                                        <p:strVal val="visible"/>
+                                      </p:to>
+                                    </p:set>
+                                    <p:animEffect transition="in" filter="fade">
+                                      <p:cBhvr>
+                                        <p:cTn id="98" dur="1000"/>
+                                        <p:tgtEl>
+                                          <p:spTgt spid="4">
+                                            <p:graphicEl>
+                                              <a:dgm id="{31B25C4E-F4A9-434B-A5A6-B18DE3F10BC1}"/>
+                                            </p:graphicEl>
+                                          </p:spTgt>
+                                        </p:tgtEl>
+                                      </p:cBhvr>
+                                    </p:animEffect>
+                                    <p:anim calcmode="lin" valueType="num">
+                                      <p:cBhvr>
+                                        <p:cTn id="99" dur="1000" fill="hold"/>
+                                        <p:tgtEl>
+                                          <p:spTgt spid="4">
+                                            <p:graphicEl>
+                                              <a:dgm id="{31B25C4E-F4A9-434B-A5A6-B18DE3F10BC1}"/>
+                                            </p:graphicEl>
+                                          </p:spTgt>
+                                        </p:tgtEl>
+                                        <p:attrNameLst>
+                                          <p:attrName>ppt_x</p:attrName>
+                                        </p:attrNameLst>
+                                      </p:cBhvr>
+                                      <p:tavLst>
+                                        <p:tav tm="0">
+                                          <p:val>
+                                            <p:strVal val="#ppt_x"/>
+                                          </p:val>
+                                        </p:tav>
+                                        <p:tav tm="100000">
+                                          <p:val>
+                                            <p:strVal val="#ppt_x"/>
+                                          </p:val>
+                                        </p:tav>
+                                      </p:tavLst>
+                                    </p:anim>
+                                    <p:anim calcmode="lin" valueType="num">
+                                      <p:cBhvr>
+                                        <p:cTn id="100" dur="1000" fill="hold"/>
+                                        <p:tgtEl>
+                                          <p:spTgt spid="4">
+                                            <p:graphicEl>
+                                              <a:dgm id="{31B25C4E-F4A9-434B-A5A6-B18DE3F10BC1}"/>
+                                            </p:graphicEl>
+                                          </p:spTgt>
+                                        </p:tgtEl>
+                                        <p:attrNameLst>
+                                          <p:attrName>ppt_y</p:attrName>
+                                        </p:attrNameLst>
+                                      </p:cBhvr>
+                                      <p:tavLst>
+                                        <p:tav tm="0">
+                                          <p:val>
+                                            <p:strVal val="#ppt_y+.1"/>
+                                          </p:val>
+                                        </p:tav>
+                                        <p:tav tm="100000">
+                                          <p:val>
+                                            <p:strVal val="#ppt_y"/>
+                                          </p:val>
+                                        </p:tav>
+                                      </p:tavLst>
+                                    </p:anim>
+                                  </p:childTnLst>
+                                </p:cTn>
+                              </p:par>
+                              <p:par>
+                                <p:cTn id="101" presetID="42" presetClass="entr" presetSubtype="0" fill="hold" grpId="0" nodeType="withEffect">
+                                  <p:stCondLst>
+                                    <p:cond delay="0"/>
+                                  </p:stCondLst>
+                                  <p:childTnLst>
+                                    <p:set>
+                                      <p:cBhvr>
+                                        <p:cTn id="102" dur="1" fill="hold">
+                                          <p:stCondLst>
+                                            <p:cond delay="0"/>
+                                          </p:stCondLst>
+                                        </p:cTn>
+                                        <p:tgtEl>
+                                          <p:spTgt spid="4">
+                                            <p:graphicEl>
+                                              <a:dgm id="{A7310330-4C1A-4413-BA02-1ECFA7259109}"/>
+                                            </p:graphicEl>
+                                          </p:spTgt>
+                                        </p:tgtEl>
+                                        <p:attrNameLst>
+                                          <p:attrName>style.visibility</p:attrName>
+                                        </p:attrNameLst>
+                                      </p:cBhvr>
+                                      <p:to>
+                                        <p:strVal val="visible"/>
+                                      </p:to>
+                                    </p:set>
+                                    <p:animEffect transition="in" filter="fade">
+                                      <p:cBhvr>
+                                        <p:cTn id="103" dur="1000"/>
+                                        <p:tgtEl>
+                                          <p:spTgt spid="4">
+                                            <p:graphicEl>
+                                              <a:dgm id="{A7310330-4C1A-4413-BA02-1ECFA7259109}"/>
+                                            </p:graphicEl>
+                                          </p:spTgt>
+                                        </p:tgtEl>
+                                      </p:cBhvr>
+                                    </p:animEffect>
+                                    <p:anim calcmode="lin" valueType="num">
+                                      <p:cBhvr>
+                                        <p:cTn id="104" dur="1000" fill="hold"/>
+                                        <p:tgtEl>
+                                          <p:spTgt spid="4">
+                                            <p:graphicEl>
+                                              <a:dgm id="{A7310330-4C1A-4413-BA02-1ECFA7259109}"/>
+                                            </p:graphicEl>
+                                          </p:spTgt>
+                                        </p:tgtEl>
+                                        <p:attrNameLst>
+                                          <p:attrName>ppt_x</p:attrName>
+                                        </p:attrNameLst>
+                                      </p:cBhvr>
+                                      <p:tavLst>
+                                        <p:tav tm="0">
+                                          <p:val>
+                                            <p:strVal val="#ppt_x"/>
+                                          </p:val>
+                                        </p:tav>
+                                        <p:tav tm="100000">
+                                          <p:val>
+                                            <p:strVal val="#ppt_x"/>
+                                          </p:val>
+                                        </p:tav>
+                                      </p:tavLst>
+                                    </p:anim>
+                                    <p:anim calcmode="lin" valueType="num">
+                                      <p:cBhvr>
+                                        <p:cTn id="105" dur="1000" fill="hold"/>
+                                        <p:tgtEl>
+                                          <p:spTgt spid="4">
+                                            <p:graphicEl>
+                                              <a:dgm id="{A7310330-4C1A-4413-BA02-1ECFA7259109}"/>
+                                            </p:graphicEl>
+                                          </p:spTgt>
+                                        </p:tgtEl>
+                                        <p:attrNameLst>
+                                          <p:attrName>ppt_y</p:attrName>
+                                        </p:attrNameLst>
+                                      </p:cBhvr>
+                                      <p:tavLst>
+                                        <p:tav tm="0">
+                                          <p:val>
+                                            <p:strVal val="#ppt_y+.1"/>
+                                          </p:val>
+                                        </p:tav>
+                                        <p:tav tm="100000">
+                                          <p:val>
+                                            <p:strVal val="#ppt_y"/>
+                                          </p:val>
+                                        </p:tav>
+                                      </p:tavLst>
+                                    </p:anim>
+                                  </p:childTnLst>
+                                </p:cTn>
+                              </p:par>
+                            </p:childTnLst>
+                          </p:cTn>
+                        </p:par>
+                      </p:childTnLst>
+                    </p:cTn>
+                  </p:par>
+                  <p:par>
+                    <p:cTn id="106" fill="hold">
+                      <p:stCondLst>
+                        <p:cond delay="indefinite"/>
+                      </p:stCondLst>
+                      <p:childTnLst>
+                        <p:par>
+                          <p:cTn id="107" fill="hold">
+                            <p:stCondLst>
+                              <p:cond delay="0"/>
+                            </p:stCondLst>
+                            <p:childTnLst>
+                              <p:par>
+                                <p:cTn id="108" presetID="42" presetClass="entr" presetSubtype="0" fill="hold" grpId="0" nodeType="clickEffect">
+                                  <p:stCondLst>
+                                    <p:cond delay="0"/>
+                                  </p:stCondLst>
+                                  <p:childTnLst>
+                                    <p:set>
+                                      <p:cBhvr>
+                                        <p:cTn id="109" dur="1" fill="hold">
+                                          <p:stCondLst>
+                                            <p:cond delay="0"/>
+                                          </p:stCondLst>
+                                        </p:cTn>
+                                        <p:tgtEl>
+                                          <p:spTgt spid="4">
+                                            <p:graphicEl>
+                                              <a:dgm id="{465519C9-14B0-4FFA-B1C2-86C44AAD6A1B}"/>
+                                            </p:graphicEl>
+                                          </p:spTgt>
+                                        </p:tgtEl>
+                                        <p:attrNameLst>
+                                          <p:attrName>style.visibility</p:attrName>
+                                        </p:attrNameLst>
+                                      </p:cBhvr>
+                                      <p:to>
+                                        <p:strVal val="visible"/>
+                                      </p:to>
+                                    </p:set>
+                                    <p:animEffect transition="in" filter="fade">
+                                      <p:cBhvr>
+                                        <p:cTn id="110" dur="1000"/>
+                                        <p:tgtEl>
+                                          <p:spTgt spid="4">
+                                            <p:graphicEl>
+                                              <a:dgm id="{465519C9-14B0-4FFA-B1C2-86C44AAD6A1B}"/>
+                                            </p:graphicEl>
+                                          </p:spTgt>
+                                        </p:tgtEl>
+                                      </p:cBhvr>
+                                    </p:animEffect>
+                                    <p:anim calcmode="lin" valueType="num">
+                                      <p:cBhvr>
+                                        <p:cTn id="111" dur="1000" fill="hold"/>
+                                        <p:tgtEl>
+                                          <p:spTgt spid="4">
+                                            <p:graphicEl>
+                                              <a:dgm id="{465519C9-14B0-4FFA-B1C2-86C44AAD6A1B}"/>
+                                            </p:graphicEl>
+                                          </p:spTgt>
+                                        </p:tgtEl>
+                                        <p:attrNameLst>
+                                          <p:attrName>ppt_x</p:attrName>
+                                        </p:attrNameLst>
+                                      </p:cBhvr>
+                                      <p:tavLst>
+                                        <p:tav tm="0">
+                                          <p:val>
+                                            <p:strVal val="#ppt_x"/>
+                                          </p:val>
+                                        </p:tav>
+                                        <p:tav tm="100000">
+                                          <p:val>
+                                            <p:strVal val="#ppt_x"/>
+                                          </p:val>
+                                        </p:tav>
+                                      </p:tavLst>
+                                    </p:anim>
+                                    <p:anim calcmode="lin" valueType="num">
+                                      <p:cBhvr>
+                                        <p:cTn id="112" dur="1000" fill="hold"/>
+                                        <p:tgtEl>
+                                          <p:spTgt spid="4">
+                                            <p:graphicEl>
+                                              <a:dgm id="{465519C9-14B0-4FFA-B1C2-86C44AAD6A1B}"/>
+                                            </p:graphicEl>
+                                          </p:spTgt>
+                                        </p:tgtEl>
+                                        <p:attrNameLst>
+                                          <p:attrName>ppt_y</p:attrName>
+                                        </p:attrNameLst>
+                                      </p:cBhvr>
+                                      <p:tavLst>
+                                        <p:tav tm="0">
+                                          <p:val>
+                                            <p:strVal val="#ppt_y+.1"/>
+                                          </p:val>
+                                        </p:tav>
+                                        <p:tav tm="100000">
+                                          <p:val>
+                                            <p:strVal val="#ppt_y"/>
+                                          </p:val>
+                                        </p:tav>
+                                      </p:tavLst>
+                                    </p:anim>
+                                  </p:childTnLst>
+                                </p:cTn>
+                              </p:par>
+                              <p:par>
+                                <p:cTn id="113" presetID="42" presetClass="entr" presetSubtype="0" fill="hold" grpId="0" nodeType="withEffect">
+                                  <p:stCondLst>
+                                    <p:cond delay="0"/>
+                                  </p:stCondLst>
+                                  <p:childTnLst>
+                                    <p:set>
+                                      <p:cBhvr>
+                                        <p:cTn id="114" dur="1" fill="hold">
+                                          <p:stCondLst>
+                                            <p:cond delay="0"/>
+                                          </p:stCondLst>
+                                        </p:cTn>
+                                        <p:tgtEl>
+                                          <p:spTgt spid="4">
+                                            <p:graphicEl>
+                                              <a:dgm id="{26D9C9F5-3E62-47A6-A579-4395301673F2}"/>
+                                            </p:graphicEl>
+                                          </p:spTgt>
+                                        </p:tgtEl>
+                                        <p:attrNameLst>
+                                          <p:attrName>style.visibility</p:attrName>
+                                        </p:attrNameLst>
+                                      </p:cBhvr>
+                                      <p:to>
+                                        <p:strVal val="visible"/>
+                                      </p:to>
+                                    </p:set>
+                                    <p:animEffect transition="in" filter="fade">
+                                      <p:cBhvr>
+                                        <p:cTn id="115" dur="1000"/>
+                                        <p:tgtEl>
+                                          <p:spTgt spid="4">
+                                            <p:graphicEl>
+                                              <a:dgm id="{26D9C9F5-3E62-47A6-A579-4395301673F2}"/>
+                                            </p:graphicEl>
+                                          </p:spTgt>
+                                        </p:tgtEl>
+                                      </p:cBhvr>
+                                    </p:animEffect>
+                                    <p:anim calcmode="lin" valueType="num">
+                                      <p:cBhvr>
+                                        <p:cTn id="116" dur="1000" fill="hold"/>
+                                        <p:tgtEl>
+                                          <p:spTgt spid="4">
+                                            <p:graphicEl>
+                                              <a:dgm id="{26D9C9F5-3E62-47A6-A579-4395301673F2}"/>
+                                            </p:graphicEl>
+                                          </p:spTgt>
+                                        </p:tgtEl>
+                                        <p:attrNameLst>
+                                          <p:attrName>ppt_x</p:attrName>
+                                        </p:attrNameLst>
+                                      </p:cBhvr>
+                                      <p:tavLst>
+                                        <p:tav tm="0">
+                                          <p:val>
+                                            <p:strVal val="#ppt_x"/>
+                                          </p:val>
+                                        </p:tav>
+                                        <p:tav tm="100000">
+                                          <p:val>
+                                            <p:strVal val="#ppt_x"/>
+                                          </p:val>
+                                        </p:tav>
+                                      </p:tavLst>
+                                    </p:anim>
+                                    <p:anim calcmode="lin" valueType="num">
+                                      <p:cBhvr>
+                                        <p:cTn id="117" dur="1000" fill="hold"/>
+                                        <p:tgtEl>
+                                          <p:spTgt spid="4">
+                                            <p:graphicEl>
+                                              <a:dgm id="{26D9C9F5-3E62-47A6-A579-4395301673F2}"/>
+                                            </p:graphicEl>
+                                          </p:spTgt>
+                                        </p:tgtEl>
+                                        <p:attrNameLst>
+                                          <p:attrName>ppt_y</p:attrName>
+                                        </p:attrNameLst>
+                                      </p:cBhvr>
+                                      <p:tavLst>
+                                        <p:tav tm="0">
+                                          <p:val>
+                                            <p:strVal val="#ppt_y+.1"/>
+                                          </p:val>
+                                        </p:tav>
+                                        <p:tav tm="100000">
+                                          <p:val>
+                                            <p:strVal val="#ppt_y"/>
+                                          </p:val>
+                                        </p:tav>
+                                      </p:tavLst>
+                                    </p:anim>
+                                  </p:childTnLst>
+                                </p:cTn>
+                              </p:par>
+                            </p:childTnLst>
+                          </p:cTn>
+                        </p:par>
+                      </p:childTnLst>
+                    </p:cTn>
+                  </p:par>
+                  <p:par>
+                    <p:cTn id="118" fill="hold">
+                      <p:stCondLst>
+                        <p:cond delay="indefinite"/>
+                      </p:stCondLst>
+                      <p:childTnLst>
+                        <p:par>
+                          <p:cTn id="119" fill="hold">
+                            <p:stCondLst>
+                              <p:cond delay="0"/>
+                            </p:stCondLst>
+                            <p:childTnLst>
+                              <p:par>
+                                <p:cTn id="120" presetID="42" presetClass="entr" presetSubtype="0" fill="hold" grpId="0" nodeType="clickEffect">
+                                  <p:stCondLst>
+                                    <p:cond delay="0"/>
+                                  </p:stCondLst>
+                                  <p:childTnLst>
+                                    <p:set>
+                                      <p:cBhvr>
+                                        <p:cTn id="121" dur="1" fill="hold">
+                                          <p:stCondLst>
+                                            <p:cond delay="0"/>
+                                          </p:stCondLst>
+                                        </p:cTn>
+                                        <p:tgtEl>
+                                          <p:spTgt spid="4">
+                                            <p:graphicEl>
+                                              <a:dgm id="{1D91CAEC-E8C0-4C50-BF42-7A6A5BA8260C}"/>
+                                            </p:graphicEl>
+                                          </p:spTgt>
+                                        </p:tgtEl>
+                                        <p:attrNameLst>
+                                          <p:attrName>style.visibility</p:attrName>
+                                        </p:attrNameLst>
+                                      </p:cBhvr>
+                                      <p:to>
+                                        <p:strVal val="visible"/>
+                                      </p:to>
+                                    </p:set>
+                                    <p:animEffect transition="in" filter="fade">
+                                      <p:cBhvr>
+                                        <p:cTn id="122" dur="1000"/>
+                                        <p:tgtEl>
+                                          <p:spTgt spid="4">
+                                            <p:graphicEl>
+                                              <a:dgm id="{1D91CAEC-E8C0-4C50-BF42-7A6A5BA8260C}"/>
+                                            </p:graphicEl>
+                                          </p:spTgt>
+                                        </p:tgtEl>
+                                      </p:cBhvr>
+                                    </p:animEffect>
+                                    <p:anim calcmode="lin" valueType="num">
+                                      <p:cBhvr>
+                                        <p:cTn id="123" dur="1000" fill="hold"/>
+                                        <p:tgtEl>
+                                          <p:spTgt spid="4">
+                                            <p:graphicEl>
+                                              <a:dgm id="{1D91CAEC-E8C0-4C50-BF42-7A6A5BA8260C}"/>
+                                            </p:graphicEl>
+                                          </p:spTgt>
+                                        </p:tgtEl>
+                                        <p:attrNameLst>
+                                          <p:attrName>ppt_x</p:attrName>
+                                        </p:attrNameLst>
+                                      </p:cBhvr>
+                                      <p:tavLst>
+                                        <p:tav tm="0">
+                                          <p:val>
+                                            <p:strVal val="#ppt_x"/>
+                                          </p:val>
+                                        </p:tav>
+                                        <p:tav tm="100000">
+                                          <p:val>
+                                            <p:strVal val="#ppt_x"/>
+                                          </p:val>
+                                        </p:tav>
+                                      </p:tavLst>
+                                    </p:anim>
+                                    <p:anim calcmode="lin" valueType="num">
+                                      <p:cBhvr>
+                                        <p:cTn id="124" dur="1000" fill="hold"/>
+                                        <p:tgtEl>
+                                          <p:spTgt spid="4">
+                                            <p:graphicEl>
+                                              <a:dgm id="{1D91CAEC-E8C0-4C50-BF42-7A6A5BA8260C}"/>
+                                            </p:graphicEl>
+                                          </p:spTgt>
+                                        </p:tgtEl>
+                                        <p:attrNameLst>
+                                          <p:attrName>ppt_y</p:attrName>
+                                        </p:attrNameLst>
+                                      </p:cBhvr>
+                                      <p:tavLst>
+                                        <p:tav tm="0">
+                                          <p:val>
+                                            <p:strVal val="#ppt_y+.1"/>
+                                          </p:val>
+                                        </p:tav>
+                                        <p:tav tm="100000">
+                                          <p:val>
+                                            <p:strVal val="#ppt_y"/>
+                                          </p:val>
+                                        </p:tav>
+                                      </p:tavLst>
+                                    </p:anim>
+                                  </p:childTnLst>
+                                </p:cTn>
+                              </p:par>
+                              <p:par>
+                                <p:cTn id="125" presetID="42" presetClass="entr" presetSubtype="0" fill="hold" grpId="0" nodeType="withEffect">
+                                  <p:stCondLst>
+                                    <p:cond delay="0"/>
+                                  </p:stCondLst>
+                                  <p:childTnLst>
+                                    <p:set>
+                                      <p:cBhvr>
+                                        <p:cTn id="126" dur="1" fill="hold">
+                                          <p:stCondLst>
+                                            <p:cond delay="0"/>
+                                          </p:stCondLst>
+                                        </p:cTn>
+                                        <p:tgtEl>
+                                          <p:spTgt spid="4">
+                                            <p:graphicEl>
+                                              <a:dgm id="{AB763E6E-CBF9-4E56-8BC4-BCC59F2B7139}"/>
+                                            </p:graphicEl>
+                                          </p:spTgt>
+                                        </p:tgtEl>
+                                        <p:attrNameLst>
+                                          <p:attrName>style.visibility</p:attrName>
+                                        </p:attrNameLst>
+                                      </p:cBhvr>
+                                      <p:to>
+                                        <p:strVal val="visible"/>
+                                      </p:to>
+                                    </p:set>
+                                    <p:animEffect transition="in" filter="fade">
+                                      <p:cBhvr>
+                                        <p:cTn id="127" dur="1000"/>
+                                        <p:tgtEl>
+                                          <p:spTgt spid="4">
+                                            <p:graphicEl>
+                                              <a:dgm id="{AB763E6E-CBF9-4E56-8BC4-BCC59F2B7139}"/>
+                                            </p:graphicEl>
+                                          </p:spTgt>
+                                        </p:tgtEl>
+                                      </p:cBhvr>
+                                    </p:animEffect>
+                                    <p:anim calcmode="lin" valueType="num">
+                                      <p:cBhvr>
+                                        <p:cTn id="128" dur="1000" fill="hold"/>
+                                        <p:tgtEl>
+                                          <p:spTgt spid="4">
+                                            <p:graphicEl>
+                                              <a:dgm id="{AB763E6E-CBF9-4E56-8BC4-BCC59F2B7139}"/>
+                                            </p:graphicEl>
+                                          </p:spTgt>
+                                        </p:tgtEl>
+                                        <p:attrNameLst>
+                                          <p:attrName>ppt_x</p:attrName>
+                                        </p:attrNameLst>
+                                      </p:cBhvr>
+                                      <p:tavLst>
+                                        <p:tav tm="0">
+                                          <p:val>
+                                            <p:strVal val="#ppt_x"/>
+                                          </p:val>
+                                        </p:tav>
+                                        <p:tav tm="100000">
+                                          <p:val>
+                                            <p:strVal val="#ppt_x"/>
+                                          </p:val>
+                                        </p:tav>
+                                      </p:tavLst>
+                                    </p:anim>
+                                    <p:anim calcmode="lin" valueType="num">
+                                      <p:cBhvr>
+                                        <p:cTn id="129" dur="1000" fill="hold"/>
+                                        <p:tgtEl>
+                                          <p:spTgt spid="4">
+                                            <p:graphicEl>
+                                              <a:dgm id="{AB763E6E-CBF9-4E56-8BC4-BCC59F2B7139}"/>
+                                            </p:graphicEl>
+                                          </p:spTgt>
+                                        </p:tgtEl>
+                                        <p:attrNameLst>
+                                          <p:attrName>ppt_y</p:attrName>
+                                        </p:attrNameLst>
+                                      </p:cBhvr>
+                                      <p:tavLst>
+                                        <p:tav tm="0">
+                                          <p:val>
+                                            <p:strVal val="#ppt_y+.1"/>
+                                          </p:val>
+                                        </p:tav>
+                                        <p:tav tm="100000">
+                                          <p:val>
+                                            <p:strVal val="#ppt_y"/>
+                                          </p:val>
+                                        </p:tav>
+                                      </p:tavLst>
+                                    </p:anim>
+                                  </p:childTnLst>
+                                </p:cTn>
+                              </p:par>
+                            </p:childTnLst>
+                          </p:cTn>
+                        </p:par>
+                      </p:childTnLst>
+                    </p:cTn>
+                  </p:par>
+                  <p:par>
+                    <p:cTn id="130" fill="hold">
+                      <p:stCondLst>
+                        <p:cond delay="indefinite"/>
+                      </p:stCondLst>
+                      <p:childTnLst>
+                        <p:par>
+                          <p:cTn id="131" fill="hold">
+                            <p:stCondLst>
+                              <p:cond delay="0"/>
+                            </p:stCondLst>
+                            <p:childTnLst>
+                              <p:par>
+                                <p:cTn id="132" presetID="42" presetClass="entr" presetSubtype="0" fill="hold" grpId="0" nodeType="clickEffect">
+                                  <p:stCondLst>
+                                    <p:cond delay="0"/>
+                                  </p:stCondLst>
+                                  <p:childTnLst>
+                                    <p:set>
+                                      <p:cBhvr>
+                                        <p:cTn id="133" dur="1" fill="hold">
+                                          <p:stCondLst>
+                                            <p:cond delay="0"/>
+                                          </p:stCondLst>
+                                        </p:cTn>
+                                        <p:tgtEl>
+                                          <p:spTgt spid="4">
+                                            <p:graphicEl>
+                                              <a:dgm id="{837CDC89-8AFB-42A1-954D-53C90CFFC4BD}"/>
+                                            </p:graphicEl>
+                                          </p:spTgt>
+                                        </p:tgtEl>
+                                        <p:attrNameLst>
+                                          <p:attrName>style.visibility</p:attrName>
+                                        </p:attrNameLst>
+                                      </p:cBhvr>
+                                      <p:to>
+                                        <p:strVal val="visible"/>
+                                      </p:to>
+                                    </p:set>
+                                    <p:animEffect transition="in" filter="fade">
+                                      <p:cBhvr>
+                                        <p:cTn id="134" dur="1000"/>
+                                        <p:tgtEl>
+                                          <p:spTgt spid="4">
+                                            <p:graphicEl>
+                                              <a:dgm id="{837CDC89-8AFB-42A1-954D-53C90CFFC4BD}"/>
+                                            </p:graphicEl>
+                                          </p:spTgt>
+                                        </p:tgtEl>
+                                      </p:cBhvr>
+                                    </p:animEffect>
+                                    <p:anim calcmode="lin" valueType="num">
+                                      <p:cBhvr>
+                                        <p:cTn id="135" dur="1000" fill="hold"/>
+                                        <p:tgtEl>
+                                          <p:spTgt spid="4">
+                                            <p:graphicEl>
+                                              <a:dgm id="{837CDC89-8AFB-42A1-954D-53C90CFFC4BD}"/>
+                                            </p:graphicEl>
+                                          </p:spTgt>
+                                        </p:tgtEl>
+                                        <p:attrNameLst>
+                                          <p:attrName>ppt_x</p:attrName>
+                                        </p:attrNameLst>
+                                      </p:cBhvr>
+                                      <p:tavLst>
+                                        <p:tav tm="0">
+                                          <p:val>
+                                            <p:strVal val="#ppt_x"/>
+                                          </p:val>
+                                        </p:tav>
+                                        <p:tav tm="100000">
+                                          <p:val>
+                                            <p:strVal val="#ppt_x"/>
+                                          </p:val>
+                                        </p:tav>
+                                      </p:tavLst>
+                                    </p:anim>
+                                    <p:anim calcmode="lin" valueType="num">
+                                      <p:cBhvr>
+                                        <p:cTn id="136" dur="1000" fill="hold"/>
+                                        <p:tgtEl>
+                                          <p:spTgt spid="4">
+                                            <p:graphicEl>
+                                              <a:dgm id="{837CDC89-8AFB-42A1-954D-53C90CFFC4BD}"/>
+                                            </p:graphicEl>
+                                          </p:spTgt>
+                                        </p:tgtEl>
+                                        <p:attrNameLst>
+                                          <p:attrName>ppt_y</p:attrName>
+                                        </p:attrNameLst>
+                                      </p:cBhvr>
+                                      <p:tavLst>
+                                        <p:tav tm="0">
+                                          <p:val>
+                                            <p:strVal val="#ppt_y+.1"/>
+                                          </p:val>
+                                        </p:tav>
+                                        <p:tav tm="100000">
+                                          <p:val>
+                                            <p:strVal val="#ppt_y"/>
+                                          </p:val>
+                                        </p:tav>
+                                      </p:tavLst>
+                                    </p:anim>
+                                  </p:childTnLst>
+                                </p:cTn>
+                              </p:par>
+                              <p:par>
+                                <p:cTn id="137" presetID="42" presetClass="entr" presetSubtype="0" fill="hold" grpId="0" nodeType="withEffect">
+                                  <p:stCondLst>
+                                    <p:cond delay="0"/>
+                                  </p:stCondLst>
+                                  <p:childTnLst>
+                                    <p:set>
+                                      <p:cBhvr>
+                                        <p:cTn id="138" dur="1" fill="hold">
+                                          <p:stCondLst>
+                                            <p:cond delay="0"/>
+                                          </p:stCondLst>
+                                        </p:cTn>
+                                        <p:tgtEl>
+                                          <p:spTgt spid="4">
+                                            <p:graphicEl>
+                                              <a:dgm id="{7023F541-E9B8-4FC0-8355-F906FFE3AE2F}"/>
+                                            </p:graphicEl>
+                                          </p:spTgt>
+                                        </p:tgtEl>
+                                        <p:attrNameLst>
+                                          <p:attrName>style.visibility</p:attrName>
+                                        </p:attrNameLst>
+                                      </p:cBhvr>
+                                      <p:to>
+                                        <p:strVal val="visible"/>
+                                      </p:to>
+                                    </p:set>
+                                    <p:animEffect transition="in" filter="fade">
+                                      <p:cBhvr>
+                                        <p:cTn id="139" dur="1000"/>
+                                        <p:tgtEl>
+                                          <p:spTgt spid="4">
+                                            <p:graphicEl>
+                                              <a:dgm id="{7023F541-E9B8-4FC0-8355-F906FFE3AE2F}"/>
+                                            </p:graphicEl>
+                                          </p:spTgt>
+                                        </p:tgtEl>
+                                      </p:cBhvr>
+                                    </p:animEffect>
+                                    <p:anim calcmode="lin" valueType="num">
+                                      <p:cBhvr>
+                                        <p:cTn id="140" dur="1000" fill="hold"/>
+                                        <p:tgtEl>
+                                          <p:spTgt spid="4">
+                                            <p:graphicEl>
+                                              <a:dgm id="{7023F541-E9B8-4FC0-8355-F906FFE3AE2F}"/>
+                                            </p:graphicEl>
+                                          </p:spTgt>
+                                        </p:tgtEl>
+                                        <p:attrNameLst>
+                                          <p:attrName>ppt_x</p:attrName>
+                                        </p:attrNameLst>
+                                      </p:cBhvr>
+                                      <p:tavLst>
+                                        <p:tav tm="0">
+                                          <p:val>
+                                            <p:strVal val="#ppt_x"/>
+                                          </p:val>
+                                        </p:tav>
+                                        <p:tav tm="100000">
+                                          <p:val>
+                                            <p:strVal val="#ppt_x"/>
+                                          </p:val>
+                                        </p:tav>
+                                      </p:tavLst>
+                                    </p:anim>
+                                    <p:anim calcmode="lin" valueType="num">
+                                      <p:cBhvr>
+                                        <p:cTn id="141" dur="1000" fill="hold"/>
+                                        <p:tgtEl>
+                                          <p:spTgt spid="4">
+                                            <p:graphicEl>
+                                              <a:dgm id="{7023F541-E9B8-4FC0-8355-F906FFE3AE2F}"/>
+                                            </p:graphicEl>
+                                          </p:spTgt>
+                                        </p:tgtEl>
+                                        <p:attrNameLst>
+                                          <p:attrName>ppt_y</p:attrName>
+                                        </p:attrNameLst>
+                                      </p:cBhvr>
+                                      <p:tavLst>
+                                        <p:tav tm="0">
+                                          <p:val>
+                                            <p:strVal val="#ppt_y+.1"/>
+                                          </p:val>
+                                        </p:tav>
+                                        <p:tav tm="100000">
+                                          <p:val>
+                                            <p:strVal val="#ppt_y"/>
+                                          </p:val>
+                                        </p:tav>
+                                      </p:tavLst>
+                                    </p:anim>
+                                  </p:childTnLst>
+                                </p:cTn>
+                              </p:par>
+                            </p:childTnLst>
+                          </p:cTn>
+                        </p:par>
+                      </p:childTnLst>
+                    </p:cTn>
+                  </p:par>
+                </p:childTnLst>
+              </p:cTn>
+              <p:prevCondLst>
+                <p:cond evt="onPrev" delay="0">
+                  <p:tgtEl>
+                    <p:sldTgt/>
+                  </p:tgtEl>
+                </p:cond>
+              </p:prevCondLst>
+              <p:nextCondLst>
+                <p:cond evt="onNext" delay="0">
+                  <p:tgtEl>
+                    <p:sldTgt/>
+                  </p:tgtEl>
+                </p:cond>
+              </p:nextCondLst>
+            </p:seq>
+          </p:childTnLst>
+        </p:cTn>
+      </p:par>
+    </p:tnLst>
+    <p:bldLst>
+      <p:bldGraphic spid="4" grpId="0">
+        <p:bldSub>
+          <a:bldDgm bld="lvlOne"/>
+        </p:bldSub>
+      </p:bldGraphic>
+      <p:bldP spid="5" grpId="0"/>
+    </p:bldLst>
+  </p:timing>
 </p:sld>
 </file>
 
@@ -17647,6 +20790,191 @@
   <p:clrMapOvr>
     <a:masterClrMapping/>
   </p:clrMapOvr>
+  <p:timing>
+    <p:tnLst>
+      <p:par>
+        <p:cTn id="1" dur="indefinite" restart="never" nodeType="tmRoot">
+          <p:childTnLst>
+            <p:seq concurrent="1" nextAc="seek">
+              <p:cTn id="2" dur="indefinite" nodeType="mainSeq">
+                <p:childTnLst>
+                  <p:par>
+                    <p:cTn id="3" fill="hold">
+                      <p:stCondLst>
+                        <p:cond delay="indefinite"/>
+                      </p:stCondLst>
+                      <p:childTnLst>
+                        <p:par>
+                          <p:cTn id="4" fill="hold">
+                            <p:stCondLst>
+                              <p:cond delay="0"/>
+                            </p:stCondLst>
+                            <p:childTnLst>
+                              <p:par>
+                                <p:cTn id="5" presetID="16" presetClass="entr" presetSubtype="21" fill="hold" grpId="0" nodeType="clickEffect">
+                                  <p:stCondLst>
+                                    <p:cond delay="0"/>
+                                  </p:stCondLst>
+                                  <p:childTnLst>
+                                    <p:set>
+                                      <p:cBhvr>
+                                        <p:cTn id="6" dur="1" fill="hold">
+                                          <p:stCondLst>
+                                            <p:cond delay="0"/>
+                                          </p:stCondLst>
+                                        </p:cTn>
+                                        <p:tgtEl>
+                                          <p:spTgt spid="5"/>
+                                        </p:tgtEl>
+                                        <p:attrNameLst>
+                                          <p:attrName>style.visibility</p:attrName>
+                                        </p:attrNameLst>
+                                      </p:cBhvr>
+                                      <p:to>
+                                        <p:strVal val="visible"/>
+                                      </p:to>
+                                    </p:set>
+                                    <p:animEffect transition="in" filter="barn(inVertical)">
+                                      <p:cBhvr>
+                                        <p:cTn id="7" dur="500"/>
+                                        <p:tgtEl>
+                                          <p:spTgt spid="5"/>
+                                        </p:tgtEl>
+                                      </p:cBhvr>
+                                    </p:animEffect>
+                                  </p:childTnLst>
+                                </p:cTn>
+                              </p:par>
+                            </p:childTnLst>
+                          </p:cTn>
+                        </p:par>
+                      </p:childTnLst>
+                    </p:cTn>
+                  </p:par>
+                  <p:par>
+                    <p:cTn id="8" fill="hold">
+                      <p:stCondLst>
+                        <p:cond delay="indefinite"/>
+                      </p:stCondLst>
+                      <p:childTnLst>
+                        <p:par>
+                          <p:cTn id="9" fill="hold">
+                            <p:stCondLst>
+                              <p:cond delay="0"/>
+                            </p:stCondLst>
+                            <p:childTnLst>
+                              <p:par>
+                                <p:cTn id="10" presetID="50" presetClass="entr" presetSubtype="0" decel="100000" fill="hold" nodeType="clickEffect">
+                                  <p:stCondLst>
+                                    <p:cond delay="0"/>
+                                  </p:stCondLst>
+                                  <p:childTnLst>
+                                    <p:set>
+                                      <p:cBhvr>
+                                        <p:cTn id="11" dur="1" fill="hold">
+                                          <p:stCondLst>
+                                            <p:cond delay="0"/>
+                                          </p:stCondLst>
+                                        </p:cTn>
+                                        <p:tgtEl>
+                                          <p:spTgt spid="8"/>
+                                        </p:tgtEl>
+                                        <p:attrNameLst>
+                                          <p:attrName>style.visibility</p:attrName>
+                                        </p:attrNameLst>
+                                      </p:cBhvr>
+                                      <p:to>
+                                        <p:strVal val="visible"/>
+                                      </p:to>
+                                    </p:set>
+                                    <p:anim calcmode="lin" valueType="num">
+                                      <p:cBhvr>
+                                        <p:cTn id="12" dur="1000" fill="hold"/>
+                                        <p:tgtEl>
+                                          <p:spTgt spid="8"/>
+                                        </p:tgtEl>
+                                        <p:attrNameLst>
+                                          <p:attrName>ppt_w</p:attrName>
+                                        </p:attrNameLst>
+                                      </p:cBhvr>
+                                      <p:tavLst>
+                                        <p:tav tm="0">
+                                          <p:val>
+                                            <p:strVal val="#ppt_w+.3"/>
+                                          </p:val>
+                                        </p:tav>
+                                        <p:tav tm="100000">
+                                          <p:val>
+                                            <p:strVal val="#ppt_w"/>
+                                          </p:val>
+                                        </p:tav>
+                                      </p:tavLst>
+                                    </p:anim>
+                                    <p:anim calcmode="lin" valueType="num">
+                                      <p:cBhvr>
+                                        <p:cTn id="13" dur="1000" fill="hold"/>
+                                        <p:tgtEl>
+                                          <p:spTgt spid="8"/>
+                                        </p:tgtEl>
+                                        <p:attrNameLst>
+                                          <p:attrName>ppt_h</p:attrName>
+                                        </p:attrNameLst>
+                                      </p:cBhvr>
+                                      <p:tavLst>
+                                        <p:tav tm="0">
+                                          <p:val>
+                                            <p:strVal val="#ppt_h"/>
+                                          </p:val>
+                                        </p:tav>
+                                        <p:tav tm="100000">
+                                          <p:val>
+                                            <p:strVal val="#ppt_h"/>
+                                          </p:val>
+                                        </p:tav>
+                                      </p:tavLst>
+                                    </p:anim>
+                                    <p:animEffect transition="in" filter="fade">
+                                      <p:cBhvr>
+                                        <p:cTn id="14" dur="1000"/>
+                                        <p:tgtEl>
+                                          <p:spTgt spid="8"/>
+                                        </p:tgtEl>
+                                      </p:cBhvr>
+                                    </p:animEffect>
+                                  </p:childTnLst>
+                                </p:cTn>
+                              </p:par>
+                            </p:childTnLst>
+                          </p:cTn>
+                        </p:par>
+                      </p:childTnLst>
+                    </p:cTn>
+                  </p:par>
+                </p:childTnLst>
+              </p:cTn>
+              <p:prevCondLst>
+                <p:cond evt="onPrev" delay="0">
+                  <p:tgtEl>
+                    <p:sldTgt/>
+                  </p:tgtEl>
+                </p:cond>
+              </p:prevCondLst>
+              <p:nextCondLst>
+                <p:cond evt="onNext" delay="0">
+                  <p:tgtEl>
+                    <p:sldTgt/>
+                  </p:tgtEl>
+                </p:cond>
+              </p:nextCondLst>
+            </p:seq>
+          </p:childTnLst>
+        </p:cTn>
+      </p:par>
+    </p:tnLst>
+    <p:bldLst>
+      <p:bldP spid="5" grpId="0"/>
+    </p:bldLst>
+  </p:timing>
 </p:sld>
 </file>
 
@@ -18045,6 +21373,145 @@
   <p:clrMapOvr>
     <a:masterClrMapping/>
   </p:clrMapOvr>
+  <p:timing>
+    <p:tnLst>
+      <p:par>
+        <p:cTn id="1" dur="indefinite" restart="never" nodeType="tmRoot">
+          <p:childTnLst>
+            <p:seq concurrent="1" nextAc="seek">
+              <p:cTn id="2" dur="indefinite" nodeType="mainSeq">
+                <p:childTnLst>
+                  <p:par>
+                    <p:cTn id="3" fill="hold">
+                      <p:stCondLst>
+                        <p:cond delay="indefinite"/>
+                      </p:stCondLst>
+                      <p:childTnLst>
+                        <p:par>
+                          <p:cTn id="4" fill="hold">
+                            <p:stCondLst>
+                              <p:cond delay="0"/>
+                            </p:stCondLst>
+                            <p:childTnLst>
+                              <p:par>
+                                <p:cTn id="5" presetID="16" presetClass="entr" presetSubtype="21" fill="hold" nodeType="clickEffect">
+                                  <p:stCondLst>
+                                    <p:cond delay="0"/>
+                                  </p:stCondLst>
+                                  <p:childTnLst>
+                                    <p:set>
+                                      <p:cBhvr>
+                                        <p:cTn id="6" dur="1" fill="hold">
+                                          <p:stCondLst>
+                                            <p:cond delay="0"/>
+                                          </p:stCondLst>
+                                        </p:cTn>
+                                        <p:tgtEl>
+                                          <p:spTgt spid="8"/>
+                                        </p:tgtEl>
+                                        <p:attrNameLst>
+                                          <p:attrName>style.visibility</p:attrName>
+                                        </p:attrNameLst>
+                                      </p:cBhvr>
+                                      <p:to>
+                                        <p:strVal val="visible"/>
+                                      </p:to>
+                                    </p:set>
+                                    <p:animEffect transition="in" filter="barn(inVertical)">
+                                      <p:cBhvr>
+                                        <p:cTn id="7" dur="500"/>
+                                        <p:tgtEl>
+                                          <p:spTgt spid="8"/>
+                                        </p:tgtEl>
+                                      </p:cBhvr>
+                                    </p:animEffect>
+                                  </p:childTnLst>
+                                </p:cTn>
+                              </p:par>
+                              <p:par>
+                                <p:cTn id="8" presetID="16" presetClass="entr" presetSubtype="21" fill="hold" grpId="0" nodeType="withEffect">
+                                  <p:stCondLst>
+                                    <p:cond delay="0"/>
+                                  </p:stCondLst>
+                                  <p:childTnLst>
+                                    <p:set>
+                                      <p:cBhvr>
+                                        <p:cTn id="9" dur="1" fill="hold">
+                                          <p:stCondLst>
+                                            <p:cond delay="0"/>
+                                          </p:stCondLst>
+                                        </p:cTn>
+                                        <p:tgtEl>
+                                          <p:spTgt spid="2"/>
+                                        </p:tgtEl>
+                                        <p:attrNameLst>
+                                          <p:attrName>style.visibility</p:attrName>
+                                        </p:attrNameLst>
+                                      </p:cBhvr>
+                                      <p:to>
+                                        <p:strVal val="visible"/>
+                                      </p:to>
+                                    </p:set>
+                                    <p:animEffect transition="in" filter="barn(inVertical)">
+                                      <p:cBhvr>
+                                        <p:cTn id="10" dur="500"/>
+                                        <p:tgtEl>
+                                          <p:spTgt spid="2"/>
+                                        </p:tgtEl>
+                                      </p:cBhvr>
+                                    </p:animEffect>
+                                  </p:childTnLst>
+                                </p:cTn>
+                              </p:par>
+                              <p:par>
+                                <p:cTn id="11" presetID="6" presetClass="emph" presetSubtype="0" fill="hold" nodeType="withEffect">
+                                  <p:stCondLst>
+                                    <p:cond delay="0"/>
+                                  </p:stCondLst>
+                                  <p:childTnLst>
+                                    <p:animScale>
+                                      <p:cBhvr>
+                                        <p:cTn id="12" dur="2000" fill="hold"/>
+                                        <p:tgtEl>
+                                          <p:spTgt spid="4"/>
+                                        </p:tgtEl>
+                                      </p:cBhvr>
+                                      <p:by x="150000" y="150000"/>
+                                    </p:animScale>
+                                  </p:childTnLst>
+                                </p:cTn>
+                              </p:par>
+                            </p:childTnLst>
+                          </p:cTn>
+                        </p:par>
+                      </p:childTnLst>
+                    </p:cTn>
+                  </p:par>
+                </p:childTnLst>
+              </p:cTn>
+              <p:prevCondLst>
+                <p:cond evt="onPrev" delay="0">
+                  <p:tgtEl>
+                    <p:sldTgt/>
+                  </p:tgtEl>
+                </p:cond>
+              </p:prevCondLst>
+              <p:nextCondLst>
+                <p:cond evt="onNext" delay="0">
+                  <p:tgtEl>
+                    <p:sldTgt/>
+                  </p:tgtEl>
+                </p:cond>
+              </p:nextCondLst>
+            </p:seq>
+          </p:childTnLst>
+        </p:cTn>
+      </p:par>
+    </p:tnLst>
+    <p:bldLst>
+      <p:bldP spid="2" grpId="0"/>
+    </p:bldLst>
+  </p:timing>
 </p:sld>
 </file>
 
@@ -18272,7 +21739,7 @@
             <p:ph idx="1"/>
             <p:extLst>
               <p:ext uri="{D42A27DB-BD31-4B8C-83A1-F6EECF244321}">
-                <p14:modId xmlns:p14="http://schemas.microsoft.com/office/powerpoint/2010/main" val="45735355"/>
+                <p14:modId xmlns:p14="http://schemas.microsoft.com/office/powerpoint/2010/main" val="3052283681"/>
               </p:ext>
             </p:extLst>
           </p:nvPr>
@@ -18297,6 +21764,4303 @@
   <p:clrMapOvr>
     <a:masterClrMapping/>
   </p:clrMapOvr>
+  <p:timing>
+    <p:tnLst>
+      <p:par>
+        <p:cTn id="1" dur="indefinite" restart="never" nodeType="tmRoot">
+          <p:childTnLst>
+            <p:seq concurrent="1" nextAc="seek">
+              <p:cTn id="2" dur="indefinite" nodeType="mainSeq">
+                <p:childTnLst>
+                  <p:par>
+                    <p:cTn id="3" fill="hold">
+                      <p:stCondLst>
+                        <p:cond delay="indefinite"/>
+                      </p:stCondLst>
+                      <p:childTnLst>
+                        <p:par>
+                          <p:cTn id="4" fill="hold">
+                            <p:stCondLst>
+                              <p:cond delay="0"/>
+                            </p:stCondLst>
+                            <p:childTnLst>
+                              <p:par>
+                                <p:cTn id="5" presetID="43" presetClass="entr" presetSubtype="0" fill="hold" grpId="0" nodeType="clickEffect">
+                                  <p:stCondLst>
+                                    <p:cond delay="0"/>
+                                  </p:stCondLst>
+                                  <p:childTnLst>
+                                    <p:set>
+                                      <p:cBhvr>
+                                        <p:cTn id="6" dur="1" fill="hold">
+                                          <p:stCondLst>
+                                            <p:cond delay="0"/>
+                                          </p:stCondLst>
+                                        </p:cTn>
+                                        <p:tgtEl>
+                                          <p:spTgt spid="4">
+                                            <p:graphicEl>
+                                              <a:dgm id="{A71E3479-ACA9-46DA-B44E-2EEF6B82D5B0}"/>
+                                            </p:graphicEl>
+                                          </p:spTgt>
+                                        </p:tgtEl>
+                                        <p:attrNameLst>
+                                          <p:attrName>style.visibility</p:attrName>
+                                        </p:attrNameLst>
+                                      </p:cBhvr>
+                                      <p:to>
+                                        <p:strVal val="visible"/>
+                                      </p:to>
+                                    </p:set>
+                                    <p:animEffect transition="in" filter="fade">
+                                      <p:cBhvr>
+                                        <p:cTn id="7" dur="100"/>
+                                        <p:tgtEl>
+                                          <p:spTgt spid="4">
+                                            <p:graphicEl>
+                                              <a:dgm id="{A71E3479-ACA9-46DA-B44E-2EEF6B82D5B0}"/>
+                                            </p:graphicEl>
+                                          </p:spTgt>
+                                        </p:tgtEl>
+                                      </p:cBhvr>
+                                    </p:animEffect>
+                                    <p:anim calcmode="lin" valueType="num">
+                                      <p:cBhvr>
+                                        <p:cTn id="8" dur="400" fill="hold"/>
+                                        <p:tgtEl>
+                                          <p:spTgt spid="4">
+                                            <p:graphicEl>
+                                              <a:dgm id="{A71E3479-ACA9-46DA-B44E-2EEF6B82D5B0}"/>
+                                            </p:graphicEl>
+                                          </p:spTgt>
+                                        </p:tgtEl>
+                                        <p:attrNameLst>
+                                          <p:attrName>ppt_x</p:attrName>
+                                        </p:attrNameLst>
+                                      </p:cBhvr>
+                                      <p:tavLst>
+                                        <p:tav tm="0">
+                                          <p:val>
+                                            <p:strVal val="#ppt_x"/>
+                                          </p:val>
+                                        </p:tav>
+                                        <p:tav tm="100000">
+                                          <p:val>
+                                            <p:strVal val="#ppt_x"/>
+                                          </p:val>
+                                        </p:tav>
+                                      </p:tavLst>
+                                    </p:anim>
+                                    <p:anim calcmode="lin" valueType="num">
+                                      <p:cBhvr>
+                                        <p:cTn id="9" dur="400" fill="hold"/>
+                                        <p:tgtEl>
+                                          <p:spTgt spid="4">
+                                            <p:graphicEl>
+                                              <a:dgm id="{A71E3479-ACA9-46DA-B44E-2EEF6B82D5B0}"/>
+                                            </p:graphicEl>
+                                          </p:spTgt>
+                                        </p:tgtEl>
+                                        <p:attrNameLst>
+                                          <p:attrName>ppt_y</p:attrName>
+                                        </p:attrNameLst>
+                                      </p:cBhvr>
+                                      <p:tavLst>
+                                        <p:tav tm="0">
+                                          <p:val>
+                                            <p:strVal val="#ppt_y+0.31"/>
+                                          </p:val>
+                                        </p:tav>
+                                        <p:tav tm="100000">
+                                          <p:val>
+                                            <p:strVal val="#ppt_y+0.31"/>
+                                          </p:val>
+                                        </p:tav>
+                                      </p:tavLst>
+                                    </p:anim>
+                                    <p:anim calcmode="lin" valueType="num">
+                                      <p:cBhvr>
+                                        <p:cTn id="10" dur="600" decel="50000" fill="hold">
+                                          <p:stCondLst>
+                                            <p:cond delay="400"/>
+                                          </p:stCondLst>
+                                        </p:cTn>
+                                        <p:tgtEl>
+                                          <p:spTgt spid="4">
+                                            <p:graphicEl>
+                                              <a:dgm id="{A71E3479-ACA9-46DA-B44E-2EEF6B82D5B0}"/>
+                                            </p:graphicEl>
+                                          </p:spTgt>
+                                        </p:tgtEl>
+                                        <p:attrNameLst>
+                                          <p:attrName>ppt_x</p:attrName>
+                                        </p:attrNameLst>
+                                      </p:cBhvr>
+                                      <p:tavLst>
+                                        <p:tav tm="0">
+                                          <p:val>
+                                            <p:strVal val="#ppt_x"/>
+                                          </p:val>
+                                        </p:tav>
+                                        <p:tav tm="5000">
+                                          <p:val>
+                                            <p:strVal val="#ppt_x+0.0242"/>
+                                          </p:val>
+                                        </p:tav>
+                                        <p:tav tm="10000">
+                                          <p:val>
+                                            <p:strVal val="#ppt_x+0.0479"/>
+                                          </p:val>
+                                        </p:tav>
+                                        <p:tav tm="15000">
+                                          <p:val>
+                                            <p:strVal val="#ppt_x+0.0704"/>
+                                          </p:val>
+                                        </p:tav>
+                                        <p:tav tm="20000">
+                                          <p:val>
+                                            <p:strVal val="#ppt_x+0.0911"/>
+                                          </p:val>
+                                        </p:tav>
+                                        <p:tav tm="25000">
+                                          <p:val>
+                                            <p:strVal val="#ppt_x+0.1096"/>
+                                          </p:val>
+                                        </p:tav>
+                                        <p:tav tm="30000">
+                                          <p:val>
+                                            <p:strVal val="#ppt_x+0.1254"/>
+                                          </p:val>
+                                        </p:tav>
+                                        <p:tav tm="35000">
+                                          <p:val>
+                                            <p:strVal val="#ppt_x+0.1381"/>
+                                          </p:val>
+                                        </p:tav>
+                                        <p:tav tm="40000">
+                                          <p:val>
+                                            <p:strVal val="#ppt_x+0.1474"/>
+                                          </p:val>
+                                        </p:tav>
+                                        <p:tav tm="45000">
+                                          <p:val>
+                                            <p:strVal val="#ppt_x+0.1531"/>
+                                          </p:val>
+                                        </p:tav>
+                                        <p:tav tm="50000">
+                                          <p:val>
+                                            <p:strVal val="#ppt_x+0.1550"/>
+                                          </p:val>
+                                        </p:tav>
+                                        <p:tav tm="55000">
+                                          <p:val>
+                                            <p:strVal val="#ppt_x+0.1531"/>
+                                          </p:val>
+                                        </p:tav>
+                                        <p:tav tm="60000">
+                                          <p:val>
+                                            <p:strVal val="#ppt_x+0.1474"/>
+                                          </p:val>
+                                        </p:tav>
+                                        <p:tav tm="65000">
+                                          <p:val>
+                                            <p:strVal val="#ppt_x+0.1381"/>
+                                          </p:val>
+                                        </p:tav>
+                                        <p:tav tm="70000">
+                                          <p:val>
+                                            <p:strVal val="#ppt_x+0.1254"/>
+                                          </p:val>
+                                        </p:tav>
+                                        <p:tav tm="75000">
+                                          <p:val>
+                                            <p:strVal val="#ppt_x+0.1096"/>
+                                          </p:val>
+                                        </p:tav>
+                                        <p:tav tm="80000">
+                                          <p:val>
+                                            <p:strVal val="#ppt_x+0.0911"/>
+                                          </p:val>
+                                        </p:tav>
+                                        <p:tav tm="85000">
+                                          <p:val>
+                                            <p:strVal val="#ppt_x+0.0704"/>
+                                          </p:val>
+                                        </p:tav>
+                                        <p:tav tm="90000">
+                                          <p:val>
+                                            <p:strVal val="#ppt_x+0.0479"/>
+                                          </p:val>
+                                        </p:tav>
+                                        <p:tav tm="95000">
+                                          <p:val>
+                                            <p:strVal val="#ppt_x+0.0242"/>
+                                          </p:val>
+                                        </p:tav>
+                                        <p:tav tm="100000">
+                                          <p:val>
+                                            <p:strVal val="#ppt_x"/>
+                                          </p:val>
+                                        </p:tav>
+                                      </p:tavLst>
+                                    </p:anim>
+                                    <p:anim calcmode="lin" valueType="num">
+                                      <p:cBhvr>
+                                        <p:cTn id="11" dur="600" decel="50000" fill="hold">
+                                          <p:stCondLst>
+                                            <p:cond delay="400"/>
+                                          </p:stCondLst>
+                                        </p:cTn>
+                                        <p:tgtEl>
+                                          <p:spTgt spid="4">
+                                            <p:graphicEl>
+                                              <a:dgm id="{A71E3479-ACA9-46DA-B44E-2EEF6B82D5B0}"/>
+                                            </p:graphicEl>
+                                          </p:spTgt>
+                                        </p:tgtEl>
+                                        <p:attrNameLst>
+                                          <p:attrName>ppt_y</p:attrName>
+                                        </p:attrNameLst>
+                                      </p:cBhvr>
+                                      <p:tavLst>
+                                        <p:tav tm="0">
+                                          <p:val>
+                                            <p:strVal val="#ppt_y+0.31"/>
+                                          </p:val>
+                                        </p:tav>
+                                        <p:tav tm="5000">
+                                          <p:val>
+                                            <p:strVal val="#ppt_y+0.308"/>
+                                          </p:val>
+                                        </p:tav>
+                                        <p:tav tm="10000">
+                                          <p:val>
+                                            <p:strVal val="#ppt_y+0.3024"/>
+                                          </p:val>
+                                        </p:tav>
+                                        <p:tav tm="15000">
+                                          <p:val>
+                                            <p:strVal val="#ppt_y+0.2931"/>
+                                          </p:val>
+                                        </p:tav>
+                                        <p:tav tm="20000">
+                                          <p:val>
+                                            <p:strVal val="#ppt_y+0.2804"/>
+                                          </p:val>
+                                        </p:tav>
+                                        <p:tav tm="25000">
+                                          <p:val>
+                                            <p:strVal val="#ppt_y+0.2646"/>
+                                          </p:val>
+                                        </p:tav>
+                                        <p:tav tm="30000">
+                                          <p:val>
+                                            <p:strVal val="#ppt_y+0.2461"/>
+                                          </p:val>
+                                        </p:tav>
+                                        <p:tav tm="35000">
+                                          <p:val>
+                                            <p:strVal val="#ppt_y+0.2253"/>
+                                          </p:val>
+                                        </p:tav>
+                                        <p:tav tm="40000">
+                                          <p:val>
+                                            <p:strVal val="#ppt_y+0.2029"/>
+                                          </p:val>
+                                        </p:tav>
+                                        <p:tav tm="45000">
+                                          <p:val>
+                                            <p:strVal val="#ppt_y+0.1792"/>
+                                          </p:val>
+                                        </p:tav>
+                                        <p:tav tm="50000">
+                                          <p:val>
+                                            <p:strVal val="#ppt_y+0.155"/>
+                                          </p:val>
+                                        </p:tav>
+                                        <p:tav tm="55000">
+                                          <p:val>
+                                            <p:strVal val="#ppt_y+0.1307"/>
+                                          </p:val>
+                                        </p:tav>
+                                        <p:tav tm="60000">
+                                          <p:val>
+                                            <p:strVal val="#ppt_y+0.1071"/>
+                                          </p:val>
+                                        </p:tav>
+                                        <p:tav tm="65000">
+                                          <p:val>
+                                            <p:strVal val="#ppt_y+0.0846"/>
+                                          </p:val>
+                                        </p:tav>
+                                        <p:tav tm="70000">
+                                          <p:val>
+                                            <p:strVal val="#ppt_y+0.0639"/>
+                                          </p:val>
+                                        </p:tav>
+                                        <p:tav tm="75000">
+                                          <p:val>
+                                            <p:strVal val="#ppt_y+0.0454"/>
+                                          </p:val>
+                                        </p:tav>
+                                        <p:tav tm="80000">
+                                          <p:val>
+                                            <p:strVal val="#ppt_y+0.0296"/>
+                                          </p:val>
+                                        </p:tav>
+                                        <p:tav tm="85000">
+                                          <p:val>
+                                            <p:strVal val="#ppt_y+0.0169"/>
+                                          </p:val>
+                                        </p:tav>
+                                        <p:tav tm="90000">
+                                          <p:val>
+                                            <p:strVal val="#ppt_y+0.0076"/>
+                                          </p:val>
+                                        </p:tav>
+                                        <p:tav tm="95000">
+                                          <p:val>
+                                            <p:strVal val="#ppt_y+0.0019"/>
+                                          </p:val>
+                                        </p:tav>
+                                        <p:tav tm="100000">
+                                          <p:val>
+                                            <p:strVal val="#ppt_y"/>
+                                          </p:val>
+                                        </p:tav>
+                                      </p:tavLst>
+                                    </p:anim>
+                                  </p:childTnLst>
+                                </p:cTn>
+                              </p:par>
+                              <p:par>
+                                <p:cTn id="12" presetID="43" presetClass="entr" presetSubtype="0" fill="hold" grpId="0" nodeType="withEffect">
+                                  <p:stCondLst>
+                                    <p:cond delay="0"/>
+                                  </p:stCondLst>
+                                  <p:childTnLst>
+                                    <p:set>
+                                      <p:cBhvr>
+                                        <p:cTn id="13" dur="1" fill="hold">
+                                          <p:stCondLst>
+                                            <p:cond delay="0"/>
+                                          </p:stCondLst>
+                                        </p:cTn>
+                                        <p:tgtEl>
+                                          <p:spTgt spid="4">
+                                            <p:graphicEl>
+                                              <a:dgm id="{52E744C1-222B-4FC2-9BC6-610BD35903EE}"/>
+                                            </p:graphicEl>
+                                          </p:spTgt>
+                                        </p:tgtEl>
+                                        <p:attrNameLst>
+                                          <p:attrName>style.visibility</p:attrName>
+                                        </p:attrNameLst>
+                                      </p:cBhvr>
+                                      <p:to>
+                                        <p:strVal val="visible"/>
+                                      </p:to>
+                                    </p:set>
+                                    <p:animEffect transition="in" filter="fade">
+                                      <p:cBhvr>
+                                        <p:cTn id="14" dur="100"/>
+                                        <p:tgtEl>
+                                          <p:spTgt spid="4">
+                                            <p:graphicEl>
+                                              <a:dgm id="{52E744C1-222B-4FC2-9BC6-610BD35903EE}"/>
+                                            </p:graphicEl>
+                                          </p:spTgt>
+                                        </p:tgtEl>
+                                      </p:cBhvr>
+                                    </p:animEffect>
+                                    <p:anim calcmode="lin" valueType="num">
+                                      <p:cBhvr>
+                                        <p:cTn id="15" dur="400" fill="hold"/>
+                                        <p:tgtEl>
+                                          <p:spTgt spid="4">
+                                            <p:graphicEl>
+                                              <a:dgm id="{52E744C1-222B-4FC2-9BC6-610BD35903EE}"/>
+                                            </p:graphicEl>
+                                          </p:spTgt>
+                                        </p:tgtEl>
+                                        <p:attrNameLst>
+                                          <p:attrName>ppt_x</p:attrName>
+                                        </p:attrNameLst>
+                                      </p:cBhvr>
+                                      <p:tavLst>
+                                        <p:tav tm="0">
+                                          <p:val>
+                                            <p:strVal val="#ppt_x"/>
+                                          </p:val>
+                                        </p:tav>
+                                        <p:tav tm="100000">
+                                          <p:val>
+                                            <p:strVal val="#ppt_x"/>
+                                          </p:val>
+                                        </p:tav>
+                                      </p:tavLst>
+                                    </p:anim>
+                                    <p:anim calcmode="lin" valueType="num">
+                                      <p:cBhvr>
+                                        <p:cTn id="16" dur="400" fill="hold"/>
+                                        <p:tgtEl>
+                                          <p:spTgt spid="4">
+                                            <p:graphicEl>
+                                              <a:dgm id="{52E744C1-222B-4FC2-9BC6-610BD35903EE}"/>
+                                            </p:graphicEl>
+                                          </p:spTgt>
+                                        </p:tgtEl>
+                                        <p:attrNameLst>
+                                          <p:attrName>ppt_y</p:attrName>
+                                        </p:attrNameLst>
+                                      </p:cBhvr>
+                                      <p:tavLst>
+                                        <p:tav tm="0">
+                                          <p:val>
+                                            <p:strVal val="#ppt_y+0.31"/>
+                                          </p:val>
+                                        </p:tav>
+                                        <p:tav tm="100000">
+                                          <p:val>
+                                            <p:strVal val="#ppt_y+0.31"/>
+                                          </p:val>
+                                        </p:tav>
+                                      </p:tavLst>
+                                    </p:anim>
+                                    <p:anim calcmode="lin" valueType="num">
+                                      <p:cBhvr>
+                                        <p:cTn id="17" dur="600" decel="50000" fill="hold">
+                                          <p:stCondLst>
+                                            <p:cond delay="400"/>
+                                          </p:stCondLst>
+                                        </p:cTn>
+                                        <p:tgtEl>
+                                          <p:spTgt spid="4">
+                                            <p:graphicEl>
+                                              <a:dgm id="{52E744C1-222B-4FC2-9BC6-610BD35903EE}"/>
+                                            </p:graphicEl>
+                                          </p:spTgt>
+                                        </p:tgtEl>
+                                        <p:attrNameLst>
+                                          <p:attrName>ppt_x</p:attrName>
+                                        </p:attrNameLst>
+                                      </p:cBhvr>
+                                      <p:tavLst>
+                                        <p:tav tm="0">
+                                          <p:val>
+                                            <p:strVal val="#ppt_x"/>
+                                          </p:val>
+                                        </p:tav>
+                                        <p:tav tm="5000">
+                                          <p:val>
+                                            <p:strVal val="#ppt_x+0.0242"/>
+                                          </p:val>
+                                        </p:tav>
+                                        <p:tav tm="10000">
+                                          <p:val>
+                                            <p:strVal val="#ppt_x+0.0479"/>
+                                          </p:val>
+                                        </p:tav>
+                                        <p:tav tm="15000">
+                                          <p:val>
+                                            <p:strVal val="#ppt_x+0.0704"/>
+                                          </p:val>
+                                        </p:tav>
+                                        <p:tav tm="20000">
+                                          <p:val>
+                                            <p:strVal val="#ppt_x+0.0911"/>
+                                          </p:val>
+                                        </p:tav>
+                                        <p:tav tm="25000">
+                                          <p:val>
+                                            <p:strVal val="#ppt_x+0.1096"/>
+                                          </p:val>
+                                        </p:tav>
+                                        <p:tav tm="30000">
+                                          <p:val>
+                                            <p:strVal val="#ppt_x+0.1254"/>
+                                          </p:val>
+                                        </p:tav>
+                                        <p:tav tm="35000">
+                                          <p:val>
+                                            <p:strVal val="#ppt_x+0.1381"/>
+                                          </p:val>
+                                        </p:tav>
+                                        <p:tav tm="40000">
+                                          <p:val>
+                                            <p:strVal val="#ppt_x+0.1474"/>
+                                          </p:val>
+                                        </p:tav>
+                                        <p:tav tm="45000">
+                                          <p:val>
+                                            <p:strVal val="#ppt_x+0.1531"/>
+                                          </p:val>
+                                        </p:tav>
+                                        <p:tav tm="50000">
+                                          <p:val>
+                                            <p:strVal val="#ppt_x+0.1550"/>
+                                          </p:val>
+                                        </p:tav>
+                                        <p:tav tm="55000">
+                                          <p:val>
+                                            <p:strVal val="#ppt_x+0.1531"/>
+                                          </p:val>
+                                        </p:tav>
+                                        <p:tav tm="60000">
+                                          <p:val>
+                                            <p:strVal val="#ppt_x+0.1474"/>
+                                          </p:val>
+                                        </p:tav>
+                                        <p:tav tm="65000">
+                                          <p:val>
+                                            <p:strVal val="#ppt_x+0.1381"/>
+                                          </p:val>
+                                        </p:tav>
+                                        <p:tav tm="70000">
+                                          <p:val>
+                                            <p:strVal val="#ppt_x+0.1254"/>
+                                          </p:val>
+                                        </p:tav>
+                                        <p:tav tm="75000">
+                                          <p:val>
+                                            <p:strVal val="#ppt_x+0.1096"/>
+                                          </p:val>
+                                        </p:tav>
+                                        <p:tav tm="80000">
+                                          <p:val>
+                                            <p:strVal val="#ppt_x+0.0911"/>
+                                          </p:val>
+                                        </p:tav>
+                                        <p:tav tm="85000">
+                                          <p:val>
+                                            <p:strVal val="#ppt_x+0.0704"/>
+                                          </p:val>
+                                        </p:tav>
+                                        <p:tav tm="90000">
+                                          <p:val>
+                                            <p:strVal val="#ppt_x+0.0479"/>
+                                          </p:val>
+                                        </p:tav>
+                                        <p:tav tm="95000">
+                                          <p:val>
+                                            <p:strVal val="#ppt_x+0.0242"/>
+                                          </p:val>
+                                        </p:tav>
+                                        <p:tav tm="100000">
+                                          <p:val>
+                                            <p:strVal val="#ppt_x"/>
+                                          </p:val>
+                                        </p:tav>
+                                      </p:tavLst>
+                                    </p:anim>
+                                    <p:anim calcmode="lin" valueType="num">
+                                      <p:cBhvr>
+                                        <p:cTn id="18" dur="600" decel="50000" fill="hold">
+                                          <p:stCondLst>
+                                            <p:cond delay="400"/>
+                                          </p:stCondLst>
+                                        </p:cTn>
+                                        <p:tgtEl>
+                                          <p:spTgt spid="4">
+                                            <p:graphicEl>
+                                              <a:dgm id="{52E744C1-222B-4FC2-9BC6-610BD35903EE}"/>
+                                            </p:graphicEl>
+                                          </p:spTgt>
+                                        </p:tgtEl>
+                                        <p:attrNameLst>
+                                          <p:attrName>ppt_y</p:attrName>
+                                        </p:attrNameLst>
+                                      </p:cBhvr>
+                                      <p:tavLst>
+                                        <p:tav tm="0">
+                                          <p:val>
+                                            <p:strVal val="#ppt_y+0.31"/>
+                                          </p:val>
+                                        </p:tav>
+                                        <p:tav tm="5000">
+                                          <p:val>
+                                            <p:strVal val="#ppt_y+0.308"/>
+                                          </p:val>
+                                        </p:tav>
+                                        <p:tav tm="10000">
+                                          <p:val>
+                                            <p:strVal val="#ppt_y+0.3024"/>
+                                          </p:val>
+                                        </p:tav>
+                                        <p:tav tm="15000">
+                                          <p:val>
+                                            <p:strVal val="#ppt_y+0.2931"/>
+                                          </p:val>
+                                        </p:tav>
+                                        <p:tav tm="20000">
+                                          <p:val>
+                                            <p:strVal val="#ppt_y+0.2804"/>
+                                          </p:val>
+                                        </p:tav>
+                                        <p:tav tm="25000">
+                                          <p:val>
+                                            <p:strVal val="#ppt_y+0.2646"/>
+                                          </p:val>
+                                        </p:tav>
+                                        <p:tav tm="30000">
+                                          <p:val>
+                                            <p:strVal val="#ppt_y+0.2461"/>
+                                          </p:val>
+                                        </p:tav>
+                                        <p:tav tm="35000">
+                                          <p:val>
+                                            <p:strVal val="#ppt_y+0.2253"/>
+                                          </p:val>
+                                        </p:tav>
+                                        <p:tav tm="40000">
+                                          <p:val>
+                                            <p:strVal val="#ppt_y+0.2029"/>
+                                          </p:val>
+                                        </p:tav>
+                                        <p:tav tm="45000">
+                                          <p:val>
+                                            <p:strVal val="#ppt_y+0.1792"/>
+                                          </p:val>
+                                        </p:tav>
+                                        <p:tav tm="50000">
+                                          <p:val>
+                                            <p:strVal val="#ppt_y+0.155"/>
+                                          </p:val>
+                                        </p:tav>
+                                        <p:tav tm="55000">
+                                          <p:val>
+                                            <p:strVal val="#ppt_y+0.1307"/>
+                                          </p:val>
+                                        </p:tav>
+                                        <p:tav tm="60000">
+                                          <p:val>
+                                            <p:strVal val="#ppt_y+0.1071"/>
+                                          </p:val>
+                                        </p:tav>
+                                        <p:tav tm="65000">
+                                          <p:val>
+                                            <p:strVal val="#ppt_y+0.0846"/>
+                                          </p:val>
+                                        </p:tav>
+                                        <p:tav tm="70000">
+                                          <p:val>
+                                            <p:strVal val="#ppt_y+0.0639"/>
+                                          </p:val>
+                                        </p:tav>
+                                        <p:tav tm="75000">
+                                          <p:val>
+                                            <p:strVal val="#ppt_y+0.0454"/>
+                                          </p:val>
+                                        </p:tav>
+                                        <p:tav tm="80000">
+                                          <p:val>
+                                            <p:strVal val="#ppt_y+0.0296"/>
+                                          </p:val>
+                                        </p:tav>
+                                        <p:tav tm="85000">
+                                          <p:val>
+                                            <p:strVal val="#ppt_y+0.0169"/>
+                                          </p:val>
+                                        </p:tav>
+                                        <p:tav tm="90000">
+                                          <p:val>
+                                            <p:strVal val="#ppt_y+0.0076"/>
+                                          </p:val>
+                                        </p:tav>
+                                        <p:tav tm="95000">
+                                          <p:val>
+                                            <p:strVal val="#ppt_y+0.0019"/>
+                                          </p:val>
+                                        </p:tav>
+                                        <p:tav tm="100000">
+                                          <p:val>
+                                            <p:strVal val="#ppt_y"/>
+                                          </p:val>
+                                        </p:tav>
+                                      </p:tavLst>
+                                    </p:anim>
+                                  </p:childTnLst>
+                                </p:cTn>
+                              </p:par>
+                              <p:par>
+                                <p:cTn id="19" presetID="43" presetClass="entr" presetSubtype="0" fill="hold" grpId="0" nodeType="withEffect">
+                                  <p:stCondLst>
+                                    <p:cond delay="0"/>
+                                  </p:stCondLst>
+                                  <p:childTnLst>
+                                    <p:set>
+                                      <p:cBhvr>
+                                        <p:cTn id="20" dur="1" fill="hold">
+                                          <p:stCondLst>
+                                            <p:cond delay="0"/>
+                                          </p:stCondLst>
+                                        </p:cTn>
+                                        <p:tgtEl>
+                                          <p:spTgt spid="4">
+                                            <p:graphicEl>
+                                              <a:dgm id="{940E0BE7-F85A-4BCE-8E7F-FC70AEE7B5ED}"/>
+                                            </p:graphicEl>
+                                          </p:spTgt>
+                                        </p:tgtEl>
+                                        <p:attrNameLst>
+                                          <p:attrName>style.visibility</p:attrName>
+                                        </p:attrNameLst>
+                                      </p:cBhvr>
+                                      <p:to>
+                                        <p:strVal val="visible"/>
+                                      </p:to>
+                                    </p:set>
+                                    <p:animEffect transition="in" filter="fade">
+                                      <p:cBhvr>
+                                        <p:cTn id="21" dur="100"/>
+                                        <p:tgtEl>
+                                          <p:spTgt spid="4">
+                                            <p:graphicEl>
+                                              <a:dgm id="{940E0BE7-F85A-4BCE-8E7F-FC70AEE7B5ED}"/>
+                                            </p:graphicEl>
+                                          </p:spTgt>
+                                        </p:tgtEl>
+                                      </p:cBhvr>
+                                    </p:animEffect>
+                                    <p:anim calcmode="lin" valueType="num">
+                                      <p:cBhvr>
+                                        <p:cTn id="22" dur="400" fill="hold"/>
+                                        <p:tgtEl>
+                                          <p:spTgt spid="4">
+                                            <p:graphicEl>
+                                              <a:dgm id="{940E0BE7-F85A-4BCE-8E7F-FC70AEE7B5ED}"/>
+                                            </p:graphicEl>
+                                          </p:spTgt>
+                                        </p:tgtEl>
+                                        <p:attrNameLst>
+                                          <p:attrName>ppt_x</p:attrName>
+                                        </p:attrNameLst>
+                                      </p:cBhvr>
+                                      <p:tavLst>
+                                        <p:tav tm="0">
+                                          <p:val>
+                                            <p:strVal val="#ppt_x"/>
+                                          </p:val>
+                                        </p:tav>
+                                        <p:tav tm="100000">
+                                          <p:val>
+                                            <p:strVal val="#ppt_x"/>
+                                          </p:val>
+                                        </p:tav>
+                                      </p:tavLst>
+                                    </p:anim>
+                                    <p:anim calcmode="lin" valueType="num">
+                                      <p:cBhvr>
+                                        <p:cTn id="23" dur="400" fill="hold"/>
+                                        <p:tgtEl>
+                                          <p:spTgt spid="4">
+                                            <p:graphicEl>
+                                              <a:dgm id="{940E0BE7-F85A-4BCE-8E7F-FC70AEE7B5ED}"/>
+                                            </p:graphicEl>
+                                          </p:spTgt>
+                                        </p:tgtEl>
+                                        <p:attrNameLst>
+                                          <p:attrName>ppt_y</p:attrName>
+                                        </p:attrNameLst>
+                                      </p:cBhvr>
+                                      <p:tavLst>
+                                        <p:tav tm="0">
+                                          <p:val>
+                                            <p:strVal val="#ppt_y+0.31"/>
+                                          </p:val>
+                                        </p:tav>
+                                        <p:tav tm="100000">
+                                          <p:val>
+                                            <p:strVal val="#ppt_y+0.31"/>
+                                          </p:val>
+                                        </p:tav>
+                                      </p:tavLst>
+                                    </p:anim>
+                                    <p:anim calcmode="lin" valueType="num">
+                                      <p:cBhvr>
+                                        <p:cTn id="24" dur="600" decel="50000" fill="hold">
+                                          <p:stCondLst>
+                                            <p:cond delay="400"/>
+                                          </p:stCondLst>
+                                        </p:cTn>
+                                        <p:tgtEl>
+                                          <p:spTgt spid="4">
+                                            <p:graphicEl>
+                                              <a:dgm id="{940E0BE7-F85A-4BCE-8E7F-FC70AEE7B5ED}"/>
+                                            </p:graphicEl>
+                                          </p:spTgt>
+                                        </p:tgtEl>
+                                        <p:attrNameLst>
+                                          <p:attrName>ppt_x</p:attrName>
+                                        </p:attrNameLst>
+                                      </p:cBhvr>
+                                      <p:tavLst>
+                                        <p:tav tm="0">
+                                          <p:val>
+                                            <p:strVal val="#ppt_x"/>
+                                          </p:val>
+                                        </p:tav>
+                                        <p:tav tm="5000">
+                                          <p:val>
+                                            <p:strVal val="#ppt_x+0.0242"/>
+                                          </p:val>
+                                        </p:tav>
+                                        <p:tav tm="10000">
+                                          <p:val>
+                                            <p:strVal val="#ppt_x+0.0479"/>
+                                          </p:val>
+                                        </p:tav>
+                                        <p:tav tm="15000">
+                                          <p:val>
+                                            <p:strVal val="#ppt_x+0.0704"/>
+                                          </p:val>
+                                        </p:tav>
+                                        <p:tav tm="20000">
+                                          <p:val>
+                                            <p:strVal val="#ppt_x+0.0911"/>
+                                          </p:val>
+                                        </p:tav>
+                                        <p:tav tm="25000">
+                                          <p:val>
+                                            <p:strVal val="#ppt_x+0.1096"/>
+                                          </p:val>
+                                        </p:tav>
+                                        <p:tav tm="30000">
+                                          <p:val>
+                                            <p:strVal val="#ppt_x+0.1254"/>
+                                          </p:val>
+                                        </p:tav>
+                                        <p:tav tm="35000">
+                                          <p:val>
+                                            <p:strVal val="#ppt_x+0.1381"/>
+                                          </p:val>
+                                        </p:tav>
+                                        <p:tav tm="40000">
+                                          <p:val>
+                                            <p:strVal val="#ppt_x+0.1474"/>
+                                          </p:val>
+                                        </p:tav>
+                                        <p:tav tm="45000">
+                                          <p:val>
+                                            <p:strVal val="#ppt_x+0.1531"/>
+                                          </p:val>
+                                        </p:tav>
+                                        <p:tav tm="50000">
+                                          <p:val>
+                                            <p:strVal val="#ppt_x+0.1550"/>
+                                          </p:val>
+                                        </p:tav>
+                                        <p:tav tm="55000">
+                                          <p:val>
+                                            <p:strVal val="#ppt_x+0.1531"/>
+                                          </p:val>
+                                        </p:tav>
+                                        <p:tav tm="60000">
+                                          <p:val>
+                                            <p:strVal val="#ppt_x+0.1474"/>
+                                          </p:val>
+                                        </p:tav>
+                                        <p:tav tm="65000">
+                                          <p:val>
+                                            <p:strVal val="#ppt_x+0.1381"/>
+                                          </p:val>
+                                        </p:tav>
+                                        <p:tav tm="70000">
+                                          <p:val>
+                                            <p:strVal val="#ppt_x+0.1254"/>
+                                          </p:val>
+                                        </p:tav>
+                                        <p:tav tm="75000">
+                                          <p:val>
+                                            <p:strVal val="#ppt_x+0.1096"/>
+                                          </p:val>
+                                        </p:tav>
+                                        <p:tav tm="80000">
+                                          <p:val>
+                                            <p:strVal val="#ppt_x+0.0911"/>
+                                          </p:val>
+                                        </p:tav>
+                                        <p:tav tm="85000">
+                                          <p:val>
+                                            <p:strVal val="#ppt_x+0.0704"/>
+                                          </p:val>
+                                        </p:tav>
+                                        <p:tav tm="90000">
+                                          <p:val>
+                                            <p:strVal val="#ppt_x+0.0479"/>
+                                          </p:val>
+                                        </p:tav>
+                                        <p:tav tm="95000">
+                                          <p:val>
+                                            <p:strVal val="#ppt_x+0.0242"/>
+                                          </p:val>
+                                        </p:tav>
+                                        <p:tav tm="100000">
+                                          <p:val>
+                                            <p:strVal val="#ppt_x"/>
+                                          </p:val>
+                                        </p:tav>
+                                      </p:tavLst>
+                                    </p:anim>
+                                    <p:anim calcmode="lin" valueType="num">
+                                      <p:cBhvr>
+                                        <p:cTn id="25" dur="600" decel="50000" fill="hold">
+                                          <p:stCondLst>
+                                            <p:cond delay="400"/>
+                                          </p:stCondLst>
+                                        </p:cTn>
+                                        <p:tgtEl>
+                                          <p:spTgt spid="4">
+                                            <p:graphicEl>
+                                              <a:dgm id="{940E0BE7-F85A-4BCE-8E7F-FC70AEE7B5ED}"/>
+                                            </p:graphicEl>
+                                          </p:spTgt>
+                                        </p:tgtEl>
+                                        <p:attrNameLst>
+                                          <p:attrName>ppt_y</p:attrName>
+                                        </p:attrNameLst>
+                                      </p:cBhvr>
+                                      <p:tavLst>
+                                        <p:tav tm="0">
+                                          <p:val>
+                                            <p:strVal val="#ppt_y+0.31"/>
+                                          </p:val>
+                                        </p:tav>
+                                        <p:tav tm="5000">
+                                          <p:val>
+                                            <p:strVal val="#ppt_y+0.308"/>
+                                          </p:val>
+                                        </p:tav>
+                                        <p:tav tm="10000">
+                                          <p:val>
+                                            <p:strVal val="#ppt_y+0.3024"/>
+                                          </p:val>
+                                        </p:tav>
+                                        <p:tav tm="15000">
+                                          <p:val>
+                                            <p:strVal val="#ppt_y+0.2931"/>
+                                          </p:val>
+                                        </p:tav>
+                                        <p:tav tm="20000">
+                                          <p:val>
+                                            <p:strVal val="#ppt_y+0.2804"/>
+                                          </p:val>
+                                        </p:tav>
+                                        <p:tav tm="25000">
+                                          <p:val>
+                                            <p:strVal val="#ppt_y+0.2646"/>
+                                          </p:val>
+                                        </p:tav>
+                                        <p:tav tm="30000">
+                                          <p:val>
+                                            <p:strVal val="#ppt_y+0.2461"/>
+                                          </p:val>
+                                        </p:tav>
+                                        <p:tav tm="35000">
+                                          <p:val>
+                                            <p:strVal val="#ppt_y+0.2253"/>
+                                          </p:val>
+                                        </p:tav>
+                                        <p:tav tm="40000">
+                                          <p:val>
+                                            <p:strVal val="#ppt_y+0.2029"/>
+                                          </p:val>
+                                        </p:tav>
+                                        <p:tav tm="45000">
+                                          <p:val>
+                                            <p:strVal val="#ppt_y+0.1792"/>
+                                          </p:val>
+                                        </p:tav>
+                                        <p:tav tm="50000">
+                                          <p:val>
+                                            <p:strVal val="#ppt_y+0.155"/>
+                                          </p:val>
+                                        </p:tav>
+                                        <p:tav tm="55000">
+                                          <p:val>
+                                            <p:strVal val="#ppt_y+0.1307"/>
+                                          </p:val>
+                                        </p:tav>
+                                        <p:tav tm="60000">
+                                          <p:val>
+                                            <p:strVal val="#ppt_y+0.1071"/>
+                                          </p:val>
+                                        </p:tav>
+                                        <p:tav tm="65000">
+                                          <p:val>
+                                            <p:strVal val="#ppt_y+0.0846"/>
+                                          </p:val>
+                                        </p:tav>
+                                        <p:tav tm="70000">
+                                          <p:val>
+                                            <p:strVal val="#ppt_y+0.0639"/>
+                                          </p:val>
+                                        </p:tav>
+                                        <p:tav tm="75000">
+                                          <p:val>
+                                            <p:strVal val="#ppt_y+0.0454"/>
+                                          </p:val>
+                                        </p:tav>
+                                        <p:tav tm="80000">
+                                          <p:val>
+                                            <p:strVal val="#ppt_y+0.0296"/>
+                                          </p:val>
+                                        </p:tav>
+                                        <p:tav tm="85000">
+                                          <p:val>
+                                            <p:strVal val="#ppt_y+0.0169"/>
+                                          </p:val>
+                                        </p:tav>
+                                        <p:tav tm="90000">
+                                          <p:val>
+                                            <p:strVal val="#ppt_y+0.0076"/>
+                                          </p:val>
+                                        </p:tav>
+                                        <p:tav tm="95000">
+                                          <p:val>
+                                            <p:strVal val="#ppt_y+0.0019"/>
+                                          </p:val>
+                                        </p:tav>
+                                        <p:tav tm="100000">
+                                          <p:val>
+                                            <p:strVal val="#ppt_y"/>
+                                          </p:val>
+                                        </p:tav>
+                                      </p:tavLst>
+                                    </p:anim>
+                                  </p:childTnLst>
+                                </p:cTn>
+                              </p:par>
+                            </p:childTnLst>
+                          </p:cTn>
+                        </p:par>
+                      </p:childTnLst>
+                    </p:cTn>
+                  </p:par>
+                  <p:par>
+                    <p:cTn id="26" fill="hold">
+                      <p:stCondLst>
+                        <p:cond delay="indefinite"/>
+                      </p:stCondLst>
+                      <p:childTnLst>
+                        <p:par>
+                          <p:cTn id="27" fill="hold">
+                            <p:stCondLst>
+                              <p:cond delay="0"/>
+                            </p:stCondLst>
+                            <p:childTnLst>
+                              <p:par>
+                                <p:cTn id="28" presetID="43" presetClass="entr" presetSubtype="0" fill="hold" grpId="0" nodeType="clickEffect">
+                                  <p:stCondLst>
+                                    <p:cond delay="0"/>
+                                  </p:stCondLst>
+                                  <p:childTnLst>
+                                    <p:set>
+                                      <p:cBhvr>
+                                        <p:cTn id="29" dur="1" fill="hold">
+                                          <p:stCondLst>
+                                            <p:cond delay="0"/>
+                                          </p:stCondLst>
+                                        </p:cTn>
+                                        <p:tgtEl>
+                                          <p:spTgt spid="4">
+                                            <p:graphicEl>
+                                              <a:dgm id="{1A8A945F-1E26-42C3-A93B-8EF13D511834}"/>
+                                            </p:graphicEl>
+                                          </p:spTgt>
+                                        </p:tgtEl>
+                                        <p:attrNameLst>
+                                          <p:attrName>style.visibility</p:attrName>
+                                        </p:attrNameLst>
+                                      </p:cBhvr>
+                                      <p:to>
+                                        <p:strVal val="visible"/>
+                                      </p:to>
+                                    </p:set>
+                                    <p:animEffect transition="in" filter="fade">
+                                      <p:cBhvr>
+                                        <p:cTn id="30" dur="100"/>
+                                        <p:tgtEl>
+                                          <p:spTgt spid="4">
+                                            <p:graphicEl>
+                                              <a:dgm id="{1A8A945F-1E26-42C3-A93B-8EF13D511834}"/>
+                                            </p:graphicEl>
+                                          </p:spTgt>
+                                        </p:tgtEl>
+                                      </p:cBhvr>
+                                    </p:animEffect>
+                                    <p:anim calcmode="lin" valueType="num">
+                                      <p:cBhvr>
+                                        <p:cTn id="31" dur="400" fill="hold"/>
+                                        <p:tgtEl>
+                                          <p:spTgt spid="4">
+                                            <p:graphicEl>
+                                              <a:dgm id="{1A8A945F-1E26-42C3-A93B-8EF13D511834}"/>
+                                            </p:graphicEl>
+                                          </p:spTgt>
+                                        </p:tgtEl>
+                                        <p:attrNameLst>
+                                          <p:attrName>ppt_x</p:attrName>
+                                        </p:attrNameLst>
+                                      </p:cBhvr>
+                                      <p:tavLst>
+                                        <p:tav tm="0">
+                                          <p:val>
+                                            <p:strVal val="#ppt_x"/>
+                                          </p:val>
+                                        </p:tav>
+                                        <p:tav tm="100000">
+                                          <p:val>
+                                            <p:strVal val="#ppt_x"/>
+                                          </p:val>
+                                        </p:tav>
+                                      </p:tavLst>
+                                    </p:anim>
+                                    <p:anim calcmode="lin" valueType="num">
+                                      <p:cBhvr>
+                                        <p:cTn id="32" dur="400" fill="hold"/>
+                                        <p:tgtEl>
+                                          <p:spTgt spid="4">
+                                            <p:graphicEl>
+                                              <a:dgm id="{1A8A945F-1E26-42C3-A93B-8EF13D511834}"/>
+                                            </p:graphicEl>
+                                          </p:spTgt>
+                                        </p:tgtEl>
+                                        <p:attrNameLst>
+                                          <p:attrName>ppt_y</p:attrName>
+                                        </p:attrNameLst>
+                                      </p:cBhvr>
+                                      <p:tavLst>
+                                        <p:tav tm="0">
+                                          <p:val>
+                                            <p:strVal val="#ppt_y+0.31"/>
+                                          </p:val>
+                                        </p:tav>
+                                        <p:tav tm="100000">
+                                          <p:val>
+                                            <p:strVal val="#ppt_y+0.31"/>
+                                          </p:val>
+                                        </p:tav>
+                                      </p:tavLst>
+                                    </p:anim>
+                                    <p:anim calcmode="lin" valueType="num">
+                                      <p:cBhvr>
+                                        <p:cTn id="33" dur="600" decel="50000" fill="hold">
+                                          <p:stCondLst>
+                                            <p:cond delay="400"/>
+                                          </p:stCondLst>
+                                        </p:cTn>
+                                        <p:tgtEl>
+                                          <p:spTgt spid="4">
+                                            <p:graphicEl>
+                                              <a:dgm id="{1A8A945F-1E26-42C3-A93B-8EF13D511834}"/>
+                                            </p:graphicEl>
+                                          </p:spTgt>
+                                        </p:tgtEl>
+                                        <p:attrNameLst>
+                                          <p:attrName>ppt_x</p:attrName>
+                                        </p:attrNameLst>
+                                      </p:cBhvr>
+                                      <p:tavLst>
+                                        <p:tav tm="0">
+                                          <p:val>
+                                            <p:strVal val="#ppt_x"/>
+                                          </p:val>
+                                        </p:tav>
+                                        <p:tav tm="5000">
+                                          <p:val>
+                                            <p:strVal val="#ppt_x+0.0242"/>
+                                          </p:val>
+                                        </p:tav>
+                                        <p:tav tm="10000">
+                                          <p:val>
+                                            <p:strVal val="#ppt_x+0.0479"/>
+                                          </p:val>
+                                        </p:tav>
+                                        <p:tav tm="15000">
+                                          <p:val>
+                                            <p:strVal val="#ppt_x+0.0704"/>
+                                          </p:val>
+                                        </p:tav>
+                                        <p:tav tm="20000">
+                                          <p:val>
+                                            <p:strVal val="#ppt_x+0.0911"/>
+                                          </p:val>
+                                        </p:tav>
+                                        <p:tav tm="25000">
+                                          <p:val>
+                                            <p:strVal val="#ppt_x+0.1096"/>
+                                          </p:val>
+                                        </p:tav>
+                                        <p:tav tm="30000">
+                                          <p:val>
+                                            <p:strVal val="#ppt_x+0.1254"/>
+                                          </p:val>
+                                        </p:tav>
+                                        <p:tav tm="35000">
+                                          <p:val>
+                                            <p:strVal val="#ppt_x+0.1381"/>
+                                          </p:val>
+                                        </p:tav>
+                                        <p:tav tm="40000">
+                                          <p:val>
+                                            <p:strVal val="#ppt_x+0.1474"/>
+                                          </p:val>
+                                        </p:tav>
+                                        <p:tav tm="45000">
+                                          <p:val>
+                                            <p:strVal val="#ppt_x+0.1531"/>
+                                          </p:val>
+                                        </p:tav>
+                                        <p:tav tm="50000">
+                                          <p:val>
+                                            <p:strVal val="#ppt_x+0.1550"/>
+                                          </p:val>
+                                        </p:tav>
+                                        <p:tav tm="55000">
+                                          <p:val>
+                                            <p:strVal val="#ppt_x+0.1531"/>
+                                          </p:val>
+                                        </p:tav>
+                                        <p:tav tm="60000">
+                                          <p:val>
+                                            <p:strVal val="#ppt_x+0.1474"/>
+                                          </p:val>
+                                        </p:tav>
+                                        <p:tav tm="65000">
+                                          <p:val>
+                                            <p:strVal val="#ppt_x+0.1381"/>
+                                          </p:val>
+                                        </p:tav>
+                                        <p:tav tm="70000">
+                                          <p:val>
+                                            <p:strVal val="#ppt_x+0.1254"/>
+                                          </p:val>
+                                        </p:tav>
+                                        <p:tav tm="75000">
+                                          <p:val>
+                                            <p:strVal val="#ppt_x+0.1096"/>
+                                          </p:val>
+                                        </p:tav>
+                                        <p:tav tm="80000">
+                                          <p:val>
+                                            <p:strVal val="#ppt_x+0.0911"/>
+                                          </p:val>
+                                        </p:tav>
+                                        <p:tav tm="85000">
+                                          <p:val>
+                                            <p:strVal val="#ppt_x+0.0704"/>
+                                          </p:val>
+                                        </p:tav>
+                                        <p:tav tm="90000">
+                                          <p:val>
+                                            <p:strVal val="#ppt_x+0.0479"/>
+                                          </p:val>
+                                        </p:tav>
+                                        <p:tav tm="95000">
+                                          <p:val>
+                                            <p:strVal val="#ppt_x+0.0242"/>
+                                          </p:val>
+                                        </p:tav>
+                                        <p:tav tm="100000">
+                                          <p:val>
+                                            <p:strVal val="#ppt_x"/>
+                                          </p:val>
+                                        </p:tav>
+                                      </p:tavLst>
+                                    </p:anim>
+                                    <p:anim calcmode="lin" valueType="num">
+                                      <p:cBhvr>
+                                        <p:cTn id="34" dur="600" decel="50000" fill="hold">
+                                          <p:stCondLst>
+                                            <p:cond delay="400"/>
+                                          </p:stCondLst>
+                                        </p:cTn>
+                                        <p:tgtEl>
+                                          <p:spTgt spid="4">
+                                            <p:graphicEl>
+                                              <a:dgm id="{1A8A945F-1E26-42C3-A93B-8EF13D511834}"/>
+                                            </p:graphicEl>
+                                          </p:spTgt>
+                                        </p:tgtEl>
+                                        <p:attrNameLst>
+                                          <p:attrName>ppt_y</p:attrName>
+                                        </p:attrNameLst>
+                                      </p:cBhvr>
+                                      <p:tavLst>
+                                        <p:tav tm="0">
+                                          <p:val>
+                                            <p:strVal val="#ppt_y+0.31"/>
+                                          </p:val>
+                                        </p:tav>
+                                        <p:tav tm="5000">
+                                          <p:val>
+                                            <p:strVal val="#ppt_y+0.308"/>
+                                          </p:val>
+                                        </p:tav>
+                                        <p:tav tm="10000">
+                                          <p:val>
+                                            <p:strVal val="#ppt_y+0.3024"/>
+                                          </p:val>
+                                        </p:tav>
+                                        <p:tav tm="15000">
+                                          <p:val>
+                                            <p:strVal val="#ppt_y+0.2931"/>
+                                          </p:val>
+                                        </p:tav>
+                                        <p:tav tm="20000">
+                                          <p:val>
+                                            <p:strVal val="#ppt_y+0.2804"/>
+                                          </p:val>
+                                        </p:tav>
+                                        <p:tav tm="25000">
+                                          <p:val>
+                                            <p:strVal val="#ppt_y+0.2646"/>
+                                          </p:val>
+                                        </p:tav>
+                                        <p:tav tm="30000">
+                                          <p:val>
+                                            <p:strVal val="#ppt_y+0.2461"/>
+                                          </p:val>
+                                        </p:tav>
+                                        <p:tav tm="35000">
+                                          <p:val>
+                                            <p:strVal val="#ppt_y+0.2253"/>
+                                          </p:val>
+                                        </p:tav>
+                                        <p:tav tm="40000">
+                                          <p:val>
+                                            <p:strVal val="#ppt_y+0.2029"/>
+                                          </p:val>
+                                        </p:tav>
+                                        <p:tav tm="45000">
+                                          <p:val>
+                                            <p:strVal val="#ppt_y+0.1792"/>
+                                          </p:val>
+                                        </p:tav>
+                                        <p:tav tm="50000">
+                                          <p:val>
+                                            <p:strVal val="#ppt_y+0.155"/>
+                                          </p:val>
+                                        </p:tav>
+                                        <p:tav tm="55000">
+                                          <p:val>
+                                            <p:strVal val="#ppt_y+0.1307"/>
+                                          </p:val>
+                                        </p:tav>
+                                        <p:tav tm="60000">
+                                          <p:val>
+                                            <p:strVal val="#ppt_y+0.1071"/>
+                                          </p:val>
+                                        </p:tav>
+                                        <p:tav tm="65000">
+                                          <p:val>
+                                            <p:strVal val="#ppt_y+0.0846"/>
+                                          </p:val>
+                                        </p:tav>
+                                        <p:tav tm="70000">
+                                          <p:val>
+                                            <p:strVal val="#ppt_y+0.0639"/>
+                                          </p:val>
+                                        </p:tav>
+                                        <p:tav tm="75000">
+                                          <p:val>
+                                            <p:strVal val="#ppt_y+0.0454"/>
+                                          </p:val>
+                                        </p:tav>
+                                        <p:tav tm="80000">
+                                          <p:val>
+                                            <p:strVal val="#ppt_y+0.0296"/>
+                                          </p:val>
+                                        </p:tav>
+                                        <p:tav tm="85000">
+                                          <p:val>
+                                            <p:strVal val="#ppt_y+0.0169"/>
+                                          </p:val>
+                                        </p:tav>
+                                        <p:tav tm="90000">
+                                          <p:val>
+                                            <p:strVal val="#ppt_y+0.0076"/>
+                                          </p:val>
+                                        </p:tav>
+                                        <p:tav tm="95000">
+                                          <p:val>
+                                            <p:strVal val="#ppt_y+0.0019"/>
+                                          </p:val>
+                                        </p:tav>
+                                        <p:tav tm="100000">
+                                          <p:val>
+                                            <p:strVal val="#ppt_y"/>
+                                          </p:val>
+                                        </p:tav>
+                                      </p:tavLst>
+                                    </p:anim>
+                                  </p:childTnLst>
+                                </p:cTn>
+                              </p:par>
+                              <p:par>
+                                <p:cTn id="35" presetID="43" presetClass="entr" presetSubtype="0" fill="hold" grpId="0" nodeType="withEffect">
+                                  <p:stCondLst>
+                                    <p:cond delay="0"/>
+                                  </p:stCondLst>
+                                  <p:childTnLst>
+                                    <p:set>
+                                      <p:cBhvr>
+                                        <p:cTn id="36" dur="1" fill="hold">
+                                          <p:stCondLst>
+                                            <p:cond delay="0"/>
+                                          </p:stCondLst>
+                                        </p:cTn>
+                                        <p:tgtEl>
+                                          <p:spTgt spid="4">
+                                            <p:graphicEl>
+                                              <a:dgm id="{24BF690A-ACB2-4E76-B705-CBB8F7CC6FED}"/>
+                                            </p:graphicEl>
+                                          </p:spTgt>
+                                        </p:tgtEl>
+                                        <p:attrNameLst>
+                                          <p:attrName>style.visibility</p:attrName>
+                                        </p:attrNameLst>
+                                      </p:cBhvr>
+                                      <p:to>
+                                        <p:strVal val="visible"/>
+                                      </p:to>
+                                    </p:set>
+                                    <p:animEffect transition="in" filter="fade">
+                                      <p:cBhvr>
+                                        <p:cTn id="37" dur="100"/>
+                                        <p:tgtEl>
+                                          <p:spTgt spid="4">
+                                            <p:graphicEl>
+                                              <a:dgm id="{24BF690A-ACB2-4E76-B705-CBB8F7CC6FED}"/>
+                                            </p:graphicEl>
+                                          </p:spTgt>
+                                        </p:tgtEl>
+                                      </p:cBhvr>
+                                    </p:animEffect>
+                                    <p:anim calcmode="lin" valueType="num">
+                                      <p:cBhvr>
+                                        <p:cTn id="38" dur="400" fill="hold"/>
+                                        <p:tgtEl>
+                                          <p:spTgt spid="4">
+                                            <p:graphicEl>
+                                              <a:dgm id="{24BF690A-ACB2-4E76-B705-CBB8F7CC6FED}"/>
+                                            </p:graphicEl>
+                                          </p:spTgt>
+                                        </p:tgtEl>
+                                        <p:attrNameLst>
+                                          <p:attrName>ppt_x</p:attrName>
+                                        </p:attrNameLst>
+                                      </p:cBhvr>
+                                      <p:tavLst>
+                                        <p:tav tm="0">
+                                          <p:val>
+                                            <p:strVal val="#ppt_x"/>
+                                          </p:val>
+                                        </p:tav>
+                                        <p:tav tm="100000">
+                                          <p:val>
+                                            <p:strVal val="#ppt_x"/>
+                                          </p:val>
+                                        </p:tav>
+                                      </p:tavLst>
+                                    </p:anim>
+                                    <p:anim calcmode="lin" valueType="num">
+                                      <p:cBhvr>
+                                        <p:cTn id="39" dur="400" fill="hold"/>
+                                        <p:tgtEl>
+                                          <p:spTgt spid="4">
+                                            <p:graphicEl>
+                                              <a:dgm id="{24BF690A-ACB2-4E76-B705-CBB8F7CC6FED}"/>
+                                            </p:graphicEl>
+                                          </p:spTgt>
+                                        </p:tgtEl>
+                                        <p:attrNameLst>
+                                          <p:attrName>ppt_y</p:attrName>
+                                        </p:attrNameLst>
+                                      </p:cBhvr>
+                                      <p:tavLst>
+                                        <p:tav tm="0">
+                                          <p:val>
+                                            <p:strVal val="#ppt_y+0.31"/>
+                                          </p:val>
+                                        </p:tav>
+                                        <p:tav tm="100000">
+                                          <p:val>
+                                            <p:strVal val="#ppt_y+0.31"/>
+                                          </p:val>
+                                        </p:tav>
+                                      </p:tavLst>
+                                    </p:anim>
+                                    <p:anim calcmode="lin" valueType="num">
+                                      <p:cBhvr>
+                                        <p:cTn id="40" dur="600" decel="50000" fill="hold">
+                                          <p:stCondLst>
+                                            <p:cond delay="400"/>
+                                          </p:stCondLst>
+                                        </p:cTn>
+                                        <p:tgtEl>
+                                          <p:spTgt spid="4">
+                                            <p:graphicEl>
+                                              <a:dgm id="{24BF690A-ACB2-4E76-B705-CBB8F7CC6FED}"/>
+                                            </p:graphicEl>
+                                          </p:spTgt>
+                                        </p:tgtEl>
+                                        <p:attrNameLst>
+                                          <p:attrName>ppt_x</p:attrName>
+                                        </p:attrNameLst>
+                                      </p:cBhvr>
+                                      <p:tavLst>
+                                        <p:tav tm="0">
+                                          <p:val>
+                                            <p:strVal val="#ppt_x"/>
+                                          </p:val>
+                                        </p:tav>
+                                        <p:tav tm="5000">
+                                          <p:val>
+                                            <p:strVal val="#ppt_x+0.0242"/>
+                                          </p:val>
+                                        </p:tav>
+                                        <p:tav tm="10000">
+                                          <p:val>
+                                            <p:strVal val="#ppt_x+0.0479"/>
+                                          </p:val>
+                                        </p:tav>
+                                        <p:tav tm="15000">
+                                          <p:val>
+                                            <p:strVal val="#ppt_x+0.0704"/>
+                                          </p:val>
+                                        </p:tav>
+                                        <p:tav tm="20000">
+                                          <p:val>
+                                            <p:strVal val="#ppt_x+0.0911"/>
+                                          </p:val>
+                                        </p:tav>
+                                        <p:tav tm="25000">
+                                          <p:val>
+                                            <p:strVal val="#ppt_x+0.1096"/>
+                                          </p:val>
+                                        </p:tav>
+                                        <p:tav tm="30000">
+                                          <p:val>
+                                            <p:strVal val="#ppt_x+0.1254"/>
+                                          </p:val>
+                                        </p:tav>
+                                        <p:tav tm="35000">
+                                          <p:val>
+                                            <p:strVal val="#ppt_x+0.1381"/>
+                                          </p:val>
+                                        </p:tav>
+                                        <p:tav tm="40000">
+                                          <p:val>
+                                            <p:strVal val="#ppt_x+0.1474"/>
+                                          </p:val>
+                                        </p:tav>
+                                        <p:tav tm="45000">
+                                          <p:val>
+                                            <p:strVal val="#ppt_x+0.1531"/>
+                                          </p:val>
+                                        </p:tav>
+                                        <p:tav tm="50000">
+                                          <p:val>
+                                            <p:strVal val="#ppt_x+0.1550"/>
+                                          </p:val>
+                                        </p:tav>
+                                        <p:tav tm="55000">
+                                          <p:val>
+                                            <p:strVal val="#ppt_x+0.1531"/>
+                                          </p:val>
+                                        </p:tav>
+                                        <p:tav tm="60000">
+                                          <p:val>
+                                            <p:strVal val="#ppt_x+0.1474"/>
+                                          </p:val>
+                                        </p:tav>
+                                        <p:tav tm="65000">
+                                          <p:val>
+                                            <p:strVal val="#ppt_x+0.1381"/>
+                                          </p:val>
+                                        </p:tav>
+                                        <p:tav tm="70000">
+                                          <p:val>
+                                            <p:strVal val="#ppt_x+0.1254"/>
+                                          </p:val>
+                                        </p:tav>
+                                        <p:tav tm="75000">
+                                          <p:val>
+                                            <p:strVal val="#ppt_x+0.1096"/>
+                                          </p:val>
+                                        </p:tav>
+                                        <p:tav tm="80000">
+                                          <p:val>
+                                            <p:strVal val="#ppt_x+0.0911"/>
+                                          </p:val>
+                                        </p:tav>
+                                        <p:tav tm="85000">
+                                          <p:val>
+                                            <p:strVal val="#ppt_x+0.0704"/>
+                                          </p:val>
+                                        </p:tav>
+                                        <p:tav tm="90000">
+                                          <p:val>
+                                            <p:strVal val="#ppt_x+0.0479"/>
+                                          </p:val>
+                                        </p:tav>
+                                        <p:tav tm="95000">
+                                          <p:val>
+                                            <p:strVal val="#ppt_x+0.0242"/>
+                                          </p:val>
+                                        </p:tav>
+                                        <p:tav tm="100000">
+                                          <p:val>
+                                            <p:strVal val="#ppt_x"/>
+                                          </p:val>
+                                        </p:tav>
+                                      </p:tavLst>
+                                    </p:anim>
+                                    <p:anim calcmode="lin" valueType="num">
+                                      <p:cBhvr>
+                                        <p:cTn id="41" dur="600" decel="50000" fill="hold">
+                                          <p:stCondLst>
+                                            <p:cond delay="400"/>
+                                          </p:stCondLst>
+                                        </p:cTn>
+                                        <p:tgtEl>
+                                          <p:spTgt spid="4">
+                                            <p:graphicEl>
+                                              <a:dgm id="{24BF690A-ACB2-4E76-B705-CBB8F7CC6FED}"/>
+                                            </p:graphicEl>
+                                          </p:spTgt>
+                                        </p:tgtEl>
+                                        <p:attrNameLst>
+                                          <p:attrName>ppt_y</p:attrName>
+                                        </p:attrNameLst>
+                                      </p:cBhvr>
+                                      <p:tavLst>
+                                        <p:tav tm="0">
+                                          <p:val>
+                                            <p:strVal val="#ppt_y+0.31"/>
+                                          </p:val>
+                                        </p:tav>
+                                        <p:tav tm="5000">
+                                          <p:val>
+                                            <p:strVal val="#ppt_y+0.308"/>
+                                          </p:val>
+                                        </p:tav>
+                                        <p:tav tm="10000">
+                                          <p:val>
+                                            <p:strVal val="#ppt_y+0.3024"/>
+                                          </p:val>
+                                        </p:tav>
+                                        <p:tav tm="15000">
+                                          <p:val>
+                                            <p:strVal val="#ppt_y+0.2931"/>
+                                          </p:val>
+                                        </p:tav>
+                                        <p:tav tm="20000">
+                                          <p:val>
+                                            <p:strVal val="#ppt_y+0.2804"/>
+                                          </p:val>
+                                        </p:tav>
+                                        <p:tav tm="25000">
+                                          <p:val>
+                                            <p:strVal val="#ppt_y+0.2646"/>
+                                          </p:val>
+                                        </p:tav>
+                                        <p:tav tm="30000">
+                                          <p:val>
+                                            <p:strVal val="#ppt_y+0.2461"/>
+                                          </p:val>
+                                        </p:tav>
+                                        <p:tav tm="35000">
+                                          <p:val>
+                                            <p:strVal val="#ppt_y+0.2253"/>
+                                          </p:val>
+                                        </p:tav>
+                                        <p:tav tm="40000">
+                                          <p:val>
+                                            <p:strVal val="#ppt_y+0.2029"/>
+                                          </p:val>
+                                        </p:tav>
+                                        <p:tav tm="45000">
+                                          <p:val>
+                                            <p:strVal val="#ppt_y+0.1792"/>
+                                          </p:val>
+                                        </p:tav>
+                                        <p:tav tm="50000">
+                                          <p:val>
+                                            <p:strVal val="#ppt_y+0.155"/>
+                                          </p:val>
+                                        </p:tav>
+                                        <p:tav tm="55000">
+                                          <p:val>
+                                            <p:strVal val="#ppt_y+0.1307"/>
+                                          </p:val>
+                                        </p:tav>
+                                        <p:tav tm="60000">
+                                          <p:val>
+                                            <p:strVal val="#ppt_y+0.1071"/>
+                                          </p:val>
+                                        </p:tav>
+                                        <p:tav tm="65000">
+                                          <p:val>
+                                            <p:strVal val="#ppt_y+0.0846"/>
+                                          </p:val>
+                                        </p:tav>
+                                        <p:tav tm="70000">
+                                          <p:val>
+                                            <p:strVal val="#ppt_y+0.0639"/>
+                                          </p:val>
+                                        </p:tav>
+                                        <p:tav tm="75000">
+                                          <p:val>
+                                            <p:strVal val="#ppt_y+0.0454"/>
+                                          </p:val>
+                                        </p:tav>
+                                        <p:tav tm="80000">
+                                          <p:val>
+                                            <p:strVal val="#ppt_y+0.0296"/>
+                                          </p:val>
+                                        </p:tav>
+                                        <p:tav tm="85000">
+                                          <p:val>
+                                            <p:strVal val="#ppt_y+0.0169"/>
+                                          </p:val>
+                                        </p:tav>
+                                        <p:tav tm="90000">
+                                          <p:val>
+                                            <p:strVal val="#ppt_y+0.0076"/>
+                                          </p:val>
+                                        </p:tav>
+                                        <p:tav tm="95000">
+                                          <p:val>
+                                            <p:strVal val="#ppt_y+0.0019"/>
+                                          </p:val>
+                                        </p:tav>
+                                        <p:tav tm="100000">
+                                          <p:val>
+                                            <p:strVal val="#ppt_y"/>
+                                          </p:val>
+                                        </p:tav>
+                                      </p:tavLst>
+                                    </p:anim>
+                                  </p:childTnLst>
+                                </p:cTn>
+                              </p:par>
+                              <p:par>
+                                <p:cTn id="42" presetID="43" presetClass="entr" presetSubtype="0" fill="hold" grpId="0" nodeType="withEffect">
+                                  <p:stCondLst>
+                                    <p:cond delay="0"/>
+                                  </p:stCondLst>
+                                  <p:childTnLst>
+                                    <p:set>
+                                      <p:cBhvr>
+                                        <p:cTn id="43" dur="1" fill="hold">
+                                          <p:stCondLst>
+                                            <p:cond delay="0"/>
+                                          </p:stCondLst>
+                                        </p:cTn>
+                                        <p:tgtEl>
+                                          <p:spTgt spid="4">
+                                            <p:graphicEl>
+                                              <a:dgm id="{8D15CAA7-0E0D-4901-AC85-032DF476D11D}"/>
+                                            </p:graphicEl>
+                                          </p:spTgt>
+                                        </p:tgtEl>
+                                        <p:attrNameLst>
+                                          <p:attrName>style.visibility</p:attrName>
+                                        </p:attrNameLst>
+                                      </p:cBhvr>
+                                      <p:to>
+                                        <p:strVal val="visible"/>
+                                      </p:to>
+                                    </p:set>
+                                    <p:animEffect transition="in" filter="fade">
+                                      <p:cBhvr>
+                                        <p:cTn id="44" dur="100"/>
+                                        <p:tgtEl>
+                                          <p:spTgt spid="4">
+                                            <p:graphicEl>
+                                              <a:dgm id="{8D15CAA7-0E0D-4901-AC85-032DF476D11D}"/>
+                                            </p:graphicEl>
+                                          </p:spTgt>
+                                        </p:tgtEl>
+                                      </p:cBhvr>
+                                    </p:animEffect>
+                                    <p:anim calcmode="lin" valueType="num">
+                                      <p:cBhvr>
+                                        <p:cTn id="45" dur="400" fill="hold"/>
+                                        <p:tgtEl>
+                                          <p:spTgt spid="4">
+                                            <p:graphicEl>
+                                              <a:dgm id="{8D15CAA7-0E0D-4901-AC85-032DF476D11D}"/>
+                                            </p:graphicEl>
+                                          </p:spTgt>
+                                        </p:tgtEl>
+                                        <p:attrNameLst>
+                                          <p:attrName>ppt_x</p:attrName>
+                                        </p:attrNameLst>
+                                      </p:cBhvr>
+                                      <p:tavLst>
+                                        <p:tav tm="0">
+                                          <p:val>
+                                            <p:strVal val="#ppt_x"/>
+                                          </p:val>
+                                        </p:tav>
+                                        <p:tav tm="100000">
+                                          <p:val>
+                                            <p:strVal val="#ppt_x"/>
+                                          </p:val>
+                                        </p:tav>
+                                      </p:tavLst>
+                                    </p:anim>
+                                    <p:anim calcmode="lin" valueType="num">
+                                      <p:cBhvr>
+                                        <p:cTn id="46" dur="400" fill="hold"/>
+                                        <p:tgtEl>
+                                          <p:spTgt spid="4">
+                                            <p:graphicEl>
+                                              <a:dgm id="{8D15CAA7-0E0D-4901-AC85-032DF476D11D}"/>
+                                            </p:graphicEl>
+                                          </p:spTgt>
+                                        </p:tgtEl>
+                                        <p:attrNameLst>
+                                          <p:attrName>ppt_y</p:attrName>
+                                        </p:attrNameLst>
+                                      </p:cBhvr>
+                                      <p:tavLst>
+                                        <p:tav tm="0">
+                                          <p:val>
+                                            <p:strVal val="#ppt_y+0.31"/>
+                                          </p:val>
+                                        </p:tav>
+                                        <p:tav tm="100000">
+                                          <p:val>
+                                            <p:strVal val="#ppt_y+0.31"/>
+                                          </p:val>
+                                        </p:tav>
+                                      </p:tavLst>
+                                    </p:anim>
+                                    <p:anim calcmode="lin" valueType="num">
+                                      <p:cBhvr>
+                                        <p:cTn id="47" dur="600" decel="50000" fill="hold">
+                                          <p:stCondLst>
+                                            <p:cond delay="400"/>
+                                          </p:stCondLst>
+                                        </p:cTn>
+                                        <p:tgtEl>
+                                          <p:spTgt spid="4">
+                                            <p:graphicEl>
+                                              <a:dgm id="{8D15CAA7-0E0D-4901-AC85-032DF476D11D}"/>
+                                            </p:graphicEl>
+                                          </p:spTgt>
+                                        </p:tgtEl>
+                                        <p:attrNameLst>
+                                          <p:attrName>ppt_x</p:attrName>
+                                        </p:attrNameLst>
+                                      </p:cBhvr>
+                                      <p:tavLst>
+                                        <p:tav tm="0">
+                                          <p:val>
+                                            <p:strVal val="#ppt_x"/>
+                                          </p:val>
+                                        </p:tav>
+                                        <p:tav tm="5000">
+                                          <p:val>
+                                            <p:strVal val="#ppt_x+0.0242"/>
+                                          </p:val>
+                                        </p:tav>
+                                        <p:tav tm="10000">
+                                          <p:val>
+                                            <p:strVal val="#ppt_x+0.0479"/>
+                                          </p:val>
+                                        </p:tav>
+                                        <p:tav tm="15000">
+                                          <p:val>
+                                            <p:strVal val="#ppt_x+0.0704"/>
+                                          </p:val>
+                                        </p:tav>
+                                        <p:tav tm="20000">
+                                          <p:val>
+                                            <p:strVal val="#ppt_x+0.0911"/>
+                                          </p:val>
+                                        </p:tav>
+                                        <p:tav tm="25000">
+                                          <p:val>
+                                            <p:strVal val="#ppt_x+0.1096"/>
+                                          </p:val>
+                                        </p:tav>
+                                        <p:tav tm="30000">
+                                          <p:val>
+                                            <p:strVal val="#ppt_x+0.1254"/>
+                                          </p:val>
+                                        </p:tav>
+                                        <p:tav tm="35000">
+                                          <p:val>
+                                            <p:strVal val="#ppt_x+0.1381"/>
+                                          </p:val>
+                                        </p:tav>
+                                        <p:tav tm="40000">
+                                          <p:val>
+                                            <p:strVal val="#ppt_x+0.1474"/>
+                                          </p:val>
+                                        </p:tav>
+                                        <p:tav tm="45000">
+                                          <p:val>
+                                            <p:strVal val="#ppt_x+0.1531"/>
+                                          </p:val>
+                                        </p:tav>
+                                        <p:tav tm="50000">
+                                          <p:val>
+                                            <p:strVal val="#ppt_x+0.1550"/>
+                                          </p:val>
+                                        </p:tav>
+                                        <p:tav tm="55000">
+                                          <p:val>
+                                            <p:strVal val="#ppt_x+0.1531"/>
+                                          </p:val>
+                                        </p:tav>
+                                        <p:tav tm="60000">
+                                          <p:val>
+                                            <p:strVal val="#ppt_x+0.1474"/>
+                                          </p:val>
+                                        </p:tav>
+                                        <p:tav tm="65000">
+                                          <p:val>
+                                            <p:strVal val="#ppt_x+0.1381"/>
+                                          </p:val>
+                                        </p:tav>
+                                        <p:tav tm="70000">
+                                          <p:val>
+                                            <p:strVal val="#ppt_x+0.1254"/>
+                                          </p:val>
+                                        </p:tav>
+                                        <p:tav tm="75000">
+                                          <p:val>
+                                            <p:strVal val="#ppt_x+0.1096"/>
+                                          </p:val>
+                                        </p:tav>
+                                        <p:tav tm="80000">
+                                          <p:val>
+                                            <p:strVal val="#ppt_x+0.0911"/>
+                                          </p:val>
+                                        </p:tav>
+                                        <p:tav tm="85000">
+                                          <p:val>
+                                            <p:strVal val="#ppt_x+0.0704"/>
+                                          </p:val>
+                                        </p:tav>
+                                        <p:tav tm="90000">
+                                          <p:val>
+                                            <p:strVal val="#ppt_x+0.0479"/>
+                                          </p:val>
+                                        </p:tav>
+                                        <p:tav tm="95000">
+                                          <p:val>
+                                            <p:strVal val="#ppt_x+0.0242"/>
+                                          </p:val>
+                                        </p:tav>
+                                        <p:tav tm="100000">
+                                          <p:val>
+                                            <p:strVal val="#ppt_x"/>
+                                          </p:val>
+                                        </p:tav>
+                                      </p:tavLst>
+                                    </p:anim>
+                                    <p:anim calcmode="lin" valueType="num">
+                                      <p:cBhvr>
+                                        <p:cTn id="48" dur="600" decel="50000" fill="hold">
+                                          <p:stCondLst>
+                                            <p:cond delay="400"/>
+                                          </p:stCondLst>
+                                        </p:cTn>
+                                        <p:tgtEl>
+                                          <p:spTgt spid="4">
+                                            <p:graphicEl>
+                                              <a:dgm id="{8D15CAA7-0E0D-4901-AC85-032DF476D11D}"/>
+                                            </p:graphicEl>
+                                          </p:spTgt>
+                                        </p:tgtEl>
+                                        <p:attrNameLst>
+                                          <p:attrName>ppt_y</p:attrName>
+                                        </p:attrNameLst>
+                                      </p:cBhvr>
+                                      <p:tavLst>
+                                        <p:tav tm="0">
+                                          <p:val>
+                                            <p:strVal val="#ppt_y+0.31"/>
+                                          </p:val>
+                                        </p:tav>
+                                        <p:tav tm="5000">
+                                          <p:val>
+                                            <p:strVal val="#ppt_y+0.308"/>
+                                          </p:val>
+                                        </p:tav>
+                                        <p:tav tm="10000">
+                                          <p:val>
+                                            <p:strVal val="#ppt_y+0.3024"/>
+                                          </p:val>
+                                        </p:tav>
+                                        <p:tav tm="15000">
+                                          <p:val>
+                                            <p:strVal val="#ppt_y+0.2931"/>
+                                          </p:val>
+                                        </p:tav>
+                                        <p:tav tm="20000">
+                                          <p:val>
+                                            <p:strVal val="#ppt_y+0.2804"/>
+                                          </p:val>
+                                        </p:tav>
+                                        <p:tav tm="25000">
+                                          <p:val>
+                                            <p:strVal val="#ppt_y+0.2646"/>
+                                          </p:val>
+                                        </p:tav>
+                                        <p:tav tm="30000">
+                                          <p:val>
+                                            <p:strVal val="#ppt_y+0.2461"/>
+                                          </p:val>
+                                        </p:tav>
+                                        <p:tav tm="35000">
+                                          <p:val>
+                                            <p:strVal val="#ppt_y+0.2253"/>
+                                          </p:val>
+                                        </p:tav>
+                                        <p:tav tm="40000">
+                                          <p:val>
+                                            <p:strVal val="#ppt_y+0.2029"/>
+                                          </p:val>
+                                        </p:tav>
+                                        <p:tav tm="45000">
+                                          <p:val>
+                                            <p:strVal val="#ppt_y+0.1792"/>
+                                          </p:val>
+                                        </p:tav>
+                                        <p:tav tm="50000">
+                                          <p:val>
+                                            <p:strVal val="#ppt_y+0.155"/>
+                                          </p:val>
+                                        </p:tav>
+                                        <p:tav tm="55000">
+                                          <p:val>
+                                            <p:strVal val="#ppt_y+0.1307"/>
+                                          </p:val>
+                                        </p:tav>
+                                        <p:tav tm="60000">
+                                          <p:val>
+                                            <p:strVal val="#ppt_y+0.1071"/>
+                                          </p:val>
+                                        </p:tav>
+                                        <p:tav tm="65000">
+                                          <p:val>
+                                            <p:strVal val="#ppt_y+0.0846"/>
+                                          </p:val>
+                                        </p:tav>
+                                        <p:tav tm="70000">
+                                          <p:val>
+                                            <p:strVal val="#ppt_y+0.0639"/>
+                                          </p:val>
+                                        </p:tav>
+                                        <p:tav tm="75000">
+                                          <p:val>
+                                            <p:strVal val="#ppt_y+0.0454"/>
+                                          </p:val>
+                                        </p:tav>
+                                        <p:tav tm="80000">
+                                          <p:val>
+                                            <p:strVal val="#ppt_y+0.0296"/>
+                                          </p:val>
+                                        </p:tav>
+                                        <p:tav tm="85000">
+                                          <p:val>
+                                            <p:strVal val="#ppt_y+0.0169"/>
+                                          </p:val>
+                                        </p:tav>
+                                        <p:tav tm="90000">
+                                          <p:val>
+                                            <p:strVal val="#ppt_y+0.0076"/>
+                                          </p:val>
+                                        </p:tav>
+                                        <p:tav tm="95000">
+                                          <p:val>
+                                            <p:strVal val="#ppt_y+0.0019"/>
+                                          </p:val>
+                                        </p:tav>
+                                        <p:tav tm="100000">
+                                          <p:val>
+                                            <p:strVal val="#ppt_y"/>
+                                          </p:val>
+                                        </p:tav>
+                                      </p:tavLst>
+                                    </p:anim>
+                                  </p:childTnLst>
+                                </p:cTn>
+                              </p:par>
+                            </p:childTnLst>
+                          </p:cTn>
+                        </p:par>
+                      </p:childTnLst>
+                    </p:cTn>
+                  </p:par>
+                  <p:par>
+                    <p:cTn id="49" fill="hold">
+                      <p:stCondLst>
+                        <p:cond delay="indefinite"/>
+                      </p:stCondLst>
+                      <p:childTnLst>
+                        <p:par>
+                          <p:cTn id="50" fill="hold">
+                            <p:stCondLst>
+                              <p:cond delay="0"/>
+                            </p:stCondLst>
+                            <p:childTnLst>
+                              <p:par>
+                                <p:cTn id="51" presetID="43" presetClass="entr" presetSubtype="0" fill="hold" grpId="0" nodeType="clickEffect">
+                                  <p:stCondLst>
+                                    <p:cond delay="0"/>
+                                  </p:stCondLst>
+                                  <p:childTnLst>
+                                    <p:set>
+                                      <p:cBhvr>
+                                        <p:cTn id="52" dur="1" fill="hold">
+                                          <p:stCondLst>
+                                            <p:cond delay="0"/>
+                                          </p:stCondLst>
+                                        </p:cTn>
+                                        <p:tgtEl>
+                                          <p:spTgt spid="4">
+                                            <p:graphicEl>
+                                              <a:dgm id="{89ADCFB3-9F70-4ACF-B43B-B7943C1E7FF3}"/>
+                                            </p:graphicEl>
+                                          </p:spTgt>
+                                        </p:tgtEl>
+                                        <p:attrNameLst>
+                                          <p:attrName>style.visibility</p:attrName>
+                                        </p:attrNameLst>
+                                      </p:cBhvr>
+                                      <p:to>
+                                        <p:strVal val="visible"/>
+                                      </p:to>
+                                    </p:set>
+                                    <p:animEffect transition="in" filter="fade">
+                                      <p:cBhvr>
+                                        <p:cTn id="53" dur="100"/>
+                                        <p:tgtEl>
+                                          <p:spTgt spid="4">
+                                            <p:graphicEl>
+                                              <a:dgm id="{89ADCFB3-9F70-4ACF-B43B-B7943C1E7FF3}"/>
+                                            </p:graphicEl>
+                                          </p:spTgt>
+                                        </p:tgtEl>
+                                      </p:cBhvr>
+                                    </p:animEffect>
+                                    <p:anim calcmode="lin" valueType="num">
+                                      <p:cBhvr>
+                                        <p:cTn id="54" dur="400" fill="hold"/>
+                                        <p:tgtEl>
+                                          <p:spTgt spid="4">
+                                            <p:graphicEl>
+                                              <a:dgm id="{89ADCFB3-9F70-4ACF-B43B-B7943C1E7FF3}"/>
+                                            </p:graphicEl>
+                                          </p:spTgt>
+                                        </p:tgtEl>
+                                        <p:attrNameLst>
+                                          <p:attrName>ppt_x</p:attrName>
+                                        </p:attrNameLst>
+                                      </p:cBhvr>
+                                      <p:tavLst>
+                                        <p:tav tm="0">
+                                          <p:val>
+                                            <p:strVal val="#ppt_x"/>
+                                          </p:val>
+                                        </p:tav>
+                                        <p:tav tm="100000">
+                                          <p:val>
+                                            <p:strVal val="#ppt_x"/>
+                                          </p:val>
+                                        </p:tav>
+                                      </p:tavLst>
+                                    </p:anim>
+                                    <p:anim calcmode="lin" valueType="num">
+                                      <p:cBhvr>
+                                        <p:cTn id="55" dur="400" fill="hold"/>
+                                        <p:tgtEl>
+                                          <p:spTgt spid="4">
+                                            <p:graphicEl>
+                                              <a:dgm id="{89ADCFB3-9F70-4ACF-B43B-B7943C1E7FF3}"/>
+                                            </p:graphicEl>
+                                          </p:spTgt>
+                                        </p:tgtEl>
+                                        <p:attrNameLst>
+                                          <p:attrName>ppt_y</p:attrName>
+                                        </p:attrNameLst>
+                                      </p:cBhvr>
+                                      <p:tavLst>
+                                        <p:tav tm="0">
+                                          <p:val>
+                                            <p:strVal val="#ppt_y+0.31"/>
+                                          </p:val>
+                                        </p:tav>
+                                        <p:tav tm="100000">
+                                          <p:val>
+                                            <p:strVal val="#ppt_y+0.31"/>
+                                          </p:val>
+                                        </p:tav>
+                                      </p:tavLst>
+                                    </p:anim>
+                                    <p:anim calcmode="lin" valueType="num">
+                                      <p:cBhvr>
+                                        <p:cTn id="56" dur="600" decel="50000" fill="hold">
+                                          <p:stCondLst>
+                                            <p:cond delay="400"/>
+                                          </p:stCondLst>
+                                        </p:cTn>
+                                        <p:tgtEl>
+                                          <p:spTgt spid="4">
+                                            <p:graphicEl>
+                                              <a:dgm id="{89ADCFB3-9F70-4ACF-B43B-B7943C1E7FF3}"/>
+                                            </p:graphicEl>
+                                          </p:spTgt>
+                                        </p:tgtEl>
+                                        <p:attrNameLst>
+                                          <p:attrName>ppt_x</p:attrName>
+                                        </p:attrNameLst>
+                                      </p:cBhvr>
+                                      <p:tavLst>
+                                        <p:tav tm="0">
+                                          <p:val>
+                                            <p:strVal val="#ppt_x"/>
+                                          </p:val>
+                                        </p:tav>
+                                        <p:tav tm="5000">
+                                          <p:val>
+                                            <p:strVal val="#ppt_x+0.0242"/>
+                                          </p:val>
+                                        </p:tav>
+                                        <p:tav tm="10000">
+                                          <p:val>
+                                            <p:strVal val="#ppt_x+0.0479"/>
+                                          </p:val>
+                                        </p:tav>
+                                        <p:tav tm="15000">
+                                          <p:val>
+                                            <p:strVal val="#ppt_x+0.0704"/>
+                                          </p:val>
+                                        </p:tav>
+                                        <p:tav tm="20000">
+                                          <p:val>
+                                            <p:strVal val="#ppt_x+0.0911"/>
+                                          </p:val>
+                                        </p:tav>
+                                        <p:tav tm="25000">
+                                          <p:val>
+                                            <p:strVal val="#ppt_x+0.1096"/>
+                                          </p:val>
+                                        </p:tav>
+                                        <p:tav tm="30000">
+                                          <p:val>
+                                            <p:strVal val="#ppt_x+0.1254"/>
+                                          </p:val>
+                                        </p:tav>
+                                        <p:tav tm="35000">
+                                          <p:val>
+                                            <p:strVal val="#ppt_x+0.1381"/>
+                                          </p:val>
+                                        </p:tav>
+                                        <p:tav tm="40000">
+                                          <p:val>
+                                            <p:strVal val="#ppt_x+0.1474"/>
+                                          </p:val>
+                                        </p:tav>
+                                        <p:tav tm="45000">
+                                          <p:val>
+                                            <p:strVal val="#ppt_x+0.1531"/>
+                                          </p:val>
+                                        </p:tav>
+                                        <p:tav tm="50000">
+                                          <p:val>
+                                            <p:strVal val="#ppt_x+0.1550"/>
+                                          </p:val>
+                                        </p:tav>
+                                        <p:tav tm="55000">
+                                          <p:val>
+                                            <p:strVal val="#ppt_x+0.1531"/>
+                                          </p:val>
+                                        </p:tav>
+                                        <p:tav tm="60000">
+                                          <p:val>
+                                            <p:strVal val="#ppt_x+0.1474"/>
+                                          </p:val>
+                                        </p:tav>
+                                        <p:tav tm="65000">
+                                          <p:val>
+                                            <p:strVal val="#ppt_x+0.1381"/>
+                                          </p:val>
+                                        </p:tav>
+                                        <p:tav tm="70000">
+                                          <p:val>
+                                            <p:strVal val="#ppt_x+0.1254"/>
+                                          </p:val>
+                                        </p:tav>
+                                        <p:tav tm="75000">
+                                          <p:val>
+                                            <p:strVal val="#ppt_x+0.1096"/>
+                                          </p:val>
+                                        </p:tav>
+                                        <p:tav tm="80000">
+                                          <p:val>
+                                            <p:strVal val="#ppt_x+0.0911"/>
+                                          </p:val>
+                                        </p:tav>
+                                        <p:tav tm="85000">
+                                          <p:val>
+                                            <p:strVal val="#ppt_x+0.0704"/>
+                                          </p:val>
+                                        </p:tav>
+                                        <p:tav tm="90000">
+                                          <p:val>
+                                            <p:strVal val="#ppt_x+0.0479"/>
+                                          </p:val>
+                                        </p:tav>
+                                        <p:tav tm="95000">
+                                          <p:val>
+                                            <p:strVal val="#ppt_x+0.0242"/>
+                                          </p:val>
+                                        </p:tav>
+                                        <p:tav tm="100000">
+                                          <p:val>
+                                            <p:strVal val="#ppt_x"/>
+                                          </p:val>
+                                        </p:tav>
+                                      </p:tavLst>
+                                    </p:anim>
+                                    <p:anim calcmode="lin" valueType="num">
+                                      <p:cBhvr>
+                                        <p:cTn id="57" dur="600" decel="50000" fill="hold">
+                                          <p:stCondLst>
+                                            <p:cond delay="400"/>
+                                          </p:stCondLst>
+                                        </p:cTn>
+                                        <p:tgtEl>
+                                          <p:spTgt spid="4">
+                                            <p:graphicEl>
+                                              <a:dgm id="{89ADCFB3-9F70-4ACF-B43B-B7943C1E7FF3}"/>
+                                            </p:graphicEl>
+                                          </p:spTgt>
+                                        </p:tgtEl>
+                                        <p:attrNameLst>
+                                          <p:attrName>ppt_y</p:attrName>
+                                        </p:attrNameLst>
+                                      </p:cBhvr>
+                                      <p:tavLst>
+                                        <p:tav tm="0">
+                                          <p:val>
+                                            <p:strVal val="#ppt_y+0.31"/>
+                                          </p:val>
+                                        </p:tav>
+                                        <p:tav tm="5000">
+                                          <p:val>
+                                            <p:strVal val="#ppt_y+0.308"/>
+                                          </p:val>
+                                        </p:tav>
+                                        <p:tav tm="10000">
+                                          <p:val>
+                                            <p:strVal val="#ppt_y+0.3024"/>
+                                          </p:val>
+                                        </p:tav>
+                                        <p:tav tm="15000">
+                                          <p:val>
+                                            <p:strVal val="#ppt_y+0.2931"/>
+                                          </p:val>
+                                        </p:tav>
+                                        <p:tav tm="20000">
+                                          <p:val>
+                                            <p:strVal val="#ppt_y+0.2804"/>
+                                          </p:val>
+                                        </p:tav>
+                                        <p:tav tm="25000">
+                                          <p:val>
+                                            <p:strVal val="#ppt_y+0.2646"/>
+                                          </p:val>
+                                        </p:tav>
+                                        <p:tav tm="30000">
+                                          <p:val>
+                                            <p:strVal val="#ppt_y+0.2461"/>
+                                          </p:val>
+                                        </p:tav>
+                                        <p:tav tm="35000">
+                                          <p:val>
+                                            <p:strVal val="#ppt_y+0.2253"/>
+                                          </p:val>
+                                        </p:tav>
+                                        <p:tav tm="40000">
+                                          <p:val>
+                                            <p:strVal val="#ppt_y+0.2029"/>
+                                          </p:val>
+                                        </p:tav>
+                                        <p:tav tm="45000">
+                                          <p:val>
+                                            <p:strVal val="#ppt_y+0.1792"/>
+                                          </p:val>
+                                        </p:tav>
+                                        <p:tav tm="50000">
+                                          <p:val>
+                                            <p:strVal val="#ppt_y+0.155"/>
+                                          </p:val>
+                                        </p:tav>
+                                        <p:tav tm="55000">
+                                          <p:val>
+                                            <p:strVal val="#ppt_y+0.1307"/>
+                                          </p:val>
+                                        </p:tav>
+                                        <p:tav tm="60000">
+                                          <p:val>
+                                            <p:strVal val="#ppt_y+0.1071"/>
+                                          </p:val>
+                                        </p:tav>
+                                        <p:tav tm="65000">
+                                          <p:val>
+                                            <p:strVal val="#ppt_y+0.0846"/>
+                                          </p:val>
+                                        </p:tav>
+                                        <p:tav tm="70000">
+                                          <p:val>
+                                            <p:strVal val="#ppt_y+0.0639"/>
+                                          </p:val>
+                                        </p:tav>
+                                        <p:tav tm="75000">
+                                          <p:val>
+                                            <p:strVal val="#ppt_y+0.0454"/>
+                                          </p:val>
+                                        </p:tav>
+                                        <p:tav tm="80000">
+                                          <p:val>
+                                            <p:strVal val="#ppt_y+0.0296"/>
+                                          </p:val>
+                                        </p:tav>
+                                        <p:tav tm="85000">
+                                          <p:val>
+                                            <p:strVal val="#ppt_y+0.0169"/>
+                                          </p:val>
+                                        </p:tav>
+                                        <p:tav tm="90000">
+                                          <p:val>
+                                            <p:strVal val="#ppt_y+0.0076"/>
+                                          </p:val>
+                                        </p:tav>
+                                        <p:tav tm="95000">
+                                          <p:val>
+                                            <p:strVal val="#ppt_y+0.0019"/>
+                                          </p:val>
+                                        </p:tav>
+                                        <p:tav tm="100000">
+                                          <p:val>
+                                            <p:strVal val="#ppt_y"/>
+                                          </p:val>
+                                        </p:tav>
+                                      </p:tavLst>
+                                    </p:anim>
+                                  </p:childTnLst>
+                                </p:cTn>
+                              </p:par>
+                              <p:par>
+                                <p:cTn id="58" presetID="43" presetClass="entr" presetSubtype="0" fill="hold" grpId="0" nodeType="withEffect">
+                                  <p:stCondLst>
+                                    <p:cond delay="0"/>
+                                  </p:stCondLst>
+                                  <p:childTnLst>
+                                    <p:set>
+                                      <p:cBhvr>
+                                        <p:cTn id="59" dur="1" fill="hold">
+                                          <p:stCondLst>
+                                            <p:cond delay="0"/>
+                                          </p:stCondLst>
+                                        </p:cTn>
+                                        <p:tgtEl>
+                                          <p:spTgt spid="4">
+                                            <p:graphicEl>
+                                              <a:dgm id="{F6EEE692-F8F7-46CD-B1F4-121C05C4D4D1}"/>
+                                            </p:graphicEl>
+                                          </p:spTgt>
+                                        </p:tgtEl>
+                                        <p:attrNameLst>
+                                          <p:attrName>style.visibility</p:attrName>
+                                        </p:attrNameLst>
+                                      </p:cBhvr>
+                                      <p:to>
+                                        <p:strVal val="visible"/>
+                                      </p:to>
+                                    </p:set>
+                                    <p:animEffect transition="in" filter="fade">
+                                      <p:cBhvr>
+                                        <p:cTn id="60" dur="100"/>
+                                        <p:tgtEl>
+                                          <p:spTgt spid="4">
+                                            <p:graphicEl>
+                                              <a:dgm id="{F6EEE692-F8F7-46CD-B1F4-121C05C4D4D1}"/>
+                                            </p:graphicEl>
+                                          </p:spTgt>
+                                        </p:tgtEl>
+                                      </p:cBhvr>
+                                    </p:animEffect>
+                                    <p:anim calcmode="lin" valueType="num">
+                                      <p:cBhvr>
+                                        <p:cTn id="61" dur="400" fill="hold"/>
+                                        <p:tgtEl>
+                                          <p:spTgt spid="4">
+                                            <p:graphicEl>
+                                              <a:dgm id="{F6EEE692-F8F7-46CD-B1F4-121C05C4D4D1}"/>
+                                            </p:graphicEl>
+                                          </p:spTgt>
+                                        </p:tgtEl>
+                                        <p:attrNameLst>
+                                          <p:attrName>ppt_x</p:attrName>
+                                        </p:attrNameLst>
+                                      </p:cBhvr>
+                                      <p:tavLst>
+                                        <p:tav tm="0">
+                                          <p:val>
+                                            <p:strVal val="#ppt_x"/>
+                                          </p:val>
+                                        </p:tav>
+                                        <p:tav tm="100000">
+                                          <p:val>
+                                            <p:strVal val="#ppt_x"/>
+                                          </p:val>
+                                        </p:tav>
+                                      </p:tavLst>
+                                    </p:anim>
+                                    <p:anim calcmode="lin" valueType="num">
+                                      <p:cBhvr>
+                                        <p:cTn id="62" dur="400" fill="hold"/>
+                                        <p:tgtEl>
+                                          <p:spTgt spid="4">
+                                            <p:graphicEl>
+                                              <a:dgm id="{F6EEE692-F8F7-46CD-B1F4-121C05C4D4D1}"/>
+                                            </p:graphicEl>
+                                          </p:spTgt>
+                                        </p:tgtEl>
+                                        <p:attrNameLst>
+                                          <p:attrName>ppt_y</p:attrName>
+                                        </p:attrNameLst>
+                                      </p:cBhvr>
+                                      <p:tavLst>
+                                        <p:tav tm="0">
+                                          <p:val>
+                                            <p:strVal val="#ppt_y+0.31"/>
+                                          </p:val>
+                                        </p:tav>
+                                        <p:tav tm="100000">
+                                          <p:val>
+                                            <p:strVal val="#ppt_y+0.31"/>
+                                          </p:val>
+                                        </p:tav>
+                                      </p:tavLst>
+                                    </p:anim>
+                                    <p:anim calcmode="lin" valueType="num">
+                                      <p:cBhvr>
+                                        <p:cTn id="63" dur="600" decel="50000" fill="hold">
+                                          <p:stCondLst>
+                                            <p:cond delay="400"/>
+                                          </p:stCondLst>
+                                        </p:cTn>
+                                        <p:tgtEl>
+                                          <p:spTgt spid="4">
+                                            <p:graphicEl>
+                                              <a:dgm id="{F6EEE692-F8F7-46CD-B1F4-121C05C4D4D1}"/>
+                                            </p:graphicEl>
+                                          </p:spTgt>
+                                        </p:tgtEl>
+                                        <p:attrNameLst>
+                                          <p:attrName>ppt_x</p:attrName>
+                                        </p:attrNameLst>
+                                      </p:cBhvr>
+                                      <p:tavLst>
+                                        <p:tav tm="0">
+                                          <p:val>
+                                            <p:strVal val="#ppt_x"/>
+                                          </p:val>
+                                        </p:tav>
+                                        <p:tav tm="5000">
+                                          <p:val>
+                                            <p:strVal val="#ppt_x+0.0242"/>
+                                          </p:val>
+                                        </p:tav>
+                                        <p:tav tm="10000">
+                                          <p:val>
+                                            <p:strVal val="#ppt_x+0.0479"/>
+                                          </p:val>
+                                        </p:tav>
+                                        <p:tav tm="15000">
+                                          <p:val>
+                                            <p:strVal val="#ppt_x+0.0704"/>
+                                          </p:val>
+                                        </p:tav>
+                                        <p:tav tm="20000">
+                                          <p:val>
+                                            <p:strVal val="#ppt_x+0.0911"/>
+                                          </p:val>
+                                        </p:tav>
+                                        <p:tav tm="25000">
+                                          <p:val>
+                                            <p:strVal val="#ppt_x+0.1096"/>
+                                          </p:val>
+                                        </p:tav>
+                                        <p:tav tm="30000">
+                                          <p:val>
+                                            <p:strVal val="#ppt_x+0.1254"/>
+                                          </p:val>
+                                        </p:tav>
+                                        <p:tav tm="35000">
+                                          <p:val>
+                                            <p:strVal val="#ppt_x+0.1381"/>
+                                          </p:val>
+                                        </p:tav>
+                                        <p:tav tm="40000">
+                                          <p:val>
+                                            <p:strVal val="#ppt_x+0.1474"/>
+                                          </p:val>
+                                        </p:tav>
+                                        <p:tav tm="45000">
+                                          <p:val>
+                                            <p:strVal val="#ppt_x+0.1531"/>
+                                          </p:val>
+                                        </p:tav>
+                                        <p:tav tm="50000">
+                                          <p:val>
+                                            <p:strVal val="#ppt_x+0.1550"/>
+                                          </p:val>
+                                        </p:tav>
+                                        <p:tav tm="55000">
+                                          <p:val>
+                                            <p:strVal val="#ppt_x+0.1531"/>
+                                          </p:val>
+                                        </p:tav>
+                                        <p:tav tm="60000">
+                                          <p:val>
+                                            <p:strVal val="#ppt_x+0.1474"/>
+                                          </p:val>
+                                        </p:tav>
+                                        <p:tav tm="65000">
+                                          <p:val>
+                                            <p:strVal val="#ppt_x+0.1381"/>
+                                          </p:val>
+                                        </p:tav>
+                                        <p:tav tm="70000">
+                                          <p:val>
+                                            <p:strVal val="#ppt_x+0.1254"/>
+                                          </p:val>
+                                        </p:tav>
+                                        <p:tav tm="75000">
+                                          <p:val>
+                                            <p:strVal val="#ppt_x+0.1096"/>
+                                          </p:val>
+                                        </p:tav>
+                                        <p:tav tm="80000">
+                                          <p:val>
+                                            <p:strVal val="#ppt_x+0.0911"/>
+                                          </p:val>
+                                        </p:tav>
+                                        <p:tav tm="85000">
+                                          <p:val>
+                                            <p:strVal val="#ppt_x+0.0704"/>
+                                          </p:val>
+                                        </p:tav>
+                                        <p:tav tm="90000">
+                                          <p:val>
+                                            <p:strVal val="#ppt_x+0.0479"/>
+                                          </p:val>
+                                        </p:tav>
+                                        <p:tav tm="95000">
+                                          <p:val>
+                                            <p:strVal val="#ppt_x+0.0242"/>
+                                          </p:val>
+                                        </p:tav>
+                                        <p:tav tm="100000">
+                                          <p:val>
+                                            <p:strVal val="#ppt_x"/>
+                                          </p:val>
+                                        </p:tav>
+                                      </p:tavLst>
+                                    </p:anim>
+                                    <p:anim calcmode="lin" valueType="num">
+                                      <p:cBhvr>
+                                        <p:cTn id="64" dur="600" decel="50000" fill="hold">
+                                          <p:stCondLst>
+                                            <p:cond delay="400"/>
+                                          </p:stCondLst>
+                                        </p:cTn>
+                                        <p:tgtEl>
+                                          <p:spTgt spid="4">
+                                            <p:graphicEl>
+                                              <a:dgm id="{F6EEE692-F8F7-46CD-B1F4-121C05C4D4D1}"/>
+                                            </p:graphicEl>
+                                          </p:spTgt>
+                                        </p:tgtEl>
+                                        <p:attrNameLst>
+                                          <p:attrName>ppt_y</p:attrName>
+                                        </p:attrNameLst>
+                                      </p:cBhvr>
+                                      <p:tavLst>
+                                        <p:tav tm="0">
+                                          <p:val>
+                                            <p:strVal val="#ppt_y+0.31"/>
+                                          </p:val>
+                                        </p:tav>
+                                        <p:tav tm="5000">
+                                          <p:val>
+                                            <p:strVal val="#ppt_y+0.308"/>
+                                          </p:val>
+                                        </p:tav>
+                                        <p:tav tm="10000">
+                                          <p:val>
+                                            <p:strVal val="#ppt_y+0.3024"/>
+                                          </p:val>
+                                        </p:tav>
+                                        <p:tav tm="15000">
+                                          <p:val>
+                                            <p:strVal val="#ppt_y+0.2931"/>
+                                          </p:val>
+                                        </p:tav>
+                                        <p:tav tm="20000">
+                                          <p:val>
+                                            <p:strVal val="#ppt_y+0.2804"/>
+                                          </p:val>
+                                        </p:tav>
+                                        <p:tav tm="25000">
+                                          <p:val>
+                                            <p:strVal val="#ppt_y+0.2646"/>
+                                          </p:val>
+                                        </p:tav>
+                                        <p:tav tm="30000">
+                                          <p:val>
+                                            <p:strVal val="#ppt_y+0.2461"/>
+                                          </p:val>
+                                        </p:tav>
+                                        <p:tav tm="35000">
+                                          <p:val>
+                                            <p:strVal val="#ppt_y+0.2253"/>
+                                          </p:val>
+                                        </p:tav>
+                                        <p:tav tm="40000">
+                                          <p:val>
+                                            <p:strVal val="#ppt_y+0.2029"/>
+                                          </p:val>
+                                        </p:tav>
+                                        <p:tav tm="45000">
+                                          <p:val>
+                                            <p:strVal val="#ppt_y+0.1792"/>
+                                          </p:val>
+                                        </p:tav>
+                                        <p:tav tm="50000">
+                                          <p:val>
+                                            <p:strVal val="#ppt_y+0.155"/>
+                                          </p:val>
+                                        </p:tav>
+                                        <p:tav tm="55000">
+                                          <p:val>
+                                            <p:strVal val="#ppt_y+0.1307"/>
+                                          </p:val>
+                                        </p:tav>
+                                        <p:tav tm="60000">
+                                          <p:val>
+                                            <p:strVal val="#ppt_y+0.1071"/>
+                                          </p:val>
+                                        </p:tav>
+                                        <p:tav tm="65000">
+                                          <p:val>
+                                            <p:strVal val="#ppt_y+0.0846"/>
+                                          </p:val>
+                                        </p:tav>
+                                        <p:tav tm="70000">
+                                          <p:val>
+                                            <p:strVal val="#ppt_y+0.0639"/>
+                                          </p:val>
+                                        </p:tav>
+                                        <p:tav tm="75000">
+                                          <p:val>
+                                            <p:strVal val="#ppt_y+0.0454"/>
+                                          </p:val>
+                                        </p:tav>
+                                        <p:tav tm="80000">
+                                          <p:val>
+                                            <p:strVal val="#ppt_y+0.0296"/>
+                                          </p:val>
+                                        </p:tav>
+                                        <p:tav tm="85000">
+                                          <p:val>
+                                            <p:strVal val="#ppt_y+0.0169"/>
+                                          </p:val>
+                                        </p:tav>
+                                        <p:tav tm="90000">
+                                          <p:val>
+                                            <p:strVal val="#ppt_y+0.0076"/>
+                                          </p:val>
+                                        </p:tav>
+                                        <p:tav tm="95000">
+                                          <p:val>
+                                            <p:strVal val="#ppt_y+0.0019"/>
+                                          </p:val>
+                                        </p:tav>
+                                        <p:tav tm="100000">
+                                          <p:val>
+                                            <p:strVal val="#ppt_y"/>
+                                          </p:val>
+                                        </p:tav>
+                                      </p:tavLst>
+                                    </p:anim>
+                                  </p:childTnLst>
+                                </p:cTn>
+                              </p:par>
+                              <p:par>
+                                <p:cTn id="65" presetID="43" presetClass="entr" presetSubtype="0" fill="hold" grpId="0" nodeType="withEffect">
+                                  <p:stCondLst>
+                                    <p:cond delay="0"/>
+                                  </p:stCondLst>
+                                  <p:childTnLst>
+                                    <p:set>
+                                      <p:cBhvr>
+                                        <p:cTn id="66" dur="1" fill="hold">
+                                          <p:stCondLst>
+                                            <p:cond delay="0"/>
+                                          </p:stCondLst>
+                                        </p:cTn>
+                                        <p:tgtEl>
+                                          <p:spTgt spid="4">
+                                            <p:graphicEl>
+                                              <a:dgm id="{10DBC843-0EDE-4AFC-904F-314E535CDC20}"/>
+                                            </p:graphicEl>
+                                          </p:spTgt>
+                                        </p:tgtEl>
+                                        <p:attrNameLst>
+                                          <p:attrName>style.visibility</p:attrName>
+                                        </p:attrNameLst>
+                                      </p:cBhvr>
+                                      <p:to>
+                                        <p:strVal val="visible"/>
+                                      </p:to>
+                                    </p:set>
+                                    <p:animEffect transition="in" filter="fade">
+                                      <p:cBhvr>
+                                        <p:cTn id="67" dur="100"/>
+                                        <p:tgtEl>
+                                          <p:spTgt spid="4">
+                                            <p:graphicEl>
+                                              <a:dgm id="{10DBC843-0EDE-4AFC-904F-314E535CDC20}"/>
+                                            </p:graphicEl>
+                                          </p:spTgt>
+                                        </p:tgtEl>
+                                      </p:cBhvr>
+                                    </p:animEffect>
+                                    <p:anim calcmode="lin" valueType="num">
+                                      <p:cBhvr>
+                                        <p:cTn id="68" dur="400" fill="hold"/>
+                                        <p:tgtEl>
+                                          <p:spTgt spid="4">
+                                            <p:graphicEl>
+                                              <a:dgm id="{10DBC843-0EDE-4AFC-904F-314E535CDC20}"/>
+                                            </p:graphicEl>
+                                          </p:spTgt>
+                                        </p:tgtEl>
+                                        <p:attrNameLst>
+                                          <p:attrName>ppt_x</p:attrName>
+                                        </p:attrNameLst>
+                                      </p:cBhvr>
+                                      <p:tavLst>
+                                        <p:tav tm="0">
+                                          <p:val>
+                                            <p:strVal val="#ppt_x"/>
+                                          </p:val>
+                                        </p:tav>
+                                        <p:tav tm="100000">
+                                          <p:val>
+                                            <p:strVal val="#ppt_x"/>
+                                          </p:val>
+                                        </p:tav>
+                                      </p:tavLst>
+                                    </p:anim>
+                                    <p:anim calcmode="lin" valueType="num">
+                                      <p:cBhvr>
+                                        <p:cTn id="69" dur="400" fill="hold"/>
+                                        <p:tgtEl>
+                                          <p:spTgt spid="4">
+                                            <p:graphicEl>
+                                              <a:dgm id="{10DBC843-0EDE-4AFC-904F-314E535CDC20}"/>
+                                            </p:graphicEl>
+                                          </p:spTgt>
+                                        </p:tgtEl>
+                                        <p:attrNameLst>
+                                          <p:attrName>ppt_y</p:attrName>
+                                        </p:attrNameLst>
+                                      </p:cBhvr>
+                                      <p:tavLst>
+                                        <p:tav tm="0">
+                                          <p:val>
+                                            <p:strVal val="#ppt_y+0.31"/>
+                                          </p:val>
+                                        </p:tav>
+                                        <p:tav tm="100000">
+                                          <p:val>
+                                            <p:strVal val="#ppt_y+0.31"/>
+                                          </p:val>
+                                        </p:tav>
+                                      </p:tavLst>
+                                    </p:anim>
+                                    <p:anim calcmode="lin" valueType="num">
+                                      <p:cBhvr>
+                                        <p:cTn id="70" dur="600" decel="50000" fill="hold">
+                                          <p:stCondLst>
+                                            <p:cond delay="400"/>
+                                          </p:stCondLst>
+                                        </p:cTn>
+                                        <p:tgtEl>
+                                          <p:spTgt spid="4">
+                                            <p:graphicEl>
+                                              <a:dgm id="{10DBC843-0EDE-4AFC-904F-314E535CDC20}"/>
+                                            </p:graphicEl>
+                                          </p:spTgt>
+                                        </p:tgtEl>
+                                        <p:attrNameLst>
+                                          <p:attrName>ppt_x</p:attrName>
+                                        </p:attrNameLst>
+                                      </p:cBhvr>
+                                      <p:tavLst>
+                                        <p:tav tm="0">
+                                          <p:val>
+                                            <p:strVal val="#ppt_x"/>
+                                          </p:val>
+                                        </p:tav>
+                                        <p:tav tm="5000">
+                                          <p:val>
+                                            <p:strVal val="#ppt_x+0.0242"/>
+                                          </p:val>
+                                        </p:tav>
+                                        <p:tav tm="10000">
+                                          <p:val>
+                                            <p:strVal val="#ppt_x+0.0479"/>
+                                          </p:val>
+                                        </p:tav>
+                                        <p:tav tm="15000">
+                                          <p:val>
+                                            <p:strVal val="#ppt_x+0.0704"/>
+                                          </p:val>
+                                        </p:tav>
+                                        <p:tav tm="20000">
+                                          <p:val>
+                                            <p:strVal val="#ppt_x+0.0911"/>
+                                          </p:val>
+                                        </p:tav>
+                                        <p:tav tm="25000">
+                                          <p:val>
+                                            <p:strVal val="#ppt_x+0.1096"/>
+                                          </p:val>
+                                        </p:tav>
+                                        <p:tav tm="30000">
+                                          <p:val>
+                                            <p:strVal val="#ppt_x+0.1254"/>
+                                          </p:val>
+                                        </p:tav>
+                                        <p:tav tm="35000">
+                                          <p:val>
+                                            <p:strVal val="#ppt_x+0.1381"/>
+                                          </p:val>
+                                        </p:tav>
+                                        <p:tav tm="40000">
+                                          <p:val>
+                                            <p:strVal val="#ppt_x+0.1474"/>
+                                          </p:val>
+                                        </p:tav>
+                                        <p:tav tm="45000">
+                                          <p:val>
+                                            <p:strVal val="#ppt_x+0.1531"/>
+                                          </p:val>
+                                        </p:tav>
+                                        <p:tav tm="50000">
+                                          <p:val>
+                                            <p:strVal val="#ppt_x+0.1550"/>
+                                          </p:val>
+                                        </p:tav>
+                                        <p:tav tm="55000">
+                                          <p:val>
+                                            <p:strVal val="#ppt_x+0.1531"/>
+                                          </p:val>
+                                        </p:tav>
+                                        <p:tav tm="60000">
+                                          <p:val>
+                                            <p:strVal val="#ppt_x+0.1474"/>
+                                          </p:val>
+                                        </p:tav>
+                                        <p:tav tm="65000">
+                                          <p:val>
+                                            <p:strVal val="#ppt_x+0.1381"/>
+                                          </p:val>
+                                        </p:tav>
+                                        <p:tav tm="70000">
+                                          <p:val>
+                                            <p:strVal val="#ppt_x+0.1254"/>
+                                          </p:val>
+                                        </p:tav>
+                                        <p:tav tm="75000">
+                                          <p:val>
+                                            <p:strVal val="#ppt_x+0.1096"/>
+                                          </p:val>
+                                        </p:tav>
+                                        <p:tav tm="80000">
+                                          <p:val>
+                                            <p:strVal val="#ppt_x+0.0911"/>
+                                          </p:val>
+                                        </p:tav>
+                                        <p:tav tm="85000">
+                                          <p:val>
+                                            <p:strVal val="#ppt_x+0.0704"/>
+                                          </p:val>
+                                        </p:tav>
+                                        <p:tav tm="90000">
+                                          <p:val>
+                                            <p:strVal val="#ppt_x+0.0479"/>
+                                          </p:val>
+                                        </p:tav>
+                                        <p:tav tm="95000">
+                                          <p:val>
+                                            <p:strVal val="#ppt_x+0.0242"/>
+                                          </p:val>
+                                        </p:tav>
+                                        <p:tav tm="100000">
+                                          <p:val>
+                                            <p:strVal val="#ppt_x"/>
+                                          </p:val>
+                                        </p:tav>
+                                      </p:tavLst>
+                                    </p:anim>
+                                    <p:anim calcmode="lin" valueType="num">
+                                      <p:cBhvr>
+                                        <p:cTn id="71" dur="600" decel="50000" fill="hold">
+                                          <p:stCondLst>
+                                            <p:cond delay="400"/>
+                                          </p:stCondLst>
+                                        </p:cTn>
+                                        <p:tgtEl>
+                                          <p:spTgt spid="4">
+                                            <p:graphicEl>
+                                              <a:dgm id="{10DBC843-0EDE-4AFC-904F-314E535CDC20}"/>
+                                            </p:graphicEl>
+                                          </p:spTgt>
+                                        </p:tgtEl>
+                                        <p:attrNameLst>
+                                          <p:attrName>ppt_y</p:attrName>
+                                        </p:attrNameLst>
+                                      </p:cBhvr>
+                                      <p:tavLst>
+                                        <p:tav tm="0">
+                                          <p:val>
+                                            <p:strVal val="#ppt_y+0.31"/>
+                                          </p:val>
+                                        </p:tav>
+                                        <p:tav tm="5000">
+                                          <p:val>
+                                            <p:strVal val="#ppt_y+0.308"/>
+                                          </p:val>
+                                        </p:tav>
+                                        <p:tav tm="10000">
+                                          <p:val>
+                                            <p:strVal val="#ppt_y+0.3024"/>
+                                          </p:val>
+                                        </p:tav>
+                                        <p:tav tm="15000">
+                                          <p:val>
+                                            <p:strVal val="#ppt_y+0.2931"/>
+                                          </p:val>
+                                        </p:tav>
+                                        <p:tav tm="20000">
+                                          <p:val>
+                                            <p:strVal val="#ppt_y+0.2804"/>
+                                          </p:val>
+                                        </p:tav>
+                                        <p:tav tm="25000">
+                                          <p:val>
+                                            <p:strVal val="#ppt_y+0.2646"/>
+                                          </p:val>
+                                        </p:tav>
+                                        <p:tav tm="30000">
+                                          <p:val>
+                                            <p:strVal val="#ppt_y+0.2461"/>
+                                          </p:val>
+                                        </p:tav>
+                                        <p:tav tm="35000">
+                                          <p:val>
+                                            <p:strVal val="#ppt_y+0.2253"/>
+                                          </p:val>
+                                        </p:tav>
+                                        <p:tav tm="40000">
+                                          <p:val>
+                                            <p:strVal val="#ppt_y+0.2029"/>
+                                          </p:val>
+                                        </p:tav>
+                                        <p:tav tm="45000">
+                                          <p:val>
+                                            <p:strVal val="#ppt_y+0.1792"/>
+                                          </p:val>
+                                        </p:tav>
+                                        <p:tav tm="50000">
+                                          <p:val>
+                                            <p:strVal val="#ppt_y+0.155"/>
+                                          </p:val>
+                                        </p:tav>
+                                        <p:tav tm="55000">
+                                          <p:val>
+                                            <p:strVal val="#ppt_y+0.1307"/>
+                                          </p:val>
+                                        </p:tav>
+                                        <p:tav tm="60000">
+                                          <p:val>
+                                            <p:strVal val="#ppt_y+0.1071"/>
+                                          </p:val>
+                                        </p:tav>
+                                        <p:tav tm="65000">
+                                          <p:val>
+                                            <p:strVal val="#ppt_y+0.0846"/>
+                                          </p:val>
+                                        </p:tav>
+                                        <p:tav tm="70000">
+                                          <p:val>
+                                            <p:strVal val="#ppt_y+0.0639"/>
+                                          </p:val>
+                                        </p:tav>
+                                        <p:tav tm="75000">
+                                          <p:val>
+                                            <p:strVal val="#ppt_y+0.0454"/>
+                                          </p:val>
+                                        </p:tav>
+                                        <p:tav tm="80000">
+                                          <p:val>
+                                            <p:strVal val="#ppt_y+0.0296"/>
+                                          </p:val>
+                                        </p:tav>
+                                        <p:tav tm="85000">
+                                          <p:val>
+                                            <p:strVal val="#ppt_y+0.0169"/>
+                                          </p:val>
+                                        </p:tav>
+                                        <p:tav tm="90000">
+                                          <p:val>
+                                            <p:strVal val="#ppt_y+0.0076"/>
+                                          </p:val>
+                                        </p:tav>
+                                        <p:tav tm="95000">
+                                          <p:val>
+                                            <p:strVal val="#ppt_y+0.0019"/>
+                                          </p:val>
+                                        </p:tav>
+                                        <p:tav tm="100000">
+                                          <p:val>
+                                            <p:strVal val="#ppt_y"/>
+                                          </p:val>
+                                        </p:tav>
+                                      </p:tavLst>
+                                    </p:anim>
+                                  </p:childTnLst>
+                                </p:cTn>
+                              </p:par>
+                            </p:childTnLst>
+                          </p:cTn>
+                        </p:par>
+                      </p:childTnLst>
+                    </p:cTn>
+                  </p:par>
+                  <p:par>
+                    <p:cTn id="72" fill="hold">
+                      <p:stCondLst>
+                        <p:cond delay="indefinite"/>
+                      </p:stCondLst>
+                      <p:childTnLst>
+                        <p:par>
+                          <p:cTn id="73" fill="hold">
+                            <p:stCondLst>
+                              <p:cond delay="0"/>
+                            </p:stCondLst>
+                            <p:childTnLst>
+                              <p:par>
+                                <p:cTn id="74" presetID="43" presetClass="entr" presetSubtype="0" fill="hold" grpId="0" nodeType="clickEffect">
+                                  <p:stCondLst>
+                                    <p:cond delay="0"/>
+                                  </p:stCondLst>
+                                  <p:childTnLst>
+                                    <p:set>
+                                      <p:cBhvr>
+                                        <p:cTn id="75" dur="1" fill="hold">
+                                          <p:stCondLst>
+                                            <p:cond delay="0"/>
+                                          </p:stCondLst>
+                                        </p:cTn>
+                                        <p:tgtEl>
+                                          <p:spTgt spid="4">
+                                            <p:graphicEl>
+                                              <a:dgm id="{0D993E01-56D1-4098-A818-E5EA12813F6F}"/>
+                                            </p:graphicEl>
+                                          </p:spTgt>
+                                        </p:tgtEl>
+                                        <p:attrNameLst>
+                                          <p:attrName>style.visibility</p:attrName>
+                                        </p:attrNameLst>
+                                      </p:cBhvr>
+                                      <p:to>
+                                        <p:strVal val="visible"/>
+                                      </p:to>
+                                    </p:set>
+                                    <p:animEffect transition="in" filter="fade">
+                                      <p:cBhvr>
+                                        <p:cTn id="76" dur="100"/>
+                                        <p:tgtEl>
+                                          <p:spTgt spid="4">
+                                            <p:graphicEl>
+                                              <a:dgm id="{0D993E01-56D1-4098-A818-E5EA12813F6F}"/>
+                                            </p:graphicEl>
+                                          </p:spTgt>
+                                        </p:tgtEl>
+                                      </p:cBhvr>
+                                    </p:animEffect>
+                                    <p:anim calcmode="lin" valueType="num">
+                                      <p:cBhvr>
+                                        <p:cTn id="77" dur="400" fill="hold"/>
+                                        <p:tgtEl>
+                                          <p:spTgt spid="4">
+                                            <p:graphicEl>
+                                              <a:dgm id="{0D993E01-56D1-4098-A818-E5EA12813F6F}"/>
+                                            </p:graphicEl>
+                                          </p:spTgt>
+                                        </p:tgtEl>
+                                        <p:attrNameLst>
+                                          <p:attrName>ppt_x</p:attrName>
+                                        </p:attrNameLst>
+                                      </p:cBhvr>
+                                      <p:tavLst>
+                                        <p:tav tm="0">
+                                          <p:val>
+                                            <p:strVal val="#ppt_x"/>
+                                          </p:val>
+                                        </p:tav>
+                                        <p:tav tm="100000">
+                                          <p:val>
+                                            <p:strVal val="#ppt_x"/>
+                                          </p:val>
+                                        </p:tav>
+                                      </p:tavLst>
+                                    </p:anim>
+                                    <p:anim calcmode="lin" valueType="num">
+                                      <p:cBhvr>
+                                        <p:cTn id="78" dur="400" fill="hold"/>
+                                        <p:tgtEl>
+                                          <p:spTgt spid="4">
+                                            <p:graphicEl>
+                                              <a:dgm id="{0D993E01-56D1-4098-A818-E5EA12813F6F}"/>
+                                            </p:graphicEl>
+                                          </p:spTgt>
+                                        </p:tgtEl>
+                                        <p:attrNameLst>
+                                          <p:attrName>ppt_y</p:attrName>
+                                        </p:attrNameLst>
+                                      </p:cBhvr>
+                                      <p:tavLst>
+                                        <p:tav tm="0">
+                                          <p:val>
+                                            <p:strVal val="#ppt_y+0.31"/>
+                                          </p:val>
+                                        </p:tav>
+                                        <p:tav tm="100000">
+                                          <p:val>
+                                            <p:strVal val="#ppt_y+0.31"/>
+                                          </p:val>
+                                        </p:tav>
+                                      </p:tavLst>
+                                    </p:anim>
+                                    <p:anim calcmode="lin" valueType="num">
+                                      <p:cBhvr>
+                                        <p:cTn id="79" dur="600" decel="50000" fill="hold">
+                                          <p:stCondLst>
+                                            <p:cond delay="400"/>
+                                          </p:stCondLst>
+                                        </p:cTn>
+                                        <p:tgtEl>
+                                          <p:spTgt spid="4">
+                                            <p:graphicEl>
+                                              <a:dgm id="{0D993E01-56D1-4098-A818-E5EA12813F6F}"/>
+                                            </p:graphicEl>
+                                          </p:spTgt>
+                                        </p:tgtEl>
+                                        <p:attrNameLst>
+                                          <p:attrName>ppt_x</p:attrName>
+                                        </p:attrNameLst>
+                                      </p:cBhvr>
+                                      <p:tavLst>
+                                        <p:tav tm="0">
+                                          <p:val>
+                                            <p:strVal val="#ppt_x"/>
+                                          </p:val>
+                                        </p:tav>
+                                        <p:tav tm="5000">
+                                          <p:val>
+                                            <p:strVal val="#ppt_x+0.0242"/>
+                                          </p:val>
+                                        </p:tav>
+                                        <p:tav tm="10000">
+                                          <p:val>
+                                            <p:strVal val="#ppt_x+0.0479"/>
+                                          </p:val>
+                                        </p:tav>
+                                        <p:tav tm="15000">
+                                          <p:val>
+                                            <p:strVal val="#ppt_x+0.0704"/>
+                                          </p:val>
+                                        </p:tav>
+                                        <p:tav tm="20000">
+                                          <p:val>
+                                            <p:strVal val="#ppt_x+0.0911"/>
+                                          </p:val>
+                                        </p:tav>
+                                        <p:tav tm="25000">
+                                          <p:val>
+                                            <p:strVal val="#ppt_x+0.1096"/>
+                                          </p:val>
+                                        </p:tav>
+                                        <p:tav tm="30000">
+                                          <p:val>
+                                            <p:strVal val="#ppt_x+0.1254"/>
+                                          </p:val>
+                                        </p:tav>
+                                        <p:tav tm="35000">
+                                          <p:val>
+                                            <p:strVal val="#ppt_x+0.1381"/>
+                                          </p:val>
+                                        </p:tav>
+                                        <p:tav tm="40000">
+                                          <p:val>
+                                            <p:strVal val="#ppt_x+0.1474"/>
+                                          </p:val>
+                                        </p:tav>
+                                        <p:tav tm="45000">
+                                          <p:val>
+                                            <p:strVal val="#ppt_x+0.1531"/>
+                                          </p:val>
+                                        </p:tav>
+                                        <p:tav tm="50000">
+                                          <p:val>
+                                            <p:strVal val="#ppt_x+0.1550"/>
+                                          </p:val>
+                                        </p:tav>
+                                        <p:tav tm="55000">
+                                          <p:val>
+                                            <p:strVal val="#ppt_x+0.1531"/>
+                                          </p:val>
+                                        </p:tav>
+                                        <p:tav tm="60000">
+                                          <p:val>
+                                            <p:strVal val="#ppt_x+0.1474"/>
+                                          </p:val>
+                                        </p:tav>
+                                        <p:tav tm="65000">
+                                          <p:val>
+                                            <p:strVal val="#ppt_x+0.1381"/>
+                                          </p:val>
+                                        </p:tav>
+                                        <p:tav tm="70000">
+                                          <p:val>
+                                            <p:strVal val="#ppt_x+0.1254"/>
+                                          </p:val>
+                                        </p:tav>
+                                        <p:tav tm="75000">
+                                          <p:val>
+                                            <p:strVal val="#ppt_x+0.1096"/>
+                                          </p:val>
+                                        </p:tav>
+                                        <p:tav tm="80000">
+                                          <p:val>
+                                            <p:strVal val="#ppt_x+0.0911"/>
+                                          </p:val>
+                                        </p:tav>
+                                        <p:tav tm="85000">
+                                          <p:val>
+                                            <p:strVal val="#ppt_x+0.0704"/>
+                                          </p:val>
+                                        </p:tav>
+                                        <p:tav tm="90000">
+                                          <p:val>
+                                            <p:strVal val="#ppt_x+0.0479"/>
+                                          </p:val>
+                                        </p:tav>
+                                        <p:tav tm="95000">
+                                          <p:val>
+                                            <p:strVal val="#ppt_x+0.0242"/>
+                                          </p:val>
+                                        </p:tav>
+                                        <p:tav tm="100000">
+                                          <p:val>
+                                            <p:strVal val="#ppt_x"/>
+                                          </p:val>
+                                        </p:tav>
+                                      </p:tavLst>
+                                    </p:anim>
+                                    <p:anim calcmode="lin" valueType="num">
+                                      <p:cBhvr>
+                                        <p:cTn id="80" dur="600" decel="50000" fill="hold">
+                                          <p:stCondLst>
+                                            <p:cond delay="400"/>
+                                          </p:stCondLst>
+                                        </p:cTn>
+                                        <p:tgtEl>
+                                          <p:spTgt spid="4">
+                                            <p:graphicEl>
+                                              <a:dgm id="{0D993E01-56D1-4098-A818-E5EA12813F6F}"/>
+                                            </p:graphicEl>
+                                          </p:spTgt>
+                                        </p:tgtEl>
+                                        <p:attrNameLst>
+                                          <p:attrName>ppt_y</p:attrName>
+                                        </p:attrNameLst>
+                                      </p:cBhvr>
+                                      <p:tavLst>
+                                        <p:tav tm="0">
+                                          <p:val>
+                                            <p:strVal val="#ppt_y+0.31"/>
+                                          </p:val>
+                                        </p:tav>
+                                        <p:tav tm="5000">
+                                          <p:val>
+                                            <p:strVal val="#ppt_y+0.308"/>
+                                          </p:val>
+                                        </p:tav>
+                                        <p:tav tm="10000">
+                                          <p:val>
+                                            <p:strVal val="#ppt_y+0.3024"/>
+                                          </p:val>
+                                        </p:tav>
+                                        <p:tav tm="15000">
+                                          <p:val>
+                                            <p:strVal val="#ppt_y+0.2931"/>
+                                          </p:val>
+                                        </p:tav>
+                                        <p:tav tm="20000">
+                                          <p:val>
+                                            <p:strVal val="#ppt_y+0.2804"/>
+                                          </p:val>
+                                        </p:tav>
+                                        <p:tav tm="25000">
+                                          <p:val>
+                                            <p:strVal val="#ppt_y+0.2646"/>
+                                          </p:val>
+                                        </p:tav>
+                                        <p:tav tm="30000">
+                                          <p:val>
+                                            <p:strVal val="#ppt_y+0.2461"/>
+                                          </p:val>
+                                        </p:tav>
+                                        <p:tav tm="35000">
+                                          <p:val>
+                                            <p:strVal val="#ppt_y+0.2253"/>
+                                          </p:val>
+                                        </p:tav>
+                                        <p:tav tm="40000">
+                                          <p:val>
+                                            <p:strVal val="#ppt_y+0.2029"/>
+                                          </p:val>
+                                        </p:tav>
+                                        <p:tav tm="45000">
+                                          <p:val>
+                                            <p:strVal val="#ppt_y+0.1792"/>
+                                          </p:val>
+                                        </p:tav>
+                                        <p:tav tm="50000">
+                                          <p:val>
+                                            <p:strVal val="#ppt_y+0.155"/>
+                                          </p:val>
+                                        </p:tav>
+                                        <p:tav tm="55000">
+                                          <p:val>
+                                            <p:strVal val="#ppt_y+0.1307"/>
+                                          </p:val>
+                                        </p:tav>
+                                        <p:tav tm="60000">
+                                          <p:val>
+                                            <p:strVal val="#ppt_y+0.1071"/>
+                                          </p:val>
+                                        </p:tav>
+                                        <p:tav tm="65000">
+                                          <p:val>
+                                            <p:strVal val="#ppt_y+0.0846"/>
+                                          </p:val>
+                                        </p:tav>
+                                        <p:tav tm="70000">
+                                          <p:val>
+                                            <p:strVal val="#ppt_y+0.0639"/>
+                                          </p:val>
+                                        </p:tav>
+                                        <p:tav tm="75000">
+                                          <p:val>
+                                            <p:strVal val="#ppt_y+0.0454"/>
+                                          </p:val>
+                                        </p:tav>
+                                        <p:tav tm="80000">
+                                          <p:val>
+                                            <p:strVal val="#ppt_y+0.0296"/>
+                                          </p:val>
+                                        </p:tav>
+                                        <p:tav tm="85000">
+                                          <p:val>
+                                            <p:strVal val="#ppt_y+0.0169"/>
+                                          </p:val>
+                                        </p:tav>
+                                        <p:tav tm="90000">
+                                          <p:val>
+                                            <p:strVal val="#ppt_y+0.0076"/>
+                                          </p:val>
+                                        </p:tav>
+                                        <p:tav tm="95000">
+                                          <p:val>
+                                            <p:strVal val="#ppt_y+0.0019"/>
+                                          </p:val>
+                                        </p:tav>
+                                        <p:tav tm="100000">
+                                          <p:val>
+                                            <p:strVal val="#ppt_y"/>
+                                          </p:val>
+                                        </p:tav>
+                                      </p:tavLst>
+                                    </p:anim>
+                                  </p:childTnLst>
+                                </p:cTn>
+                              </p:par>
+                              <p:par>
+                                <p:cTn id="81" presetID="43" presetClass="entr" presetSubtype="0" fill="hold" grpId="0" nodeType="withEffect">
+                                  <p:stCondLst>
+                                    <p:cond delay="0"/>
+                                  </p:stCondLst>
+                                  <p:childTnLst>
+                                    <p:set>
+                                      <p:cBhvr>
+                                        <p:cTn id="82" dur="1" fill="hold">
+                                          <p:stCondLst>
+                                            <p:cond delay="0"/>
+                                          </p:stCondLst>
+                                        </p:cTn>
+                                        <p:tgtEl>
+                                          <p:spTgt spid="4">
+                                            <p:graphicEl>
+                                              <a:dgm id="{F7A02E7D-A553-4BA8-A7D7-4E51823CC735}"/>
+                                            </p:graphicEl>
+                                          </p:spTgt>
+                                        </p:tgtEl>
+                                        <p:attrNameLst>
+                                          <p:attrName>style.visibility</p:attrName>
+                                        </p:attrNameLst>
+                                      </p:cBhvr>
+                                      <p:to>
+                                        <p:strVal val="visible"/>
+                                      </p:to>
+                                    </p:set>
+                                    <p:animEffect transition="in" filter="fade">
+                                      <p:cBhvr>
+                                        <p:cTn id="83" dur="100"/>
+                                        <p:tgtEl>
+                                          <p:spTgt spid="4">
+                                            <p:graphicEl>
+                                              <a:dgm id="{F7A02E7D-A553-4BA8-A7D7-4E51823CC735}"/>
+                                            </p:graphicEl>
+                                          </p:spTgt>
+                                        </p:tgtEl>
+                                      </p:cBhvr>
+                                    </p:animEffect>
+                                    <p:anim calcmode="lin" valueType="num">
+                                      <p:cBhvr>
+                                        <p:cTn id="84" dur="400" fill="hold"/>
+                                        <p:tgtEl>
+                                          <p:spTgt spid="4">
+                                            <p:graphicEl>
+                                              <a:dgm id="{F7A02E7D-A553-4BA8-A7D7-4E51823CC735}"/>
+                                            </p:graphicEl>
+                                          </p:spTgt>
+                                        </p:tgtEl>
+                                        <p:attrNameLst>
+                                          <p:attrName>ppt_x</p:attrName>
+                                        </p:attrNameLst>
+                                      </p:cBhvr>
+                                      <p:tavLst>
+                                        <p:tav tm="0">
+                                          <p:val>
+                                            <p:strVal val="#ppt_x"/>
+                                          </p:val>
+                                        </p:tav>
+                                        <p:tav tm="100000">
+                                          <p:val>
+                                            <p:strVal val="#ppt_x"/>
+                                          </p:val>
+                                        </p:tav>
+                                      </p:tavLst>
+                                    </p:anim>
+                                    <p:anim calcmode="lin" valueType="num">
+                                      <p:cBhvr>
+                                        <p:cTn id="85" dur="400" fill="hold"/>
+                                        <p:tgtEl>
+                                          <p:spTgt spid="4">
+                                            <p:graphicEl>
+                                              <a:dgm id="{F7A02E7D-A553-4BA8-A7D7-4E51823CC735}"/>
+                                            </p:graphicEl>
+                                          </p:spTgt>
+                                        </p:tgtEl>
+                                        <p:attrNameLst>
+                                          <p:attrName>ppt_y</p:attrName>
+                                        </p:attrNameLst>
+                                      </p:cBhvr>
+                                      <p:tavLst>
+                                        <p:tav tm="0">
+                                          <p:val>
+                                            <p:strVal val="#ppt_y+0.31"/>
+                                          </p:val>
+                                        </p:tav>
+                                        <p:tav tm="100000">
+                                          <p:val>
+                                            <p:strVal val="#ppt_y+0.31"/>
+                                          </p:val>
+                                        </p:tav>
+                                      </p:tavLst>
+                                    </p:anim>
+                                    <p:anim calcmode="lin" valueType="num">
+                                      <p:cBhvr>
+                                        <p:cTn id="86" dur="600" decel="50000" fill="hold">
+                                          <p:stCondLst>
+                                            <p:cond delay="400"/>
+                                          </p:stCondLst>
+                                        </p:cTn>
+                                        <p:tgtEl>
+                                          <p:spTgt spid="4">
+                                            <p:graphicEl>
+                                              <a:dgm id="{F7A02E7D-A553-4BA8-A7D7-4E51823CC735}"/>
+                                            </p:graphicEl>
+                                          </p:spTgt>
+                                        </p:tgtEl>
+                                        <p:attrNameLst>
+                                          <p:attrName>ppt_x</p:attrName>
+                                        </p:attrNameLst>
+                                      </p:cBhvr>
+                                      <p:tavLst>
+                                        <p:tav tm="0">
+                                          <p:val>
+                                            <p:strVal val="#ppt_x"/>
+                                          </p:val>
+                                        </p:tav>
+                                        <p:tav tm="5000">
+                                          <p:val>
+                                            <p:strVal val="#ppt_x+0.0242"/>
+                                          </p:val>
+                                        </p:tav>
+                                        <p:tav tm="10000">
+                                          <p:val>
+                                            <p:strVal val="#ppt_x+0.0479"/>
+                                          </p:val>
+                                        </p:tav>
+                                        <p:tav tm="15000">
+                                          <p:val>
+                                            <p:strVal val="#ppt_x+0.0704"/>
+                                          </p:val>
+                                        </p:tav>
+                                        <p:tav tm="20000">
+                                          <p:val>
+                                            <p:strVal val="#ppt_x+0.0911"/>
+                                          </p:val>
+                                        </p:tav>
+                                        <p:tav tm="25000">
+                                          <p:val>
+                                            <p:strVal val="#ppt_x+0.1096"/>
+                                          </p:val>
+                                        </p:tav>
+                                        <p:tav tm="30000">
+                                          <p:val>
+                                            <p:strVal val="#ppt_x+0.1254"/>
+                                          </p:val>
+                                        </p:tav>
+                                        <p:tav tm="35000">
+                                          <p:val>
+                                            <p:strVal val="#ppt_x+0.1381"/>
+                                          </p:val>
+                                        </p:tav>
+                                        <p:tav tm="40000">
+                                          <p:val>
+                                            <p:strVal val="#ppt_x+0.1474"/>
+                                          </p:val>
+                                        </p:tav>
+                                        <p:tav tm="45000">
+                                          <p:val>
+                                            <p:strVal val="#ppt_x+0.1531"/>
+                                          </p:val>
+                                        </p:tav>
+                                        <p:tav tm="50000">
+                                          <p:val>
+                                            <p:strVal val="#ppt_x+0.1550"/>
+                                          </p:val>
+                                        </p:tav>
+                                        <p:tav tm="55000">
+                                          <p:val>
+                                            <p:strVal val="#ppt_x+0.1531"/>
+                                          </p:val>
+                                        </p:tav>
+                                        <p:tav tm="60000">
+                                          <p:val>
+                                            <p:strVal val="#ppt_x+0.1474"/>
+                                          </p:val>
+                                        </p:tav>
+                                        <p:tav tm="65000">
+                                          <p:val>
+                                            <p:strVal val="#ppt_x+0.1381"/>
+                                          </p:val>
+                                        </p:tav>
+                                        <p:tav tm="70000">
+                                          <p:val>
+                                            <p:strVal val="#ppt_x+0.1254"/>
+                                          </p:val>
+                                        </p:tav>
+                                        <p:tav tm="75000">
+                                          <p:val>
+                                            <p:strVal val="#ppt_x+0.1096"/>
+                                          </p:val>
+                                        </p:tav>
+                                        <p:tav tm="80000">
+                                          <p:val>
+                                            <p:strVal val="#ppt_x+0.0911"/>
+                                          </p:val>
+                                        </p:tav>
+                                        <p:tav tm="85000">
+                                          <p:val>
+                                            <p:strVal val="#ppt_x+0.0704"/>
+                                          </p:val>
+                                        </p:tav>
+                                        <p:tav tm="90000">
+                                          <p:val>
+                                            <p:strVal val="#ppt_x+0.0479"/>
+                                          </p:val>
+                                        </p:tav>
+                                        <p:tav tm="95000">
+                                          <p:val>
+                                            <p:strVal val="#ppt_x+0.0242"/>
+                                          </p:val>
+                                        </p:tav>
+                                        <p:tav tm="100000">
+                                          <p:val>
+                                            <p:strVal val="#ppt_x"/>
+                                          </p:val>
+                                        </p:tav>
+                                      </p:tavLst>
+                                    </p:anim>
+                                    <p:anim calcmode="lin" valueType="num">
+                                      <p:cBhvr>
+                                        <p:cTn id="87" dur="600" decel="50000" fill="hold">
+                                          <p:stCondLst>
+                                            <p:cond delay="400"/>
+                                          </p:stCondLst>
+                                        </p:cTn>
+                                        <p:tgtEl>
+                                          <p:spTgt spid="4">
+                                            <p:graphicEl>
+                                              <a:dgm id="{F7A02E7D-A553-4BA8-A7D7-4E51823CC735}"/>
+                                            </p:graphicEl>
+                                          </p:spTgt>
+                                        </p:tgtEl>
+                                        <p:attrNameLst>
+                                          <p:attrName>ppt_y</p:attrName>
+                                        </p:attrNameLst>
+                                      </p:cBhvr>
+                                      <p:tavLst>
+                                        <p:tav tm="0">
+                                          <p:val>
+                                            <p:strVal val="#ppt_y+0.31"/>
+                                          </p:val>
+                                        </p:tav>
+                                        <p:tav tm="5000">
+                                          <p:val>
+                                            <p:strVal val="#ppt_y+0.308"/>
+                                          </p:val>
+                                        </p:tav>
+                                        <p:tav tm="10000">
+                                          <p:val>
+                                            <p:strVal val="#ppt_y+0.3024"/>
+                                          </p:val>
+                                        </p:tav>
+                                        <p:tav tm="15000">
+                                          <p:val>
+                                            <p:strVal val="#ppt_y+0.2931"/>
+                                          </p:val>
+                                        </p:tav>
+                                        <p:tav tm="20000">
+                                          <p:val>
+                                            <p:strVal val="#ppt_y+0.2804"/>
+                                          </p:val>
+                                        </p:tav>
+                                        <p:tav tm="25000">
+                                          <p:val>
+                                            <p:strVal val="#ppt_y+0.2646"/>
+                                          </p:val>
+                                        </p:tav>
+                                        <p:tav tm="30000">
+                                          <p:val>
+                                            <p:strVal val="#ppt_y+0.2461"/>
+                                          </p:val>
+                                        </p:tav>
+                                        <p:tav tm="35000">
+                                          <p:val>
+                                            <p:strVal val="#ppt_y+0.2253"/>
+                                          </p:val>
+                                        </p:tav>
+                                        <p:tav tm="40000">
+                                          <p:val>
+                                            <p:strVal val="#ppt_y+0.2029"/>
+                                          </p:val>
+                                        </p:tav>
+                                        <p:tav tm="45000">
+                                          <p:val>
+                                            <p:strVal val="#ppt_y+0.1792"/>
+                                          </p:val>
+                                        </p:tav>
+                                        <p:tav tm="50000">
+                                          <p:val>
+                                            <p:strVal val="#ppt_y+0.155"/>
+                                          </p:val>
+                                        </p:tav>
+                                        <p:tav tm="55000">
+                                          <p:val>
+                                            <p:strVal val="#ppt_y+0.1307"/>
+                                          </p:val>
+                                        </p:tav>
+                                        <p:tav tm="60000">
+                                          <p:val>
+                                            <p:strVal val="#ppt_y+0.1071"/>
+                                          </p:val>
+                                        </p:tav>
+                                        <p:tav tm="65000">
+                                          <p:val>
+                                            <p:strVal val="#ppt_y+0.0846"/>
+                                          </p:val>
+                                        </p:tav>
+                                        <p:tav tm="70000">
+                                          <p:val>
+                                            <p:strVal val="#ppt_y+0.0639"/>
+                                          </p:val>
+                                        </p:tav>
+                                        <p:tav tm="75000">
+                                          <p:val>
+                                            <p:strVal val="#ppt_y+0.0454"/>
+                                          </p:val>
+                                        </p:tav>
+                                        <p:tav tm="80000">
+                                          <p:val>
+                                            <p:strVal val="#ppt_y+0.0296"/>
+                                          </p:val>
+                                        </p:tav>
+                                        <p:tav tm="85000">
+                                          <p:val>
+                                            <p:strVal val="#ppt_y+0.0169"/>
+                                          </p:val>
+                                        </p:tav>
+                                        <p:tav tm="90000">
+                                          <p:val>
+                                            <p:strVal val="#ppt_y+0.0076"/>
+                                          </p:val>
+                                        </p:tav>
+                                        <p:tav tm="95000">
+                                          <p:val>
+                                            <p:strVal val="#ppt_y+0.0019"/>
+                                          </p:val>
+                                        </p:tav>
+                                        <p:tav tm="100000">
+                                          <p:val>
+                                            <p:strVal val="#ppt_y"/>
+                                          </p:val>
+                                        </p:tav>
+                                      </p:tavLst>
+                                    </p:anim>
+                                  </p:childTnLst>
+                                </p:cTn>
+                              </p:par>
+                              <p:par>
+                                <p:cTn id="88" presetID="43" presetClass="entr" presetSubtype="0" fill="hold" grpId="0" nodeType="withEffect">
+                                  <p:stCondLst>
+                                    <p:cond delay="0"/>
+                                  </p:stCondLst>
+                                  <p:childTnLst>
+                                    <p:set>
+                                      <p:cBhvr>
+                                        <p:cTn id="89" dur="1" fill="hold">
+                                          <p:stCondLst>
+                                            <p:cond delay="0"/>
+                                          </p:stCondLst>
+                                        </p:cTn>
+                                        <p:tgtEl>
+                                          <p:spTgt spid="4">
+                                            <p:graphicEl>
+                                              <a:dgm id="{DEA22F9E-FE83-4E66-A9FD-30518104D4C3}"/>
+                                            </p:graphicEl>
+                                          </p:spTgt>
+                                        </p:tgtEl>
+                                        <p:attrNameLst>
+                                          <p:attrName>style.visibility</p:attrName>
+                                        </p:attrNameLst>
+                                      </p:cBhvr>
+                                      <p:to>
+                                        <p:strVal val="visible"/>
+                                      </p:to>
+                                    </p:set>
+                                    <p:animEffect transition="in" filter="fade">
+                                      <p:cBhvr>
+                                        <p:cTn id="90" dur="100"/>
+                                        <p:tgtEl>
+                                          <p:spTgt spid="4">
+                                            <p:graphicEl>
+                                              <a:dgm id="{DEA22F9E-FE83-4E66-A9FD-30518104D4C3}"/>
+                                            </p:graphicEl>
+                                          </p:spTgt>
+                                        </p:tgtEl>
+                                      </p:cBhvr>
+                                    </p:animEffect>
+                                    <p:anim calcmode="lin" valueType="num">
+                                      <p:cBhvr>
+                                        <p:cTn id="91" dur="400" fill="hold"/>
+                                        <p:tgtEl>
+                                          <p:spTgt spid="4">
+                                            <p:graphicEl>
+                                              <a:dgm id="{DEA22F9E-FE83-4E66-A9FD-30518104D4C3}"/>
+                                            </p:graphicEl>
+                                          </p:spTgt>
+                                        </p:tgtEl>
+                                        <p:attrNameLst>
+                                          <p:attrName>ppt_x</p:attrName>
+                                        </p:attrNameLst>
+                                      </p:cBhvr>
+                                      <p:tavLst>
+                                        <p:tav tm="0">
+                                          <p:val>
+                                            <p:strVal val="#ppt_x"/>
+                                          </p:val>
+                                        </p:tav>
+                                        <p:tav tm="100000">
+                                          <p:val>
+                                            <p:strVal val="#ppt_x"/>
+                                          </p:val>
+                                        </p:tav>
+                                      </p:tavLst>
+                                    </p:anim>
+                                    <p:anim calcmode="lin" valueType="num">
+                                      <p:cBhvr>
+                                        <p:cTn id="92" dur="400" fill="hold"/>
+                                        <p:tgtEl>
+                                          <p:spTgt spid="4">
+                                            <p:graphicEl>
+                                              <a:dgm id="{DEA22F9E-FE83-4E66-A9FD-30518104D4C3}"/>
+                                            </p:graphicEl>
+                                          </p:spTgt>
+                                        </p:tgtEl>
+                                        <p:attrNameLst>
+                                          <p:attrName>ppt_y</p:attrName>
+                                        </p:attrNameLst>
+                                      </p:cBhvr>
+                                      <p:tavLst>
+                                        <p:tav tm="0">
+                                          <p:val>
+                                            <p:strVal val="#ppt_y+0.31"/>
+                                          </p:val>
+                                        </p:tav>
+                                        <p:tav tm="100000">
+                                          <p:val>
+                                            <p:strVal val="#ppt_y+0.31"/>
+                                          </p:val>
+                                        </p:tav>
+                                      </p:tavLst>
+                                    </p:anim>
+                                    <p:anim calcmode="lin" valueType="num">
+                                      <p:cBhvr>
+                                        <p:cTn id="93" dur="600" decel="50000" fill="hold">
+                                          <p:stCondLst>
+                                            <p:cond delay="400"/>
+                                          </p:stCondLst>
+                                        </p:cTn>
+                                        <p:tgtEl>
+                                          <p:spTgt spid="4">
+                                            <p:graphicEl>
+                                              <a:dgm id="{DEA22F9E-FE83-4E66-A9FD-30518104D4C3}"/>
+                                            </p:graphicEl>
+                                          </p:spTgt>
+                                        </p:tgtEl>
+                                        <p:attrNameLst>
+                                          <p:attrName>ppt_x</p:attrName>
+                                        </p:attrNameLst>
+                                      </p:cBhvr>
+                                      <p:tavLst>
+                                        <p:tav tm="0">
+                                          <p:val>
+                                            <p:strVal val="#ppt_x"/>
+                                          </p:val>
+                                        </p:tav>
+                                        <p:tav tm="5000">
+                                          <p:val>
+                                            <p:strVal val="#ppt_x+0.0242"/>
+                                          </p:val>
+                                        </p:tav>
+                                        <p:tav tm="10000">
+                                          <p:val>
+                                            <p:strVal val="#ppt_x+0.0479"/>
+                                          </p:val>
+                                        </p:tav>
+                                        <p:tav tm="15000">
+                                          <p:val>
+                                            <p:strVal val="#ppt_x+0.0704"/>
+                                          </p:val>
+                                        </p:tav>
+                                        <p:tav tm="20000">
+                                          <p:val>
+                                            <p:strVal val="#ppt_x+0.0911"/>
+                                          </p:val>
+                                        </p:tav>
+                                        <p:tav tm="25000">
+                                          <p:val>
+                                            <p:strVal val="#ppt_x+0.1096"/>
+                                          </p:val>
+                                        </p:tav>
+                                        <p:tav tm="30000">
+                                          <p:val>
+                                            <p:strVal val="#ppt_x+0.1254"/>
+                                          </p:val>
+                                        </p:tav>
+                                        <p:tav tm="35000">
+                                          <p:val>
+                                            <p:strVal val="#ppt_x+0.1381"/>
+                                          </p:val>
+                                        </p:tav>
+                                        <p:tav tm="40000">
+                                          <p:val>
+                                            <p:strVal val="#ppt_x+0.1474"/>
+                                          </p:val>
+                                        </p:tav>
+                                        <p:tav tm="45000">
+                                          <p:val>
+                                            <p:strVal val="#ppt_x+0.1531"/>
+                                          </p:val>
+                                        </p:tav>
+                                        <p:tav tm="50000">
+                                          <p:val>
+                                            <p:strVal val="#ppt_x+0.1550"/>
+                                          </p:val>
+                                        </p:tav>
+                                        <p:tav tm="55000">
+                                          <p:val>
+                                            <p:strVal val="#ppt_x+0.1531"/>
+                                          </p:val>
+                                        </p:tav>
+                                        <p:tav tm="60000">
+                                          <p:val>
+                                            <p:strVal val="#ppt_x+0.1474"/>
+                                          </p:val>
+                                        </p:tav>
+                                        <p:tav tm="65000">
+                                          <p:val>
+                                            <p:strVal val="#ppt_x+0.1381"/>
+                                          </p:val>
+                                        </p:tav>
+                                        <p:tav tm="70000">
+                                          <p:val>
+                                            <p:strVal val="#ppt_x+0.1254"/>
+                                          </p:val>
+                                        </p:tav>
+                                        <p:tav tm="75000">
+                                          <p:val>
+                                            <p:strVal val="#ppt_x+0.1096"/>
+                                          </p:val>
+                                        </p:tav>
+                                        <p:tav tm="80000">
+                                          <p:val>
+                                            <p:strVal val="#ppt_x+0.0911"/>
+                                          </p:val>
+                                        </p:tav>
+                                        <p:tav tm="85000">
+                                          <p:val>
+                                            <p:strVal val="#ppt_x+0.0704"/>
+                                          </p:val>
+                                        </p:tav>
+                                        <p:tav tm="90000">
+                                          <p:val>
+                                            <p:strVal val="#ppt_x+0.0479"/>
+                                          </p:val>
+                                        </p:tav>
+                                        <p:tav tm="95000">
+                                          <p:val>
+                                            <p:strVal val="#ppt_x+0.0242"/>
+                                          </p:val>
+                                        </p:tav>
+                                        <p:tav tm="100000">
+                                          <p:val>
+                                            <p:strVal val="#ppt_x"/>
+                                          </p:val>
+                                        </p:tav>
+                                      </p:tavLst>
+                                    </p:anim>
+                                    <p:anim calcmode="lin" valueType="num">
+                                      <p:cBhvr>
+                                        <p:cTn id="94" dur="600" decel="50000" fill="hold">
+                                          <p:stCondLst>
+                                            <p:cond delay="400"/>
+                                          </p:stCondLst>
+                                        </p:cTn>
+                                        <p:tgtEl>
+                                          <p:spTgt spid="4">
+                                            <p:graphicEl>
+                                              <a:dgm id="{DEA22F9E-FE83-4E66-A9FD-30518104D4C3}"/>
+                                            </p:graphicEl>
+                                          </p:spTgt>
+                                        </p:tgtEl>
+                                        <p:attrNameLst>
+                                          <p:attrName>ppt_y</p:attrName>
+                                        </p:attrNameLst>
+                                      </p:cBhvr>
+                                      <p:tavLst>
+                                        <p:tav tm="0">
+                                          <p:val>
+                                            <p:strVal val="#ppt_y+0.31"/>
+                                          </p:val>
+                                        </p:tav>
+                                        <p:tav tm="5000">
+                                          <p:val>
+                                            <p:strVal val="#ppt_y+0.308"/>
+                                          </p:val>
+                                        </p:tav>
+                                        <p:tav tm="10000">
+                                          <p:val>
+                                            <p:strVal val="#ppt_y+0.3024"/>
+                                          </p:val>
+                                        </p:tav>
+                                        <p:tav tm="15000">
+                                          <p:val>
+                                            <p:strVal val="#ppt_y+0.2931"/>
+                                          </p:val>
+                                        </p:tav>
+                                        <p:tav tm="20000">
+                                          <p:val>
+                                            <p:strVal val="#ppt_y+0.2804"/>
+                                          </p:val>
+                                        </p:tav>
+                                        <p:tav tm="25000">
+                                          <p:val>
+                                            <p:strVal val="#ppt_y+0.2646"/>
+                                          </p:val>
+                                        </p:tav>
+                                        <p:tav tm="30000">
+                                          <p:val>
+                                            <p:strVal val="#ppt_y+0.2461"/>
+                                          </p:val>
+                                        </p:tav>
+                                        <p:tav tm="35000">
+                                          <p:val>
+                                            <p:strVal val="#ppt_y+0.2253"/>
+                                          </p:val>
+                                        </p:tav>
+                                        <p:tav tm="40000">
+                                          <p:val>
+                                            <p:strVal val="#ppt_y+0.2029"/>
+                                          </p:val>
+                                        </p:tav>
+                                        <p:tav tm="45000">
+                                          <p:val>
+                                            <p:strVal val="#ppt_y+0.1792"/>
+                                          </p:val>
+                                        </p:tav>
+                                        <p:tav tm="50000">
+                                          <p:val>
+                                            <p:strVal val="#ppt_y+0.155"/>
+                                          </p:val>
+                                        </p:tav>
+                                        <p:tav tm="55000">
+                                          <p:val>
+                                            <p:strVal val="#ppt_y+0.1307"/>
+                                          </p:val>
+                                        </p:tav>
+                                        <p:tav tm="60000">
+                                          <p:val>
+                                            <p:strVal val="#ppt_y+0.1071"/>
+                                          </p:val>
+                                        </p:tav>
+                                        <p:tav tm="65000">
+                                          <p:val>
+                                            <p:strVal val="#ppt_y+0.0846"/>
+                                          </p:val>
+                                        </p:tav>
+                                        <p:tav tm="70000">
+                                          <p:val>
+                                            <p:strVal val="#ppt_y+0.0639"/>
+                                          </p:val>
+                                        </p:tav>
+                                        <p:tav tm="75000">
+                                          <p:val>
+                                            <p:strVal val="#ppt_y+0.0454"/>
+                                          </p:val>
+                                        </p:tav>
+                                        <p:tav tm="80000">
+                                          <p:val>
+                                            <p:strVal val="#ppt_y+0.0296"/>
+                                          </p:val>
+                                        </p:tav>
+                                        <p:tav tm="85000">
+                                          <p:val>
+                                            <p:strVal val="#ppt_y+0.0169"/>
+                                          </p:val>
+                                        </p:tav>
+                                        <p:tav tm="90000">
+                                          <p:val>
+                                            <p:strVal val="#ppt_y+0.0076"/>
+                                          </p:val>
+                                        </p:tav>
+                                        <p:tav tm="95000">
+                                          <p:val>
+                                            <p:strVal val="#ppt_y+0.0019"/>
+                                          </p:val>
+                                        </p:tav>
+                                        <p:tav tm="100000">
+                                          <p:val>
+                                            <p:strVal val="#ppt_y"/>
+                                          </p:val>
+                                        </p:tav>
+                                      </p:tavLst>
+                                    </p:anim>
+                                  </p:childTnLst>
+                                </p:cTn>
+                              </p:par>
+                            </p:childTnLst>
+                          </p:cTn>
+                        </p:par>
+                      </p:childTnLst>
+                    </p:cTn>
+                  </p:par>
+                </p:childTnLst>
+              </p:cTn>
+              <p:prevCondLst>
+                <p:cond evt="onPrev" delay="0">
+                  <p:tgtEl>
+                    <p:sldTgt/>
+                  </p:tgtEl>
+                </p:cond>
+              </p:prevCondLst>
+              <p:nextCondLst>
+                <p:cond evt="onNext" delay="0">
+                  <p:tgtEl>
+                    <p:sldTgt/>
+                  </p:tgtEl>
+                </p:cond>
+              </p:nextCondLst>
+            </p:seq>
+          </p:childTnLst>
+        </p:cTn>
+      </p:par>
+    </p:tnLst>
+    <p:bldLst>
+      <p:bldGraphic spid="4" grpId="0">
+        <p:bldSub>
+          <a:bldDgm bld="one"/>
+        </p:bldSub>
+      </p:bldGraphic>
+    </p:bldLst>
+  </p:timing>
 </p:sld>
 </file>
 
